--- a/Analyze_project/Bike_Share/How_Does_a_Bike_Share_Navigate_Speedy_Success.pptx
+++ b/Analyze_project/Bike_Share/How_Does_a_Bike_Share_Navigate_Speedy_Success.pptx
@@ -10840,17 +10840,6 @@
                 <a:latin typeface="Times New Roman" panose="02020603050405020304" pitchFamily="18" charset="0"/>
                 <a:cs typeface="Times New Roman" panose="02020603050405020304" pitchFamily="18" charset="0"/>
               </a:rPr>
-              <a:t>Most of the riders are member users.</a:t>
-            </a:r>
-          </a:p>
-          <a:p>
-            <a:pPr marL="514350"/>
-            <a:r>
-              <a:rPr lang="en-US" altLang="zh-TW" sz="2200" b="0" i="0" dirty="0">
-                <a:effectLst/>
-                <a:latin typeface="Times New Roman" panose="02020603050405020304" pitchFamily="18" charset="0"/>
-                <a:cs typeface="Times New Roman" panose="02020603050405020304" pitchFamily="18" charset="0"/>
-              </a:rPr>
               <a:t>Classic bikes are the most popular kind.</a:t>
             </a:r>
           </a:p>
@@ -11013,7 +11002,7 @@
         </p:spPr>
         <p:txBody>
           <a:bodyPr vert="horz" lIns="91440" tIns="45720" rIns="91440" bIns="45720" rtlCol="0" anchor="ctr">
-            <a:normAutofit fontScale="92500"/>
+            <a:normAutofit/>
           </a:bodyPr>
           <a:lstStyle/>
           <a:p>
@@ -11023,60 +11012,7 @@
                 <a:latin typeface="Times New Roman" panose="02020603050405020304" pitchFamily="18" charset="0"/>
                 <a:cs typeface="Times New Roman" panose="02020603050405020304" pitchFamily="18" charset="0"/>
               </a:rPr>
-              <a:t>There is a seasonal trend in ridership by both casual and member riders. Can see that the rise in no of rides during summer (July to September) </a:t>
-            </a:r>
-          </a:p>
-          <a:p>
-            <a:r>
-              <a:rPr lang="en-US" altLang="zh-TW" sz="2200" dirty="0">
-                <a:latin typeface="Times New Roman" panose="02020603050405020304" pitchFamily="18" charset="0"/>
-                <a:cs typeface="Times New Roman" panose="02020603050405020304" pitchFamily="18" charset="0"/>
-              </a:rPr>
-              <a:t>M</a:t>
-            </a:r>
-            <a:r>
-              <a:rPr lang="en-US" altLang="zh-TW" sz="2200" b="0" i="0" dirty="0">
-                <a:effectLst/>
-                <a:latin typeface="Times New Roman" panose="02020603050405020304" pitchFamily="18" charset="0"/>
-                <a:cs typeface="Times New Roman" panose="02020603050405020304" pitchFamily="18" charset="0"/>
-              </a:rPr>
-              <a:t>ember ridership</a:t>
-            </a:r>
-            <a:r>
-              <a:rPr lang="zh-TW" altLang="en-US" sz="2200" b="0" i="0" dirty="0">
-                <a:effectLst/>
-                <a:latin typeface="Times New Roman" panose="02020603050405020304" pitchFamily="18" charset="0"/>
-                <a:cs typeface="Times New Roman" panose="02020603050405020304" pitchFamily="18" charset="0"/>
-              </a:rPr>
-              <a:t> </a:t>
-            </a:r>
-            <a:r>
-              <a:rPr lang="en-US" altLang="zh-TW" sz="2200" b="0" i="0" dirty="0">
-                <a:effectLst/>
-                <a:latin typeface="Times New Roman" panose="02020603050405020304" pitchFamily="18" charset="0"/>
-                <a:cs typeface="Times New Roman" panose="02020603050405020304" pitchFamily="18" charset="0"/>
-              </a:rPr>
-              <a:t>surpasses casual ridership</a:t>
-            </a:r>
-          </a:p>
-          <a:p>
-            <a:r>
-              <a:rPr lang="en-US" altLang="zh-TW" sz="2200" b="0" i="0" dirty="0">
-                <a:effectLst/>
-                <a:latin typeface="Times New Roman" panose="02020603050405020304" pitchFamily="18" charset="0"/>
-                <a:cs typeface="Times New Roman" panose="02020603050405020304" pitchFamily="18" charset="0"/>
-              </a:rPr>
-              <a:t>In weekends casual riders' ride length is maximum when compared to Weekdays. Members' ride length tend to be almost same in all weekdays</a:t>
-            </a:r>
-          </a:p>
-          <a:p>
-            <a:r>
-              <a:rPr lang="en-US" altLang="zh-TW" sz="2200" b="0" i="0" dirty="0">
-                <a:effectLst/>
-                <a:latin typeface="Times New Roman" panose="02020603050405020304" pitchFamily="18" charset="0"/>
-                <a:cs typeface="Times New Roman" panose="02020603050405020304" pitchFamily="18" charset="0"/>
-              </a:rPr>
-              <a:t>The average ride length by casual riders is less than half of the members in the same year (2023).</a:t>
+              <a:t>Ride Duration: On weekends, casual riders have longer ride durations compared to weekdays, suggesting they use bikes for leisure activities. Conversely, members have relatively consistent ride lengths throughout the week, likely indicating usage for commuting.</a:t>
             </a:r>
           </a:p>
         </p:txBody>
@@ -11161,140 +11097,6 @@
           <a:chExt cx="0" cy="0"/>
         </a:xfrm>
       </p:grpSpPr>
-      <p:sp>
-        <p:nvSpPr>
-          <p:cNvPr id="2" name="標題 1">
-            <a:extLst>
-              <a:ext uri="{FF2B5EF4-FFF2-40B4-BE49-F238E27FC236}">
-                <a16:creationId xmlns:a16="http://schemas.microsoft.com/office/drawing/2014/main" id="{02647882-B40A-0087-E356-20C0C4636AAA}"/>
-              </a:ext>
-            </a:extLst>
-          </p:cNvPr>
-          <p:cNvSpPr>
-            <a:spLocks noGrp="1"/>
-          </p:cNvSpPr>
-          <p:nvPr>
-            <p:ph type="title"/>
-          </p:nvPr>
-        </p:nvSpPr>
-        <p:spPr>
-          <a:xfrm>
-            <a:off x="7734650" y="693255"/>
-            <a:ext cx="2246470" cy="625888"/>
-          </a:xfrm>
-        </p:spPr>
-        <p:txBody>
-          <a:bodyPr vert="horz" lIns="91440" tIns="45720" rIns="91440" bIns="45720" rtlCol="0" anchor="ctr">
-            <a:normAutofit/>
-          </a:bodyPr>
-          <a:lstStyle/>
-          <a:p>
-            <a:pPr algn="ctr"/>
-            <a:r>
-              <a:rPr lang="en-US" altLang="zh-TW" kern="1200" dirty="0">
-                <a:solidFill>
-                  <a:schemeClr val="tx1"/>
-                </a:solidFill>
-                <a:latin typeface="Times New Roman" panose="02020603050405020304" pitchFamily="18" charset="0"/>
-                <a:cs typeface="Times New Roman" panose="02020603050405020304" pitchFamily="18" charset="0"/>
-              </a:rPr>
-              <a:t>Analyze</a:t>
-            </a:r>
-          </a:p>
-        </p:txBody>
-      </p:sp>
-      <p:sp>
-        <p:nvSpPr>
-          <p:cNvPr id="14" name="文字版面配置區 2">
-            <a:extLst>
-              <a:ext uri="{FF2B5EF4-FFF2-40B4-BE49-F238E27FC236}">
-                <a16:creationId xmlns:a16="http://schemas.microsoft.com/office/drawing/2014/main" id="{10329BD7-8254-DE9B-73DA-A39651D66219}"/>
-              </a:ext>
-            </a:extLst>
-          </p:cNvPr>
-          <p:cNvSpPr>
-            <a:spLocks noGrp="1"/>
-          </p:cNvSpPr>
-          <p:nvPr>
-            <p:ph type="body" idx="1"/>
-          </p:nvPr>
-        </p:nvSpPr>
-        <p:spPr>
-          <a:xfrm>
-            <a:off x="5713531" y="1006199"/>
-            <a:ext cx="6478469" cy="4806892"/>
-          </a:xfrm>
-        </p:spPr>
-        <p:txBody>
-          <a:bodyPr vert="horz" lIns="91440" tIns="45720" rIns="91440" bIns="45720" rtlCol="0" anchor="ctr">
-            <a:normAutofit/>
-          </a:bodyPr>
-          <a:lstStyle/>
-          <a:p>
-            <a:r>
-              <a:rPr lang="en-US" altLang="zh-TW" sz="2200" b="0" i="0" dirty="0">
-                <a:effectLst/>
-                <a:latin typeface="Times New Roman" panose="02020603050405020304" pitchFamily="18" charset="0"/>
-                <a:cs typeface="Times New Roman" panose="02020603050405020304" pitchFamily="18" charset="0"/>
-              </a:rPr>
-              <a:t>There is a seasonal trend in ridership by both casual and member riders. Can see that the rise in no of rides during summer (July to September) </a:t>
-            </a:r>
-          </a:p>
-          <a:p>
-            <a:r>
-              <a:rPr lang="en-US" altLang="zh-TW" sz="2200" dirty="0">
-                <a:latin typeface="Times New Roman" panose="02020603050405020304" pitchFamily="18" charset="0"/>
-                <a:cs typeface="Times New Roman" panose="02020603050405020304" pitchFamily="18" charset="0"/>
-              </a:rPr>
-              <a:t>M</a:t>
-            </a:r>
-            <a:r>
-              <a:rPr lang="en-US" altLang="zh-TW" sz="2200" b="0" i="0" dirty="0">
-                <a:effectLst/>
-                <a:latin typeface="Times New Roman" panose="02020603050405020304" pitchFamily="18" charset="0"/>
-                <a:cs typeface="Times New Roman" panose="02020603050405020304" pitchFamily="18" charset="0"/>
-              </a:rPr>
-              <a:t>ember ridership</a:t>
-            </a:r>
-            <a:r>
-              <a:rPr lang="zh-TW" altLang="en-US" sz="2200" b="0" i="0" dirty="0">
-                <a:effectLst/>
-                <a:latin typeface="Times New Roman" panose="02020603050405020304" pitchFamily="18" charset="0"/>
-                <a:cs typeface="Times New Roman" panose="02020603050405020304" pitchFamily="18" charset="0"/>
-              </a:rPr>
-              <a:t> </a:t>
-            </a:r>
-            <a:r>
-              <a:rPr lang="en-US" altLang="zh-TW" sz="2200" b="0" i="0" dirty="0">
-                <a:effectLst/>
-                <a:latin typeface="Times New Roman" panose="02020603050405020304" pitchFamily="18" charset="0"/>
-                <a:cs typeface="Times New Roman" panose="02020603050405020304" pitchFamily="18" charset="0"/>
-              </a:rPr>
-              <a:t>surpasses casual ridership</a:t>
-            </a:r>
-          </a:p>
-          <a:p>
-            <a:r>
-              <a:rPr lang="en-US" altLang="zh-TW" sz="2200" b="0" i="0" dirty="0">
-                <a:effectLst/>
-                <a:latin typeface="Times New Roman" panose="02020603050405020304" pitchFamily="18" charset="0"/>
-                <a:cs typeface="Times New Roman" panose="02020603050405020304" pitchFamily="18" charset="0"/>
-              </a:rPr>
-              <a:t>In weekends casual riders' ride length is maximum when compared to Weekdays. Members' ride length tend to be almost same in all weekdays</a:t>
-            </a:r>
-          </a:p>
-          <a:p>
-            <a:r>
-              <a:rPr lang="en-US" altLang="zh-TW" sz="2200" b="0" i="0" dirty="0">
-                <a:effectLst/>
-                <a:latin typeface="Times New Roman" panose="02020603050405020304" pitchFamily="18" charset="0"/>
-                <a:cs typeface="Times New Roman" panose="02020603050405020304" pitchFamily="18" charset="0"/>
-              </a:rPr>
-              <a:t>The average ride length by casual riders is less than half of the members in the same year (2023).</a:t>
-            </a:r>
-          </a:p>
-        </p:txBody>
-      </p:sp>
       <p:pic>
         <p:nvPicPr>
           <p:cNvPr id="6" name="圖片 5">
@@ -11331,6 +11133,121 @@
           </a:prstGeom>
         </p:spPr>
       </p:pic>
+      <p:sp>
+        <p:nvSpPr>
+          <p:cNvPr id="14" name="文字版面配置區 2">
+            <a:extLst>
+              <a:ext uri="{FF2B5EF4-FFF2-40B4-BE49-F238E27FC236}">
+                <a16:creationId xmlns:a16="http://schemas.microsoft.com/office/drawing/2014/main" id="{10329BD7-8254-DE9B-73DA-A39651D66219}"/>
+              </a:ext>
+            </a:extLst>
+          </p:cNvPr>
+          <p:cNvSpPr>
+            <a:spLocks noGrp="1"/>
+          </p:cNvSpPr>
+          <p:nvPr>
+            <p:ph type="body" idx="1"/>
+          </p:nvPr>
+        </p:nvSpPr>
+        <p:spPr>
+          <a:xfrm>
+            <a:off x="5456903" y="1"/>
+            <a:ext cx="6718320" cy="6120580"/>
+          </a:xfrm>
+        </p:spPr>
+        <p:txBody>
+          <a:bodyPr vert="horz" lIns="91440" tIns="45720" rIns="91440" bIns="45720" rtlCol="0" anchor="ctr">
+            <a:normAutofit/>
+          </a:bodyPr>
+          <a:lstStyle/>
+          <a:p>
+            <a:r>
+              <a:rPr lang="en-US" altLang="zh-TW" sz="2200" dirty="0">
+                <a:latin typeface="Times New Roman" panose="02020603050405020304" pitchFamily="18" charset="0"/>
+                <a:cs typeface="Times New Roman" panose="02020603050405020304" pitchFamily="18" charset="0"/>
+              </a:rPr>
+              <a:t>D</a:t>
+            </a:r>
+            <a:r>
+              <a:rPr lang="en-US" altLang="zh-TW" sz="2200" b="0" i="0" dirty="0">
+                <a:effectLst/>
+                <a:latin typeface="Times New Roman" panose="02020603050405020304" pitchFamily="18" charset="0"/>
+                <a:cs typeface="Times New Roman" panose="02020603050405020304" pitchFamily="18" charset="0"/>
+              </a:rPr>
+              <a:t>istinct seasonal trends in ridership for both casual and member riders. There is a noticeable increase in the number of rides during the summer months (July to September).</a:t>
+            </a:r>
+          </a:p>
+          <a:p>
+            <a:endParaRPr lang="en-US" altLang="zh-TW" sz="2200" b="0" i="0" dirty="0">
+              <a:effectLst/>
+              <a:latin typeface="Times New Roman" panose="02020603050405020304" pitchFamily="18" charset="0"/>
+              <a:cs typeface="Times New Roman" panose="02020603050405020304" pitchFamily="18" charset="0"/>
+            </a:endParaRPr>
+          </a:p>
+          <a:p>
+            <a:r>
+              <a:rPr lang="en-US" altLang="zh-TW" sz="2200" b="0" i="0" dirty="0">
+                <a:effectLst/>
+                <a:latin typeface="Times New Roman" panose="02020603050405020304" pitchFamily="18" charset="0"/>
+                <a:cs typeface="Times New Roman" panose="02020603050405020304" pitchFamily="18" charset="0"/>
+              </a:rPr>
+              <a:t>Member Ridership: Members consistently surpass casual riders in terms of the number of rides.</a:t>
+            </a:r>
+          </a:p>
+          <a:p>
+            <a:r>
+              <a:rPr lang="en-US" altLang="zh-TW" sz="2200" b="0" i="0" dirty="0">
+                <a:effectLst/>
+                <a:latin typeface="Times New Roman" panose="02020603050405020304" pitchFamily="18" charset="0"/>
+                <a:cs typeface="Times New Roman" panose="02020603050405020304" pitchFamily="18" charset="0"/>
+              </a:rPr>
+              <a:t>Annual Comparison: In 2023, the average ride length for casual riders was less than half that of members.</a:t>
+            </a:r>
+          </a:p>
+        </p:txBody>
+      </p:sp>
+      <p:sp>
+        <p:nvSpPr>
+          <p:cNvPr id="7" name="標題 1">
+            <a:extLst>
+              <a:ext uri="{FF2B5EF4-FFF2-40B4-BE49-F238E27FC236}">
+                <a16:creationId xmlns:a16="http://schemas.microsoft.com/office/drawing/2014/main" id="{DCC6F5F7-955C-8BAA-1641-D9B266AC0660}"/>
+              </a:ext>
+            </a:extLst>
+          </p:cNvPr>
+          <p:cNvSpPr>
+            <a:spLocks noGrp="1"/>
+          </p:cNvSpPr>
+          <p:nvPr>
+            <p:ph type="title"/>
+          </p:nvPr>
+        </p:nvSpPr>
+        <p:spPr>
+          <a:xfrm>
+            <a:off x="7921230" y="111531"/>
+            <a:ext cx="2246470" cy="625888"/>
+          </a:xfrm>
+        </p:spPr>
+        <p:txBody>
+          <a:bodyPr vert="horz" lIns="91440" tIns="45720" rIns="91440" bIns="45720" rtlCol="0" anchor="ctr">
+            <a:normAutofit/>
+          </a:bodyPr>
+          <a:lstStyle/>
+          <a:p>
+            <a:pPr algn="ctr"/>
+            <a:r>
+              <a:rPr lang="en-US" altLang="zh-TW" kern="1200" dirty="0">
+                <a:solidFill>
+                  <a:schemeClr val="tx1"/>
+                </a:solidFill>
+                <a:latin typeface="Times New Roman" panose="02020603050405020304" pitchFamily="18" charset="0"/>
+                <a:cs typeface="Times New Roman" panose="02020603050405020304" pitchFamily="18" charset="0"/>
+              </a:rPr>
+              <a:t>Analyze</a:t>
+            </a:r>
+          </a:p>
+        </p:txBody>
+      </p:sp>
     </p:spTree>
     <p:extLst>
       <p:ext uri="{BB962C8B-B14F-4D97-AF65-F5344CB8AC3E}">
@@ -11387,13 +11304,13 @@
         </p:nvSpPr>
         <p:spPr>
           <a:xfrm>
-            <a:off x="0" y="0"/>
-            <a:ext cx="1546903" cy="541004"/>
+            <a:off x="5342205" y="0"/>
+            <a:ext cx="1507589" cy="844063"/>
           </a:xfrm>
         </p:spPr>
         <p:txBody>
           <a:bodyPr vert="horz" lIns="91440" tIns="45720" rIns="91440" bIns="45720" rtlCol="0" anchor="ctr">
-            <a:normAutofit/>
+            <a:normAutofit fontScale="90000"/>
           </a:bodyPr>
           <a:lstStyle/>
           <a:p>
@@ -11425,37 +11342,122 @@
         </p:nvSpPr>
         <p:spPr>
           <a:xfrm>
-            <a:off x="-1" y="427839"/>
-            <a:ext cx="12191999" cy="5691930"/>
+            <a:off x="0" y="1"/>
+            <a:ext cx="12191998" cy="6133514"/>
           </a:xfrm>
         </p:spPr>
         <p:txBody>
           <a:bodyPr vert="horz" lIns="91440" tIns="45720" rIns="91440" bIns="45720" rtlCol="0" anchor="ctr">
-            <a:normAutofit lnSpcReduction="10000"/>
+            <a:normAutofit fontScale="92500" lnSpcReduction="10000"/>
           </a:bodyPr>
           <a:lstStyle/>
           <a:p>
             <a:pPr marL="514350"/>
+            <a:r>
+              <a:rPr lang="en-US" altLang="zh-TW" sz="2600" b="1" dirty="0">
+                <a:latin typeface="Times New Roman" panose="02020603050405020304" pitchFamily="18" charset="0"/>
+                <a:cs typeface="Times New Roman" panose="02020603050405020304" pitchFamily="18" charset="0"/>
+              </a:rPr>
+              <a:t>Usage Differences:</a:t>
+            </a:r>
+          </a:p>
+          <a:p>
+            <a:pPr marL="514350"/>
+            <a:r>
+              <a:rPr lang="en-US" altLang="zh-TW" sz="2600" b="1" dirty="0">
+                <a:latin typeface="Times New Roman" panose="02020603050405020304" pitchFamily="18" charset="0"/>
+                <a:cs typeface="Times New Roman" panose="02020603050405020304" pitchFamily="18" charset="0"/>
+              </a:rPr>
+              <a:t>1. Trip Frequency and Duration:</a:t>
+            </a:r>
+          </a:p>
+          <a:p>
+            <a:pPr marL="285750" indent="0">
+              <a:buNone/>
+            </a:pPr>
             <a:r>
               <a:rPr lang="en-US" altLang="zh-TW" sz="2600" dirty="0">
                 <a:latin typeface="Times New Roman" panose="02020603050405020304" pitchFamily="18" charset="0"/>
                 <a:cs typeface="Times New Roman" panose="02020603050405020304" pitchFamily="18" charset="0"/>
               </a:rPr>
-              <a:t>How annual members and casual riders use Company’s bikes differently? </a:t>
-            </a:r>
-          </a:p>
-          <a:p>
-            <a:pPr rtl="0"/>
-            <a:r>
-              <a:rPr lang="en-US" altLang="zh-TW" b="1" dirty="0">
-                <a:solidFill>
-                  <a:srgbClr val="1F1F1F"/>
-                </a:solidFill>
-                <a:effectLst/>
+              <a:t>   - Casual Riders: Fewer but longer rides, especially on weekends, indicating leisure use.</a:t>
+            </a:r>
+          </a:p>
+          <a:p>
+            <a:pPr marL="285750" indent="0">
+              <a:buNone/>
+            </a:pPr>
+            <a:r>
+              <a:rPr lang="en-US" altLang="zh-TW" sz="2600" dirty="0">
                 <a:latin typeface="Times New Roman" panose="02020603050405020304" pitchFamily="18" charset="0"/>
                 <a:cs typeface="Times New Roman" panose="02020603050405020304" pitchFamily="18" charset="0"/>
               </a:rPr>
-              <a:t>Trip Frequency and Duration:</a:t>
+              <a:t>   - Annual Members: More frequent, shorter rides, indicating commuting or errands, with longer rides on weekends.</a:t>
+            </a:r>
+          </a:p>
+          <a:p>
+            <a:pPr marL="514350"/>
+            <a:endParaRPr lang="en-US" altLang="zh-TW" sz="2600" dirty="0">
+              <a:latin typeface="Times New Roman" panose="02020603050405020304" pitchFamily="18" charset="0"/>
+              <a:cs typeface="Times New Roman" panose="02020603050405020304" pitchFamily="18" charset="0"/>
+            </a:endParaRPr>
+          </a:p>
+          <a:p>
+            <a:pPr marL="514350"/>
+            <a:r>
+              <a:rPr lang="en-US" altLang="zh-TW" sz="2600" b="1" dirty="0">
+                <a:latin typeface="Times New Roman" panose="02020603050405020304" pitchFamily="18" charset="0"/>
+                <a:cs typeface="Times New Roman" panose="02020603050405020304" pitchFamily="18" charset="0"/>
+              </a:rPr>
+              <a:t>2. Bike Type Preference:</a:t>
+            </a:r>
+          </a:p>
+          <a:p>
+            <a:pPr marL="285750" indent="0">
+              <a:buNone/>
+            </a:pPr>
+            <a:r>
+              <a:rPr lang="en-US" altLang="zh-TW" sz="2600" dirty="0">
+                <a:latin typeface="Times New Roman" panose="02020603050405020304" pitchFamily="18" charset="0"/>
+                <a:cs typeface="Times New Roman" panose="02020603050405020304" pitchFamily="18" charset="0"/>
+              </a:rPr>
+              <a:t>   - Casual Riders: Prefer classic bikes, use docked bikes for short trips.</a:t>
+            </a:r>
+          </a:p>
+          <a:p>
+            <a:pPr marL="285750" indent="0">
+              <a:buNone/>
+            </a:pPr>
+            <a:r>
+              <a:rPr lang="en-US" altLang="zh-TW" sz="2600" dirty="0">
+                <a:latin typeface="Times New Roman" panose="02020603050405020304" pitchFamily="18" charset="0"/>
+                <a:cs typeface="Times New Roman" panose="02020603050405020304" pitchFamily="18" charset="0"/>
+              </a:rPr>
+              <a:t>   - Annual Members: Prefer both classic and electric bikes, indicating a mix of commuting and leisure use.</a:t>
+            </a:r>
+          </a:p>
+          <a:p>
+            <a:pPr marL="514350"/>
+            <a:endParaRPr lang="en-US" altLang="zh-TW" sz="2600" dirty="0">
+              <a:latin typeface="Times New Roman" panose="02020603050405020304" pitchFamily="18" charset="0"/>
+              <a:cs typeface="Times New Roman" panose="02020603050405020304" pitchFamily="18" charset="0"/>
+            </a:endParaRPr>
+          </a:p>
+          <a:p>
+            <a:pPr marL="514350"/>
+            <a:r>
+              <a:rPr lang="en-US" altLang="zh-TW" sz="2600" b="1" dirty="0">
+                <a:latin typeface="Times New Roman" panose="02020603050405020304" pitchFamily="18" charset="0"/>
+                <a:cs typeface="Times New Roman" panose="02020603050405020304" pitchFamily="18" charset="0"/>
+              </a:rPr>
+              <a:t>3. Seasonality: </a:t>
+            </a:r>
+            <a:r>
+              <a:rPr lang="en-US" altLang="zh-TW" sz="2600" dirty="0">
+                <a:latin typeface="Times New Roman" panose="02020603050405020304" pitchFamily="18" charset="0"/>
+                <a:cs typeface="Times New Roman" panose="02020603050405020304" pitchFamily="18" charset="0"/>
+              </a:rPr>
+              <a:t>Both groups ride most frequently during summer months.</a:t>
             </a:r>
             <a:endParaRPr lang="en-US" altLang="zh-TW" dirty="0">
               <a:solidFill>
@@ -11465,196 +11467,6 @@
               <a:latin typeface="Times New Roman" panose="02020603050405020304" pitchFamily="18" charset="0"/>
               <a:cs typeface="Times New Roman" panose="02020603050405020304" pitchFamily="18" charset="0"/>
             </a:endParaRPr>
-          </a:p>
-          <a:p>
-            <a:pPr marL="514350" indent="-514350" rtl="0">
-              <a:buFont typeface="+mj-lt"/>
-              <a:buAutoNum type="arabicPeriod"/>
-            </a:pPr>
-            <a:r>
-              <a:rPr lang="en-US" altLang="zh-TW" b="1" dirty="0">
-                <a:solidFill>
-                  <a:srgbClr val="1F1F1F"/>
-                </a:solidFill>
-                <a:effectLst/>
-                <a:latin typeface="Times New Roman" panose="02020603050405020304" pitchFamily="18" charset="0"/>
-                <a:cs typeface="Times New Roman" panose="02020603050405020304" pitchFamily="18" charset="0"/>
-              </a:rPr>
-              <a:t>Casual riders:</a:t>
-            </a:r>
-            <a:r>
-              <a:rPr lang="en-US" altLang="zh-TW" dirty="0">
-                <a:solidFill>
-                  <a:srgbClr val="1F1F1F"/>
-                </a:solidFill>
-                <a:effectLst/>
-                <a:latin typeface="Times New Roman" panose="02020603050405020304" pitchFamily="18" charset="0"/>
-                <a:cs typeface="Times New Roman" panose="02020603050405020304" pitchFamily="18" charset="0"/>
-              </a:rPr>
-              <a:t> Take fewer rides overall but their individual rides tend to be longer, especially on weekends, suggesting they use bikes for leisure or personal activities.</a:t>
-            </a:r>
-          </a:p>
-          <a:p>
-            <a:pPr marL="514350" indent="-514350" rtl="0">
-              <a:buFont typeface="+mj-lt"/>
-              <a:buAutoNum type="arabicPeriod"/>
-            </a:pPr>
-            <a:r>
-              <a:rPr lang="en-US" altLang="zh-TW" b="1" dirty="0">
-                <a:solidFill>
-                  <a:srgbClr val="1F1F1F"/>
-                </a:solidFill>
-                <a:effectLst/>
-                <a:latin typeface="Times New Roman" panose="02020603050405020304" pitchFamily="18" charset="0"/>
-                <a:cs typeface="Times New Roman" panose="02020603050405020304" pitchFamily="18" charset="0"/>
-              </a:rPr>
-              <a:t>Annual members:</a:t>
-            </a:r>
-            <a:r>
-              <a:rPr lang="en-US" altLang="zh-TW" dirty="0">
-                <a:solidFill>
-                  <a:srgbClr val="1F1F1F"/>
-                </a:solidFill>
-                <a:effectLst/>
-                <a:latin typeface="Times New Roman" panose="02020603050405020304" pitchFamily="18" charset="0"/>
-                <a:cs typeface="Times New Roman" panose="02020603050405020304" pitchFamily="18" charset="0"/>
-              </a:rPr>
-              <a:t> Make more frequent trips, potentially indicating usage for commuting or errands. Their average trip duration is shorter, though they also use bikes for longer rides on weekends.</a:t>
-            </a:r>
-          </a:p>
-          <a:p>
-            <a:pPr rtl="0"/>
-            <a:r>
-              <a:rPr lang="en-US" altLang="zh-TW" b="1" dirty="0">
-                <a:solidFill>
-                  <a:srgbClr val="1F1F1F"/>
-                </a:solidFill>
-                <a:effectLst/>
-                <a:latin typeface="Times New Roman" panose="02020603050405020304" pitchFamily="18" charset="0"/>
-                <a:cs typeface="Times New Roman" panose="02020603050405020304" pitchFamily="18" charset="0"/>
-              </a:rPr>
-              <a:t>Bike Type Preference:</a:t>
-            </a:r>
-            <a:endParaRPr lang="en-US" altLang="zh-TW" dirty="0">
-              <a:solidFill>
-                <a:srgbClr val="1F1F1F"/>
-              </a:solidFill>
-              <a:effectLst/>
-              <a:latin typeface="Times New Roman" panose="02020603050405020304" pitchFamily="18" charset="0"/>
-              <a:cs typeface="Times New Roman" panose="02020603050405020304" pitchFamily="18" charset="0"/>
-            </a:endParaRPr>
-          </a:p>
-          <a:p>
-            <a:pPr marL="514350" indent="-514350" rtl="0">
-              <a:buFont typeface="+mj-lt"/>
-              <a:buAutoNum type="arabicPeriod"/>
-            </a:pPr>
-            <a:r>
-              <a:rPr lang="en-US" altLang="zh-TW" b="1" dirty="0">
-                <a:solidFill>
-                  <a:srgbClr val="1F1F1F"/>
-                </a:solidFill>
-                <a:effectLst/>
-                <a:latin typeface="Times New Roman" panose="02020603050405020304" pitchFamily="18" charset="0"/>
-                <a:cs typeface="Times New Roman" panose="02020603050405020304" pitchFamily="18" charset="0"/>
-              </a:rPr>
-              <a:t>Casual riders:</a:t>
-            </a:r>
-            <a:r>
-              <a:rPr lang="en-US" altLang="zh-TW" dirty="0">
-                <a:solidFill>
-                  <a:srgbClr val="1F1F1F"/>
-                </a:solidFill>
-                <a:effectLst/>
-                <a:latin typeface="Times New Roman" panose="02020603050405020304" pitchFamily="18" charset="0"/>
-                <a:cs typeface="Times New Roman" panose="02020603050405020304" pitchFamily="18" charset="0"/>
-              </a:rPr>
-              <a:t> Primarily use classic bikes, possibly for their affordability and familiarity. They are the only group using docked bikes, suggesting shorter point-to-point trips.</a:t>
-            </a:r>
-          </a:p>
-          <a:p>
-            <a:pPr marL="514350" indent="-514350" rtl="0">
-              <a:buFont typeface="+mj-lt"/>
-              <a:buAutoNum type="arabicPeriod"/>
-            </a:pPr>
-            <a:r>
-              <a:rPr lang="en-US" altLang="zh-TW" b="1" dirty="0">
-                <a:solidFill>
-                  <a:srgbClr val="1F1F1F"/>
-                </a:solidFill>
-                <a:effectLst/>
-                <a:latin typeface="Times New Roman" panose="02020603050405020304" pitchFamily="18" charset="0"/>
-                <a:cs typeface="Times New Roman" panose="02020603050405020304" pitchFamily="18" charset="0"/>
-              </a:rPr>
-              <a:t>Annual members:</a:t>
-            </a:r>
-            <a:r>
-              <a:rPr lang="en-US" altLang="zh-TW" dirty="0">
-                <a:solidFill>
-                  <a:srgbClr val="1F1F1F"/>
-                </a:solidFill>
-                <a:effectLst/>
-                <a:latin typeface="Times New Roman" panose="02020603050405020304" pitchFamily="18" charset="0"/>
-                <a:cs typeface="Times New Roman" panose="02020603050405020304" pitchFamily="18" charset="0"/>
-              </a:rPr>
-              <a:t> Prefer classic bikes but also use electric bikes nearly as much. This might indicate a mix of commuting and leisure purposes, with electric bikes chosen for efficiency or fun on some occasions.</a:t>
-            </a:r>
-          </a:p>
-          <a:p>
-            <a:pPr rtl="0"/>
-            <a:r>
-              <a:rPr lang="en-US" altLang="zh-TW" b="1" dirty="0">
-                <a:solidFill>
-                  <a:srgbClr val="1F1F1F"/>
-                </a:solidFill>
-                <a:effectLst/>
-                <a:latin typeface="Times New Roman" panose="02020603050405020304" pitchFamily="18" charset="0"/>
-                <a:cs typeface="Times New Roman" panose="02020603050405020304" pitchFamily="18" charset="0"/>
-              </a:rPr>
-              <a:t>Seasonality:</a:t>
-            </a:r>
-            <a:r>
-              <a:rPr lang="en-US" altLang="zh-TW" dirty="0">
-                <a:solidFill>
-                  <a:srgbClr val="1F1F1F"/>
-                </a:solidFill>
-                <a:latin typeface="Times New Roman" panose="02020603050405020304" pitchFamily="18" charset="0"/>
-                <a:cs typeface="Times New Roman" panose="02020603050405020304" pitchFamily="18" charset="0"/>
-              </a:rPr>
-              <a:t> </a:t>
-            </a:r>
-            <a:r>
-              <a:rPr lang="en-US" altLang="zh-TW" dirty="0">
-                <a:solidFill>
-                  <a:srgbClr val="1F1F1F"/>
-                </a:solidFill>
-                <a:effectLst/>
-                <a:latin typeface="Times New Roman" panose="02020603050405020304" pitchFamily="18" charset="0"/>
-                <a:cs typeface="Times New Roman" panose="02020603050405020304" pitchFamily="18" charset="0"/>
-              </a:rPr>
-              <a:t>Both groups</a:t>
-            </a:r>
-            <a:r>
-              <a:rPr lang="en-US" altLang="zh-TW" dirty="0">
-                <a:solidFill>
-                  <a:srgbClr val="1F1F1F"/>
-                </a:solidFill>
-                <a:latin typeface="Times New Roman" panose="02020603050405020304" pitchFamily="18" charset="0"/>
-                <a:cs typeface="Times New Roman" panose="02020603050405020304" pitchFamily="18" charset="0"/>
-              </a:rPr>
-              <a:t> r</a:t>
-            </a:r>
-            <a:r>
-              <a:rPr lang="en-US" altLang="zh-TW" dirty="0">
-                <a:solidFill>
-                  <a:srgbClr val="1F1F1F"/>
-                </a:solidFill>
-                <a:effectLst/>
-                <a:latin typeface="Times New Roman" panose="02020603050405020304" pitchFamily="18" charset="0"/>
-                <a:cs typeface="Times New Roman" panose="02020603050405020304" pitchFamily="18" charset="0"/>
-              </a:rPr>
-              <a:t>ide most frequently during summer months, aligning with leisure activities and potentially warmer weather encouraging cycling.</a:t>
-            </a:r>
           </a:p>
         </p:txBody>
       </p:sp>
@@ -11714,7 +11526,7 @@
         </p:nvSpPr>
         <p:spPr>
           <a:xfrm>
-            <a:off x="5586249" y="440507"/>
+            <a:off x="5740993" y="0"/>
             <a:ext cx="1019502" cy="675228"/>
           </a:xfrm>
         </p:spPr>
@@ -11752,13 +11564,13 @@
         </p:nvSpPr>
         <p:spPr>
           <a:xfrm>
-            <a:off x="0" y="1115735"/>
-            <a:ext cx="12192000" cy="4395233"/>
+            <a:off x="0" y="478303"/>
+            <a:ext cx="12192000" cy="5598940"/>
           </a:xfrm>
         </p:spPr>
         <p:txBody>
           <a:bodyPr vert="horz" lIns="91440" tIns="45720" rIns="91440" bIns="45720" rtlCol="0" anchor="ctr">
-            <a:normAutofit/>
+            <a:normAutofit fontScale="92500" lnSpcReduction="10000"/>
           </a:bodyPr>
           <a:lstStyle/>
           <a:p>
@@ -11766,11 +11578,11 @@
               <a:buNone/>
             </a:pPr>
             <a:r>
-              <a:rPr lang="en-US" altLang="zh-TW" b="1" dirty="0">
+              <a:rPr lang="en-US" altLang="zh-TW" sz="2800" b="1" dirty="0">
                 <a:latin typeface="Times New Roman" panose="02020603050405020304" pitchFamily="18" charset="0"/>
                 <a:cs typeface="Times New Roman" panose="02020603050405020304" pitchFamily="18" charset="0"/>
               </a:rPr>
-              <a:t>Top three recommendations</a:t>
+              <a:t>Recommendations</a:t>
             </a:r>
           </a:p>
           <a:p>
@@ -11779,7 +11591,7 @@
               <a:buChar char="•"/>
             </a:pPr>
             <a:r>
-              <a:rPr lang="en-US" altLang="zh-TW" b="1" dirty="0">
+              <a:rPr lang="en-US" altLang="zh-TW" sz="2800" b="1" dirty="0">
                 <a:solidFill>
                   <a:srgbClr val="1F1F1F"/>
                 </a:solidFill>
@@ -11787,10 +11599,16 @@
                 <a:latin typeface="Times New Roman" panose="02020603050405020304" pitchFamily="18" charset="0"/>
                 <a:cs typeface="Times New Roman" panose="02020603050405020304" pitchFamily="18" charset="0"/>
               </a:rPr>
-              <a:t>For casual riders:</a:t>
-            </a:r>
-            <a:r>
-              <a:rPr lang="en-US" altLang="zh-TW" dirty="0">
+              <a:t>1. For Casual Riders:</a:t>
+            </a:r>
+          </a:p>
+          <a:p>
+            <a:pPr rtl="0">
+              <a:buFont typeface="Arial" panose="020B0604020202020204" pitchFamily="34" charset="0"/>
+              <a:buChar char="•"/>
+            </a:pPr>
+            <a:r>
+              <a:rPr lang="en-US" altLang="zh-TW" sz="2800" dirty="0">
                 <a:solidFill>
                   <a:srgbClr val="1F1F1F"/>
                 </a:solidFill>
@@ -11798,16 +11616,16 @@
                 <a:latin typeface="Times New Roman" panose="02020603050405020304" pitchFamily="18" charset="0"/>
                 <a:cs typeface="Times New Roman" panose="02020603050405020304" pitchFamily="18" charset="0"/>
               </a:rPr>
-              <a:t> </a:t>
-            </a:r>
-          </a:p>
-          <a:p>
-            <a:pPr marL="742950" lvl="1" indent="-285750" rtl="0">
+              <a:t>   - Promote the convenience and affordability of classic bikes for leisure.</a:t>
+            </a:r>
+          </a:p>
+          <a:p>
+            <a:pPr rtl="0">
               <a:buFont typeface="Arial" panose="020B0604020202020204" pitchFamily="34" charset="0"/>
               <a:buChar char="•"/>
             </a:pPr>
             <a:r>
-              <a:rPr lang="en-US" altLang="zh-TW" dirty="0">
+              <a:rPr lang="en-US" altLang="zh-TW" sz="2800" dirty="0">
                 <a:solidFill>
                   <a:srgbClr val="1F1F1F"/>
                 </a:solidFill>
@@ -11815,16 +11633,16 @@
                 <a:latin typeface="Times New Roman" panose="02020603050405020304" pitchFamily="18" charset="0"/>
                 <a:cs typeface="Times New Roman" panose="02020603050405020304" pitchFamily="18" charset="0"/>
               </a:rPr>
-              <a:t>Highlight the convenience and affordability of classic bikes for leisure activities.</a:t>
-            </a:r>
-          </a:p>
-          <a:p>
-            <a:pPr marL="742950" lvl="1" indent="-285750" rtl="0">
+              <a:t>   - Offer weekend promotions or discounts.</a:t>
+            </a:r>
+          </a:p>
+          <a:p>
+            <a:pPr rtl="0">
               <a:buFont typeface="Arial" panose="020B0604020202020204" pitchFamily="34" charset="0"/>
               <a:buChar char="•"/>
             </a:pPr>
             <a:r>
-              <a:rPr lang="en-US" altLang="zh-TW" dirty="0">
+              <a:rPr lang="en-US" altLang="zh-TW" sz="2800" dirty="0">
                 <a:solidFill>
                   <a:srgbClr val="1F1F1F"/>
                 </a:solidFill>
@@ -11832,16 +11650,30 @@
                 <a:latin typeface="Times New Roman" panose="02020603050405020304" pitchFamily="18" charset="0"/>
                 <a:cs typeface="Times New Roman" panose="02020603050405020304" pitchFamily="18" charset="0"/>
               </a:rPr>
-              <a:t>Offer weekend promotions or discounts to encourage more frequent usage.</a:t>
-            </a:r>
-          </a:p>
-          <a:p>
-            <a:pPr marL="742950" lvl="1" indent="-285750" rtl="0">
+              <a:t>   - Target docked bike usage in popular sightseeing or recreational areas.</a:t>
+            </a:r>
+          </a:p>
+          <a:p>
+            <a:pPr rtl="0">
               <a:buFont typeface="Arial" panose="020B0604020202020204" pitchFamily="34" charset="0"/>
               <a:buChar char="•"/>
             </a:pPr>
-            <a:r>
-              <a:rPr lang="en-US" altLang="zh-TW" dirty="0">
+            <a:endParaRPr lang="en-US" altLang="zh-TW" sz="2800" b="1" dirty="0">
+              <a:solidFill>
+                <a:srgbClr val="1F1F1F"/>
+              </a:solidFill>
+              <a:effectLst/>
+              <a:latin typeface="Times New Roman" panose="02020603050405020304" pitchFamily="18" charset="0"/>
+              <a:cs typeface="Times New Roman" panose="02020603050405020304" pitchFamily="18" charset="0"/>
+            </a:endParaRPr>
+          </a:p>
+          <a:p>
+            <a:pPr rtl="0">
+              <a:buFont typeface="Arial" panose="020B0604020202020204" pitchFamily="34" charset="0"/>
+              <a:buChar char="•"/>
+            </a:pPr>
+            <a:r>
+              <a:rPr lang="en-US" altLang="zh-TW" sz="2800" b="1" dirty="0">
                 <a:solidFill>
                   <a:srgbClr val="1F1F1F"/>
                 </a:solidFill>
@@ -11849,22 +11681,8 @@
                 <a:latin typeface="Times New Roman" panose="02020603050405020304" pitchFamily="18" charset="0"/>
                 <a:cs typeface="Times New Roman" panose="02020603050405020304" pitchFamily="18" charset="0"/>
               </a:rPr>
-              <a:t>Consider promoting docked bikes in specific areas popular for sightseeing or recreation.</a:t>
-            </a:r>
-          </a:p>
-          <a:p>
-            <a:pPr marL="742950" lvl="1" indent="-285750" rtl="0">
-              <a:buFont typeface="Arial" panose="020B0604020202020204" pitchFamily="34" charset="0"/>
-              <a:buChar char="•"/>
-            </a:pPr>
-            <a:endParaRPr lang="en-US" altLang="zh-TW" dirty="0">
-              <a:solidFill>
-                <a:srgbClr val="1F1F1F"/>
-              </a:solidFill>
-              <a:effectLst/>
-              <a:latin typeface="Times New Roman" panose="02020603050405020304" pitchFamily="18" charset="0"/>
-              <a:cs typeface="Times New Roman" panose="02020603050405020304" pitchFamily="18" charset="0"/>
-            </a:endParaRPr>
+              <a:t>2. For Converting Casual Riders to Annual Members:</a:t>
+            </a:r>
           </a:p>
           <a:p>
             <a:pPr rtl="0">
@@ -11872,7 +11690,7 @@
               <a:buChar char="•"/>
             </a:pPr>
             <a:r>
-              <a:rPr lang="en-US" altLang="zh-TW" b="1" dirty="0">
+              <a:rPr lang="en-US" altLang="zh-TW" sz="2800" dirty="0">
                 <a:solidFill>
                   <a:srgbClr val="1F1F1F"/>
                 </a:solidFill>
@@ -11880,10 +11698,16 @@
                 <a:latin typeface="Times New Roman" panose="02020603050405020304" pitchFamily="18" charset="0"/>
                 <a:cs typeface="Times New Roman" panose="02020603050405020304" pitchFamily="18" charset="0"/>
               </a:rPr>
-              <a:t>For converting casual riders to annual members:</a:t>
-            </a:r>
-            <a:r>
-              <a:rPr lang="en-US" altLang="zh-TW" dirty="0">
+              <a:t>   - Highlight cost savings of annual membership over frequent casual rides.</a:t>
+            </a:r>
+          </a:p>
+          <a:p>
+            <a:pPr rtl="0">
+              <a:buFont typeface="Arial" panose="020B0604020202020204" pitchFamily="34" charset="0"/>
+              <a:buChar char="•"/>
+            </a:pPr>
+            <a:r>
+              <a:rPr lang="en-US" altLang="zh-TW" sz="2800" dirty="0">
                 <a:solidFill>
                   <a:srgbClr val="1F1F1F"/>
                 </a:solidFill>
@@ -11891,16 +11715,36 @@
                 <a:latin typeface="Times New Roman" panose="02020603050405020304" pitchFamily="18" charset="0"/>
                 <a:cs typeface="Times New Roman" panose="02020603050405020304" pitchFamily="18" charset="0"/>
               </a:rPr>
-              <a:t> </a:t>
-            </a:r>
-          </a:p>
-          <a:p>
-            <a:pPr marL="742950" lvl="1" indent="-285750" rtl="0">
+              <a:t>   - Showcase the versatility of classic and electric bikes for various uses.   </a:t>
+            </a:r>
+          </a:p>
+          <a:p>
+            <a:pPr rtl="0">
               <a:buFont typeface="Arial" panose="020B0604020202020204" pitchFamily="34" charset="0"/>
               <a:buChar char="•"/>
             </a:pPr>
             <a:r>
-              <a:rPr lang="en-US" altLang="zh-TW" dirty="0">
+              <a:rPr lang="zh-TW" altLang="en-US" sz="2800" dirty="0">
+                <a:solidFill>
+                  <a:srgbClr val="1F1F1F"/>
+                </a:solidFill>
+                <a:latin typeface="Times New Roman" panose="02020603050405020304" pitchFamily="18" charset="0"/>
+                <a:cs typeface="Times New Roman" panose="02020603050405020304" pitchFamily="18" charset="0"/>
+              </a:rPr>
+              <a:t>   </a:t>
+            </a:r>
+            <a:r>
+              <a:rPr lang="en-US" altLang="zh-TW" sz="2800" dirty="0">
+                <a:solidFill>
+                  <a:srgbClr val="1F1F1F"/>
+                </a:solidFill>
+                <a:latin typeface="Times New Roman" panose="02020603050405020304" pitchFamily="18" charset="0"/>
+                <a:cs typeface="Times New Roman" panose="02020603050405020304" pitchFamily="18" charset="0"/>
+              </a:rPr>
+              <a:t>-</a:t>
+            </a:r>
+            <a:r>
+              <a:rPr lang="en-US" altLang="zh-TW" sz="2800" dirty="0">
                 <a:solidFill>
                   <a:srgbClr val="1F1F1F"/>
                 </a:solidFill>
@@ -11908,41 +11752,7 @@
                 <a:latin typeface="Times New Roman" panose="02020603050405020304" pitchFamily="18" charset="0"/>
                 <a:cs typeface="Times New Roman" panose="02020603050405020304" pitchFamily="18" charset="0"/>
               </a:rPr>
-              <a:t>Emphasize the cost savings of an annual membership compared to frequent casual rides.</a:t>
-            </a:r>
-          </a:p>
-          <a:p>
-            <a:pPr marL="742950" lvl="1" indent="-285750" rtl="0">
-              <a:buFont typeface="Arial" panose="020B0604020202020204" pitchFamily="34" charset="0"/>
-              <a:buChar char="•"/>
-            </a:pPr>
-            <a:r>
-              <a:rPr lang="en-US" altLang="zh-TW" dirty="0">
-                <a:solidFill>
-                  <a:srgbClr val="1F1F1F"/>
-                </a:solidFill>
-                <a:effectLst/>
-                <a:latin typeface="Times New Roman" panose="02020603050405020304" pitchFamily="18" charset="0"/>
-                <a:cs typeface="Times New Roman" panose="02020603050405020304" pitchFamily="18" charset="0"/>
-              </a:rPr>
-              <a:t>Showcase the versatility of classic and electric bikes for commuting, errands, and leisure.</a:t>
-            </a:r>
-          </a:p>
-          <a:p>
-            <a:pPr marL="742950" lvl="1" indent="-285750" rtl="0">
-              <a:buFont typeface="Arial" panose="020B0604020202020204" pitchFamily="34" charset="0"/>
-              <a:buChar char="•"/>
-            </a:pPr>
-            <a:r>
-              <a:rPr lang="en-US" altLang="zh-TW" dirty="0">
-                <a:solidFill>
-                  <a:srgbClr val="1F1F1F"/>
-                </a:solidFill>
-                <a:effectLst/>
-                <a:latin typeface="Times New Roman" panose="02020603050405020304" pitchFamily="18" charset="0"/>
-                <a:cs typeface="Times New Roman" panose="02020603050405020304" pitchFamily="18" charset="0"/>
-              </a:rPr>
-              <a:t>Target marketing campaigns during the summer months when cycling is most popular.</a:t>
+              <a:t> Focus marketing efforts during the peak summer months.</a:t>
             </a:r>
           </a:p>
         </p:txBody>
@@ -12090,7 +11900,7 @@
                 <a:latin typeface="Times New Roman" panose="02020603050405020304" pitchFamily="18" charset="0"/>
                 <a:cs typeface="Times New Roman" panose="02020603050405020304" pitchFamily="18" charset="0"/>
               </a:rPr>
-              <a:t>About Company</a:t>
+              <a:t>Scenario</a:t>
             </a:r>
           </a:p>
         </p:txBody>
@@ -12119,130 +11929,150 @@
         </p:spPr>
         <p:txBody>
           <a:bodyPr vert="horz" lIns="91440" tIns="45720" rIns="91440" bIns="45720" rtlCol="0" anchor="ctr">
-            <a:normAutofit lnSpcReduction="10000"/>
+            <a:normAutofit/>
           </a:bodyPr>
           <a:lstStyle/>
           <a:p>
             <a:r>
-              <a:rPr lang="en-US" altLang="zh-TW" sz="2400" b="1" dirty="0">
+              <a:rPr lang="en-US" altLang="zh-TW" b="1" kern="100" dirty="0">
                 <a:effectLst/>
                 <a:latin typeface="Times New Roman" panose="02020603050405020304" pitchFamily="18" charset="0"/>
+                <a:ea typeface="新細明體" panose="02020500000000000000" pitchFamily="18" charset="-120"/>
                 <a:cs typeface="Times New Roman" panose="02020603050405020304" pitchFamily="18" charset="0"/>
               </a:rPr>
-              <a:t>offers bike-sharing across City with over ten thousand bikes at thousand stations.</a:t>
-            </a:r>
-            <a:r>
-              <a:rPr lang="en-US" altLang="zh-TW" sz="2400" dirty="0">
+              <a:t> About the Company</a:t>
+            </a:r>
+            <a:endParaRPr lang="zh-TW" altLang="zh-TW" b="1" kern="100" dirty="0">
+              <a:effectLst/>
+              <a:latin typeface="Times New Roman" panose="02020603050405020304" pitchFamily="18" charset="0"/>
+              <a:ea typeface="新細明體" panose="02020500000000000000" pitchFamily="18" charset="-120"/>
+              <a:cs typeface="Times New Roman" panose="02020603050405020304" pitchFamily="18" charset="0"/>
+            </a:endParaRPr>
+          </a:p>
+          <a:p>
+            <a:r>
+              <a:rPr lang="en-US" altLang="zh-TW" kern="100" dirty="0">
+                <a:latin typeface="Times New Roman" panose="02020603050405020304" pitchFamily="18" charset="0"/>
+                <a:ea typeface="新細明體" panose="02020500000000000000" pitchFamily="18" charset="-120"/>
+                <a:cs typeface="Times New Roman" panose="02020603050405020304" pitchFamily="18" charset="0"/>
+              </a:rPr>
+              <a:t>O</a:t>
+            </a:r>
+            <a:r>
+              <a:rPr lang="en-US" altLang="zh-TW" kern="100" dirty="0">
                 <a:effectLst/>
                 <a:latin typeface="Times New Roman" panose="02020603050405020304" pitchFamily="18" charset="0"/>
+                <a:ea typeface="新細明體" panose="02020500000000000000" pitchFamily="18" charset="-120"/>
                 <a:cs typeface="Times New Roman" panose="02020603050405020304" pitchFamily="18" charset="0"/>
               </a:rPr>
-              <a:t> They rely on flexible pricing with single-ride, day passes, and annual memberships.</a:t>
-            </a:r>
-          </a:p>
-          <a:p>
-            <a:r>
-              <a:rPr lang="en-US" altLang="zh-TW" sz="2400" b="1" dirty="0">
+              <a:t>ffers a bike-sharing service across the city, featuring over ten thousand bikes at a thousand stations. We provide flexible pricing options, including single-ride day passes and annual memberships.</a:t>
+            </a:r>
+            <a:endParaRPr lang="zh-TW" altLang="zh-TW" kern="100" dirty="0">
+              <a:effectLst/>
+              <a:latin typeface="Times New Roman" panose="02020603050405020304" pitchFamily="18" charset="0"/>
+              <a:ea typeface="新細明體" panose="02020500000000000000" pitchFamily="18" charset="-120"/>
+              <a:cs typeface="Times New Roman" panose="02020603050405020304" pitchFamily="18" charset="0"/>
+            </a:endParaRPr>
+          </a:p>
+          <a:p>
+            <a:endParaRPr lang="zh-TW" altLang="zh-TW" kern="100" dirty="0">
+              <a:effectLst/>
+              <a:latin typeface="Times New Roman" panose="02020603050405020304" pitchFamily="18" charset="0"/>
+              <a:ea typeface="新細明體" panose="02020500000000000000" pitchFamily="18" charset="-120"/>
+              <a:cs typeface="Times New Roman" panose="02020603050405020304" pitchFamily="18" charset="0"/>
+            </a:endParaRPr>
+          </a:p>
+          <a:p>
+            <a:r>
+              <a:rPr lang="en-US" altLang="zh-TW" b="1" kern="100" dirty="0">
                 <a:effectLst/>
                 <a:latin typeface="Times New Roman" panose="02020603050405020304" pitchFamily="18" charset="0"/>
+                <a:ea typeface="新細明體" panose="02020500000000000000" pitchFamily="18" charset="-120"/>
                 <a:cs typeface="Times New Roman" panose="02020603050405020304" pitchFamily="18" charset="0"/>
               </a:rPr>
-              <a:t>Problem:</a:t>
-            </a:r>
-            <a:r>
-              <a:rPr lang="en-US" altLang="zh-TW" sz="2400" dirty="0">
+              <a:t> Problem Statement</a:t>
+            </a:r>
+            <a:endParaRPr lang="zh-TW" altLang="zh-TW" b="1" kern="100" dirty="0">
+              <a:effectLst/>
+              <a:latin typeface="Times New Roman" panose="02020603050405020304" pitchFamily="18" charset="0"/>
+              <a:ea typeface="新細明體" panose="02020500000000000000" pitchFamily="18" charset="-120"/>
+              <a:cs typeface="Times New Roman" panose="02020603050405020304" pitchFamily="18" charset="0"/>
+            </a:endParaRPr>
+          </a:p>
+          <a:p>
+            <a:r>
+              <a:rPr lang="en-US" altLang="zh-TW" kern="100" dirty="0">
+                <a:latin typeface="Times New Roman" panose="02020603050405020304" pitchFamily="18" charset="0"/>
+                <a:ea typeface="新細明體" panose="02020500000000000000" pitchFamily="18" charset="-120"/>
+                <a:cs typeface="Times New Roman" panose="02020603050405020304" pitchFamily="18" charset="0"/>
+              </a:rPr>
+              <a:t>G</a:t>
+            </a:r>
+            <a:r>
+              <a:rPr lang="en-US" altLang="zh-TW" kern="100" dirty="0">
                 <a:effectLst/>
                 <a:latin typeface="Times New Roman" panose="02020603050405020304" pitchFamily="18" charset="0"/>
+                <a:ea typeface="新細明體" panose="02020500000000000000" pitchFamily="18" charset="-120"/>
                 <a:cs typeface="Times New Roman" panose="02020603050405020304" pitchFamily="18" charset="0"/>
               </a:rPr>
-              <a:t> While attracting customers, we want to increase </a:t>
-            </a:r>
-            <a:r>
-              <a:rPr lang="en-US" altLang="zh-TW" sz="2400" b="1" dirty="0">
+              <a:t>oal is to increase the number of annual members, as they are more profitable.</a:t>
+            </a:r>
+            <a:endParaRPr lang="zh-TW" altLang="zh-TW" kern="100" dirty="0">
+              <a:effectLst/>
+              <a:latin typeface="Times New Roman" panose="02020603050405020304" pitchFamily="18" charset="0"/>
+              <a:ea typeface="新細明體" panose="02020500000000000000" pitchFamily="18" charset="-120"/>
+              <a:cs typeface="Times New Roman" panose="02020603050405020304" pitchFamily="18" charset="0"/>
+            </a:endParaRPr>
+          </a:p>
+          <a:p>
+            <a:endParaRPr lang="zh-TW" altLang="zh-TW" kern="100" dirty="0">
+              <a:effectLst/>
+              <a:latin typeface="Times New Roman" panose="02020603050405020304" pitchFamily="18" charset="0"/>
+              <a:ea typeface="新細明體" panose="02020500000000000000" pitchFamily="18" charset="-120"/>
+              <a:cs typeface="Times New Roman" panose="02020603050405020304" pitchFamily="18" charset="0"/>
+            </a:endParaRPr>
+          </a:p>
+          <a:p>
+            <a:r>
+              <a:rPr lang="en-US" altLang="zh-TW" b="1" kern="100" dirty="0">
                 <a:effectLst/>
                 <a:latin typeface="Times New Roman" panose="02020603050405020304" pitchFamily="18" charset="0"/>
+                <a:ea typeface="新細明體" panose="02020500000000000000" pitchFamily="18" charset="-120"/>
                 <a:cs typeface="Times New Roman" panose="02020603050405020304" pitchFamily="18" charset="0"/>
               </a:rPr>
-              <a:t>annual members</a:t>
-            </a:r>
-            <a:r>
-              <a:rPr lang="en-US" altLang="zh-TW" sz="2400" dirty="0">
+              <a:t> Proposed Solution</a:t>
+            </a:r>
+            <a:endParaRPr lang="zh-TW" altLang="zh-TW" b="1" kern="100" dirty="0">
+              <a:effectLst/>
+              <a:latin typeface="Times New Roman" panose="02020603050405020304" pitchFamily="18" charset="0"/>
+              <a:ea typeface="新細明體" panose="02020500000000000000" pitchFamily="18" charset="-120"/>
+              <a:cs typeface="Times New Roman" panose="02020603050405020304" pitchFamily="18" charset="0"/>
+            </a:endParaRPr>
+          </a:p>
+          <a:p>
+            <a:r>
+              <a:rPr lang="en-US" altLang="zh-TW" kern="100" dirty="0">
+                <a:latin typeface="Times New Roman" panose="02020603050405020304" pitchFamily="18" charset="0"/>
+                <a:ea typeface="新細明體" panose="02020500000000000000" pitchFamily="18" charset="-120"/>
+                <a:cs typeface="Times New Roman" panose="02020603050405020304" pitchFamily="18" charset="0"/>
+              </a:rPr>
+              <a:t>S</a:t>
+            </a:r>
+            <a:r>
+              <a:rPr lang="en-US" altLang="zh-TW" kern="100" dirty="0">
                 <a:effectLst/>
                 <a:latin typeface="Times New Roman" panose="02020603050405020304" pitchFamily="18" charset="0"/>
+                <a:ea typeface="新細明體" panose="02020500000000000000" pitchFamily="18" charset="-120"/>
                 <a:cs typeface="Times New Roman" panose="02020603050405020304" pitchFamily="18" charset="0"/>
               </a:rPr>
-              <a:t> who are more profitable.</a:t>
-            </a:r>
-          </a:p>
-          <a:p>
-            <a:r>
-              <a:rPr lang="en-US" altLang="zh-TW" sz="2400" b="1" dirty="0">
-                <a:effectLst/>
-                <a:latin typeface="Times New Roman" panose="02020603050405020304" pitchFamily="18" charset="0"/>
-                <a:cs typeface="Times New Roman" panose="02020603050405020304" pitchFamily="18" charset="0"/>
-              </a:rPr>
-              <a:t>Solution:</a:t>
-            </a:r>
-            <a:r>
-              <a:rPr lang="en-US" altLang="zh-TW" sz="2400" dirty="0">
-                <a:effectLst/>
-                <a:latin typeface="Times New Roman" panose="02020603050405020304" pitchFamily="18" charset="0"/>
-                <a:cs typeface="Times New Roman" panose="02020603050405020304" pitchFamily="18" charset="0"/>
-              </a:rPr>
-              <a:t> Convert existing </a:t>
-            </a:r>
-            <a:r>
-              <a:rPr lang="en-US" altLang="zh-TW" sz="2400" b="1" dirty="0">
-                <a:effectLst/>
-                <a:latin typeface="Times New Roman" panose="02020603050405020304" pitchFamily="18" charset="0"/>
-                <a:cs typeface="Times New Roman" panose="02020603050405020304" pitchFamily="18" charset="0"/>
-              </a:rPr>
-              <a:t>casual riders</a:t>
-            </a:r>
-            <a:r>
-              <a:rPr lang="en-US" altLang="zh-TW" sz="2400" dirty="0">
-                <a:effectLst/>
-                <a:latin typeface="Times New Roman" panose="02020603050405020304" pitchFamily="18" charset="0"/>
-                <a:cs typeface="Times New Roman" panose="02020603050405020304" pitchFamily="18" charset="0"/>
-              </a:rPr>
-              <a:t> to members. Casual riders already know and use, making them prime targets.</a:t>
-            </a:r>
-          </a:p>
-          <a:p>
-            <a:r>
-              <a:rPr lang="en-US" altLang="zh-TW" sz="2400" b="1" dirty="0">
-                <a:effectLst/>
-                <a:latin typeface="Times New Roman" panose="02020603050405020304" pitchFamily="18" charset="0"/>
-                <a:cs typeface="Times New Roman" panose="02020603050405020304" pitchFamily="18" charset="0"/>
-              </a:rPr>
-              <a:t>Goal:</a:t>
-            </a:r>
-            <a:r>
-              <a:rPr lang="en-US" altLang="zh-TW" sz="2400" dirty="0">
-                <a:effectLst/>
-                <a:latin typeface="Times New Roman" panose="02020603050405020304" pitchFamily="18" charset="0"/>
-                <a:cs typeface="Times New Roman" panose="02020603050405020304" pitchFamily="18" charset="0"/>
-              </a:rPr>
-              <a:t> Design marketing strategies targeting casual rider conversion.</a:t>
-            </a:r>
-          </a:p>
-          <a:p>
-            <a:r>
-              <a:rPr lang="en-US" altLang="zh-TW" sz="2400" b="1" dirty="0">
-                <a:effectLst/>
-                <a:latin typeface="Times New Roman" panose="02020603050405020304" pitchFamily="18" charset="0"/>
-                <a:cs typeface="Times New Roman" panose="02020603050405020304" pitchFamily="18" charset="0"/>
-              </a:rPr>
-              <a:t>Action:</a:t>
-            </a:r>
-            <a:r>
-              <a:rPr lang="en-US" altLang="zh-TW" sz="2400" dirty="0">
-                <a:effectLst/>
-                <a:latin typeface="Times New Roman" panose="02020603050405020304" pitchFamily="18" charset="0"/>
-                <a:cs typeface="Times New Roman" panose="02020603050405020304" pitchFamily="18" charset="0"/>
-              </a:rPr>
-              <a:t> Analyze historical data to understand differences between casual riders and members, motivations for membership, and digital media's impact.</a:t>
-            </a:r>
+              <a:t>trategy is to convert existing casual riders into annual members. Casual riders are already familiar with our service, making them prime targets for membership.</a:t>
+            </a:r>
+            <a:endParaRPr lang="zh-TW" altLang="zh-TW" kern="100" dirty="0">
+              <a:effectLst/>
+              <a:latin typeface="Times New Roman" panose="02020603050405020304" pitchFamily="18" charset="0"/>
+              <a:ea typeface="新細明體" panose="02020500000000000000" pitchFamily="18" charset="-120"/>
+              <a:cs typeface="Times New Roman" panose="02020603050405020304" pitchFamily="18" charset="0"/>
+            </a:endParaRPr>
           </a:p>
         </p:txBody>
       </p:sp>
@@ -12482,7 +12312,7 @@
           <a:p>
             <a:pPr marL="0" algn="ctr"/>
             <a:r>
-              <a:rPr lang="en-US" altLang="zh-TW" sz="2200" i="0" dirty="0">
+              <a:rPr lang="en-US" altLang="zh-TW" sz="2200" b="1" dirty="0">
                 <a:solidFill>
                   <a:srgbClr val="3C4043"/>
                 </a:solidFill>
@@ -12490,9 +12320,9 @@
                 <a:latin typeface="Times New Roman" panose="02020603050405020304" pitchFamily="18" charset="0"/>
                 <a:cs typeface="Times New Roman" panose="02020603050405020304" pitchFamily="18" charset="0"/>
               </a:rPr>
-              <a:t> business task :</a:t>
-            </a:r>
-            <a:endParaRPr lang="en-US" altLang="zh-TW" sz="2200" dirty="0">
+              <a:t>Business task</a:t>
+            </a:r>
+            <a:endParaRPr lang="en-US" altLang="zh-TW" sz="2200" b="1" dirty="0">
               <a:latin typeface="Times New Roman" panose="02020603050405020304" pitchFamily="18" charset="0"/>
               <a:cs typeface="Times New Roman" panose="02020603050405020304" pitchFamily="18" charset="0"/>
             </a:endParaRPr>
@@ -12623,11 +12453,15 @@
           <a:p>
             <a:pPr algn="ctr"/>
             <a:r>
-              <a:rPr lang="en-US" altLang="zh-TW" sz="2200" dirty="0">
+              <a:rPr lang="en-US" altLang="zh-TW" sz="2200" b="1" i="0" dirty="0">
+                <a:solidFill>
+                  <a:srgbClr val="3C4043"/>
+                </a:solidFill>
+                <a:effectLst/>
                 <a:latin typeface="Times New Roman" panose="02020603050405020304" pitchFamily="18" charset="0"/>
                 <a:cs typeface="Times New Roman" panose="02020603050405020304" pitchFamily="18" charset="0"/>
               </a:rPr>
-              <a:t>All data sources used :</a:t>
+              <a:t>Data Sources</a:t>
             </a:r>
           </a:p>
           <a:p>
@@ -12641,28 +12475,22 @@
                 <a:latin typeface="Times New Roman" panose="02020603050405020304" pitchFamily="18" charset="0"/>
                 <a:cs typeface="Times New Roman" panose="02020603050405020304" pitchFamily="18" charset="0"/>
               </a:rPr>
-              <a:t>The data is public data that can use to explore how different customer types are using bikes.</a:t>
+              <a:t>Publicly available data from open database.</a:t>
             </a:r>
           </a:p>
           <a:p>
             <a:pPr marL="514350"/>
             <a:r>
-              <a:rPr lang="en-US" altLang="zh-TW" sz="2200" dirty="0">
+              <a:rPr lang="en-US" altLang="zh-TW" sz="2200" b="0" i="0" dirty="0">
                 <a:solidFill>
                   <a:srgbClr val="3C4043"/>
                 </a:solidFill>
+                <a:effectLst/>
                 <a:latin typeface="Times New Roman" panose="02020603050405020304" pitchFamily="18" charset="0"/>
                 <a:cs typeface="Times New Roman" panose="02020603050405020304" pitchFamily="18" charset="0"/>
               </a:rPr>
-              <a:t>Data are disorganized, but only needs to be cleaned, all the file are readable. It’s ROCCC.</a:t>
-            </a:r>
-            <a:endParaRPr lang="en-US" altLang="zh-TW" sz="2200" dirty="0">
-              <a:latin typeface="Times New Roman" panose="02020603050405020304" pitchFamily="18" charset="0"/>
-              <a:cs typeface="Times New Roman" panose="02020603050405020304" pitchFamily="18" charset="0"/>
-            </a:endParaRPr>
-          </a:p>
-          <a:p>
-            <a:pPr marL="514350"/>
+              <a:t>Data requires cleaning but is readable and conforms to ROCCC standards.</a:t>
+            </a:r>
             <a:endParaRPr lang="en-US" altLang="zh-TW" dirty="0">
               <a:latin typeface="Times New Roman" panose="02020603050405020304" pitchFamily="18" charset="0"/>
               <a:cs typeface="Times New Roman" panose="02020603050405020304" pitchFamily="18" charset="0"/>
@@ -12776,21 +12604,21 @@
           <a:p>
             <a:pPr marL="514350" algn="ctr"/>
             <a:r>
+              <a:rPr lang="en-US" altLang="zh-TW" sz="2200" b="1" dirty="0">
+                <a:latin typeface="Times New Roman" panose="02020603050405020304" pitchFamily="18" charset="0"/>
+                <a:cs typeface="Times New Roman" panose="02020603050405020304" pitchFamily="18" charset="0"/>
+              </a:rPr>
+              <a:t>Data Cleaning </a:t>
+            </a:r>
+          </a:p>
+          <a:p>
+            <a:pPr marL="514350"/>
+            <a:r>
               <a:rPr lang="en-US" altLang="zh-TW" sz="2200" dirty="0">
                 <a:latin typeface="Times New Roman" panose="02020603050405020304" pitchFamily="18" charset="0"/>
                 <a:cs typeface="Times New Roman" panose="02020603050405020304" pitchFamily="18" charset="0"/>
               </a:rPr>
-              <a:t>Documentation of any cleaning or manipulation of data :</a:t>
-            </a:r>
-          </a:p>
-          <a:p>
-            <a:pPr marL="514350"/>
-            <a:r>
-              <a:rPr lang="en-US" altLang="zh-TW" sz="2200" dirty="0">
-                <a:latin typeface="Times New Roman" panose="02020603050405020304" pitchFamily="18" charset="0"/>
-                <a:cs typeface="Times New Roman" panose="02020603050405020304" pitchFamily="18" charset="0"/>
-              </a:rPr>
-              <a:t>Using python in </a:t>
+              <a:t>Used Python in </a:t>
             </a:r>
             <a:r>
               <a:rPr lang="en-US" altLang="zh-TW" sz="2200" dirty="0" err="1">
@@ -12804,7 +12632,17 @@
                 <a:latin typeface="Times New Roman" panose="02020603050405020304" pitchFamily="18" charset="0"/>
                 <a:cs typeface="Times New Roman" panose="02020603050405020304" pitchFamily="18" charset="0"/>
               </a:rPr>
-              <a:t> notebook helps notify and adjusting in short period of time, by running code in a line with short time, and gives out result after running saving lots of time, therefore I can check the data every now and then, and it can document every steps I take.</a:t>
+              <a:t> Notebook for efficient data cleaning and manipulation.</a:t>
+            </a:r>
+          </a:p>
+          <a:p>
+            <a:pPr marL="514350"/>
+            <a:r>
+              <a:rPr lang="en-US" altLang="zh-TW" sz="2200" dirty="0">
+                <a:latin typeface="Times New Roman" panose="02020603050405020304" pitchFamily="18" charset="0"/>
+                <a:cs typeface="Times New Roman" panose="02020603050405020304" pitchFamily="18" charset="0"/>
+              </a:rPr>
+              <a:t>Documented each step to ensure reproducibility and transparency.</a:t>
             </a:r>
           </a:p>
         </p:txBody>
@@ -12853,107 +12691,6 @@
           <a:chExt cx="0" cy="0"/>
         </a:xfrm>
       </p:grpSpPr>
-      <p:sp>
-        <p:nvSpPr>
-          <p:cNvPr id="2" name="標題 1">
-            <a:extLst>
-              <a:ext uri="{FF2B5EF4-FFF2-40B4-BE49-F238E27FC236}">
-                <a16:creationId xmlns:a16="http://schemas.microsoft.com/office/drawing/2014/main" id="{17D41F91-72F2-C4F7-9FA5-8266AFBCE4E3}"/>
-              </a:ext>
-            </a:extLst>
-          </p:cNvPr>
-          <p:cNvSpPr>
-            <a:spLocks noGrp="1"/>
-          </p:cNvSpPr>
-          <p:nvPr>
-            <p:ph type="title"/>
-          </p:nvPr>
-        </p:nvSpPr>
-        <p:spPr>
-          <a:xfrm>
-            <a:off x="7055547" y="1363319"/>
-            <a:ext cx="2108019" cy="822960"/>
-          </a:xfrm>
-        </p:spPr>
-        <p:txBody>
-          <a:bodyPr vert="horz" lIns="91440" tIns="45720" rIns="91440" bIns="45720" rtlCol="0" anchor="ctr">
-            <a:normAutofit/>
-          </a:bodyPr>
-          <a:lstStyle/>
-          <a:p>
-            <a:r>
-              <a:rPr lang="en-US" altLang="zh-TW" dirty="0">
-                <a:latin typeface="Times New Roman" panose="02020603050405020304" pitchFamily="18" charset="0"/>
-                <a:cs typeface="Times New Roman" panose="02020603050405020304" pitchFamily="18" charset="0"/>
-              </a:rPr>
-              <a:t>Analyze</a:t>
-            </a:r>
-          </a:p>
-        </p:txBody>
-      </p:sp>
-      <p:sp>
-        <p:nvSpPr>
-          <p:cNvPr id="3" name="文字版面配置區 2">
-            <a:extLst>
-              <a:ext uri="{FF2B5EF4-FFF2-40B4-BE49-F238E27FC236}">
-                <a16:creationId xmlns:a16="http://schemas.microsoft.com/office/drawing/2014/main" id="{893995CD-A093-0D82-1DF9-BFA36B7AFF51}"/>
-              </a:ext>
-            </a:extLst>
-          </p:cNvPr>
-          <p:cNvSpPr>
-            <a:spLocks noGrp="1"/>
-          </p:cNvSpPr>
-          <p:nvPr>
-            <p:ph type="body" idx="1"/>
-          </p:nvPr>
-        </p:nvSpPr>
-        <p:spPr>
-          <a:xfrm>
-            <a:off x="4740729" y="2395655"/>
-            <a:ext cx="7451271" cy="2595795"/>
-          </a:xfrm>
-        </p:spPr>
-        <p:txBody>
-          <a:bodyPr vert="horz" lIns="91440" tIns="45720" rIns="91440" bIns="45720" rtlCol="0" anchor="ctr">
-            <a:normAutofit/>
-          </a:bodyPr>
-          <a:lstStyle/>
-          <a:p>
-            <a:pPr algn="l">
-              <a:buFont typeface="Arial" panose="020B0604020202020204" pitchFamily="34" charset="0"/>
-              <a:buChar char="•"/>
-            </a:pPr>
-            <a:r>
-              <a:rPr lang="en-US" altLang="zh-TW" sz="2200" b="0" i="0" dirty="0">
-                <a:solidFill>
-                  <a:srgbClr val="3C4043"/>
-                </a:solidFill>
-                <a:effectLst/>
-                <a:latin typeface="Times New Roman" panose="02020603050405020304" pitchFamily="18" charset="0"/>
-                <a:cs typeface="Times New Roman" panose="02020603050405020304" pitchFamily="18" charset="0"/>
-              </a:rPr>
-              <a:t>The average trip duration for the casual rider is less than that of average trip durations of the members. </a:t>
-            </a:r>
-          </a:p>
-          <a:p>
-            <a:pPr algn="l">
-              <a:buFont typeface="Arial" panose="020B0604020202020204" pitchFamily="34" charset="0"/>
-              <a:buChar char="•"/>
-            </a:pPr>
-            <a:r>
-              <a:rPr lang="en-US" altLang="zh-TW" sz="2200" b="0" i="0" dirty="0">
-                <a:solidFill>
-                  <a:srgbClr val="3C4043"/>
-                </a:solidFill>
-                <a:effectLst/>
-                <a:latin typeface="Times New Roman" panose="02020603050405020304" pitchFamily="18" charset="0"/>
-                <a:cs typeface="Times New Roman" panose="02020603050405020304" pitchFamily="18" charset="0"/>
-              </a:rPr>
-              <a:t>During summer months number of rides at its highest level for both casual and member riders.</a:t>
-            </a:r>
-          </a:p>
-        </p:txBody>
-      </p:sp>
       <p:pic>
         <p:nvPicPr>
           <p:cNvPr id="9" name="圖片 8">
@@ -12982,14 +12719,98 @@
         </p:blipFill>
         <p:spPr>
           <a:xfrm>
-            <a:off x="0" y="719199"/>
-            <a:ext cx="4710793" cy="4887765"/>
+            <a:off x="0" y="118801"/>
+            <a:ext cx="5753686" cy="5969837"/>
           </a:xfrm>
           <a:prstGeom prst="rect">
             <a:avLst/>
           </a:prstGeom>
         </p:spPr>
       </p:pic>
+      <p:sp>
+        <p:nvSpPr>
+          <p:cNvPr id="2" name="標題 1">
+            <a:extLst>
+              <a:ext uri="{FF2B5EF4-FFF2-40B4-BE49-F238E27FC236}">
+                <a16:creationId xmlns:a16="http://schemas.microsoft.com/office/drawing/2014/main" id="{17D41F91-72F2-C4F7-9FA5-8266AFBCE4E3}"/>
+              </a:ext>
+            </a:extLst>
+          </p:cNvPr>
+          <p:cNvSpPr>
+            <a:spLocks noGrp="1"/>
+          </p:cNvSpPr>
+          <p:nvPr>
+            <p:ph type="title"/>
+          </p:nvPr>
+        </p:nvSpPr>
+        <p:spPr>
+          <a:xfrm>
+            <a:off x="7055547" y="1363319"/>
+            <a:ext cx="2108019" cy="822960"/>
+          </a:xfrm>
+        </p:spPr>
+        <p:txBody>
+          <a:bodyPr vert="horz" lIns="91440" tIns="45720" rIns="91440" bIns="45720" rtlCol="0" anchor="ctr">
+            <a:normAutofit/>
+          </a:bodyPr>
+          <a:lstStyle/>
+          <a:p>
+            <a:r>
+              <a:rPr lang="en-US" altLang="zh-TW" dirty="0">
+                <a:latin typeface="Times New Roman" panose="02020603050405020304" pitchFamily="18" charset="0"/>
+                <a:cs typeface="Times New Roman" panose="02020603050405020304" pitchFamily="18" charset="0"/>
+              </a:rPr>
+              <a:t>Analyze</a:t>
+            </a:r>
+          </a:p>
+        </p:txBody>
+      </p:sp>
+      <p:sp>
+        <p:nvSpPr>
+          <p:cNvPr id="3" name="文字版面配置區 2">
+            <a:extLst>
+              <a:ext uri="{FF2B5EF4-FFF2-40B4-BE49-F238E27FC236}">
+                <a16:creationId xmlns:a16="http://schemas.microsoft.com/office/drawing/2014/main" id="{893995CD-A093-0D82-1DF9-BFA36B7AFF51}"/>
+              </a:ext>
+            </a:extLst>
+          </p:cNvPr>
+          <p:cNvSpPr>
+            <a:spLocks noGrp="1"/>
+          </p:cNvSpPr>
+          <p:nvPr>
+            <p:ph type="body" idx="1"/>
+          </p:nvPr>
+        </p:nvSpPr>
+        <p:spPr>
+          <a:xfrm>
+            <a:off x="5753686" y="2395655"/>
+            <a:ext cx="6438314" cy="2595795"/>
+          </a:xfrm>
+        </p:spPr>
+        <p:txBody>
+          <a:bodyPr vert="horz" lIns="91440" tIns="45720" rIns="91440" bIns="45720" rtlCol="0" anchor="ctr">
+            <a:normAutofit/>
+          </a:bodyPr>
+          <a:lstStyle/>
+          <a:p>
+            <a:pPr algn="l">
+              <a:buFont typeface="Arial" panose="020B0604020202020204" pitchFamily="34" charset="0"/>
+              <a:buChar char="•"/>
+            </a:pPr>
+            <a:r>
+              <a:rPr lang="en-US" altLang="zh-TW" sz="2200" b="0" i="0" dirty="0">
+                <a:solidFill>
+                  <a:srgbClr val="3C4043"/>
+                </a:solidFill>
+                <a:effectLst/>
+                <a:latin typeface="Times New Roman" panose="02020603050405020304" pitchFamily="18" charset="0"/>
+                <a:cs typeface="Times New Roman" panose="02020603050405020304" pitchFamily="18" charset="0"/>
+              </a:rPr>
+              <a:t>The average trip duration for the casual rider is less than that of average trip durations of the members. </a:t>
+            </a:r>
+          </a:p>
+        </p:txBody>
+      </p:sp>
     </p:spTree>
     <p:extLst>
       <p:ext uri="{BB962C8B-B14F-4D97-AF65-F5344CB8AC3E}">
@@ -13096,26 +12917,9 @@
         </p:spPr>
         <p:txBody>
           <a:bodyPr vert="horz" lIns="91440" tIns="45720" rIns="91440" bIns="45720" rtlCol="0" anchor="ctr">
-            <a:normAutofit lnSpcReduction="10000"/>
+            <a:normAutofit/>
           </a:bodyPr>
           <a:lstStyle/>
-          <a:p>
-            <a:pPr algn="l">
-              <a:buFont typeface="Arial" panose="020B0604020202020204" pitchFamily="34" charset="0"/>
-              <a:buChar char="•"/>
-            </a:pPr>
-            <a:r>
-              <a:rPr lang="en-US" altLang="zh-TW" sz="2200" b="0" i="0" dirty="0">
-                <a:solidFill>
-                  <a:srgbClr val="3C4043"/>
-                </a:solidFill>
-                <a:effectLst/>
-                <a:latin typeface="Times New Roman" panose="02020603050405020304" pitchFamily="18" charset="0"/>
-                <a:cs typeface="Times New Roman" panose="02020603050405020304" pitchFamily="18" charset="0"/>
-              </a:rPr>
-              <a:t>The average trip duration for the casual rider is less than that of average trip durations of the members. </a:t>
-            </a:r>
-          </a:p>
           <a:p>
             <a:pPr algn="l">
               <a:buFont typeface="Arial" panose="020B0604020202020204" pitchFamily="34" charset="0"/>
@@ -13227,7 +13031,7 @@
         </p:nvSpPr>
         <p:spPr>
           <a:xfrm>
-            <a:off x="7172587" y="1462370"/>
+            <a:off x="7875971" y="2115129"/>
             <a:ext cx="2206304" cy="687898"/>
           </a:xfrm>
         </p:spPr>
@@ -13269,8 +13073,8 @@
         </p:nvSpPr>
         <p:spPr>
           <a:xfrm>
-            <a:off x="4515343" y="1806319"/>
-            <a:ext cx="7676657" cy="2993971"/>
+            <a:off x="6096000" y="2803027"/>
+            <a:ext cx="5019413" cy="687899"/>
           </a:xfrm>
         </p:spPr>
         <p:txBody>
@@ -13287,28 +13091,6 @@
                 <a:cs typeface="Times New Roman" panose="02020603050405020304" pitchFamily="18" charset="0"/>
               </a:rPr>
               <a:t>Most of the riders are member users.</a:t>
-            </a:r>
-          </a:p>
-          <a:p>
-            <a:pPr marL="514350"/>
-            <a:r>
-              <a:rPr lang="en-US" altLang="zh-TW" sz="2200" b="0" i="0" dirty="0">
-                <a:effectLst/>
-                <a:latin typeface="Times New Roman" panose="02020603050405020304" pitchFamily="18" charset="0"/>
-                <a:cs typeface="Times New Roman" panose="02020603050405020304" pitchFamily="18" charset="0"/>
-              </a:rPr>
-              <a:t>Classic bikes are the most popular kind.</a:t>
-            </a:r>
-          </a:p>
-          <a:p>
-            <a:pPr marL="514350"/>
-            <a:r>
-              <a:rPr lang="en-US" altLang="zh-TW" sz="2200" b="0" i="0" dirty="0">
-                <a:effectLst/>
-                <a:latin typeface="Times New Roman" panose="02020603050405020304" pitchFamily="18" charset="0"/>
-                <a:cs typeface="Times New Roman" panose="02020603050405020304" pitchFamily="18" charset="0"/>
-              </a:rPr>
-              <a:t>Only casual users use docked bikes, membership users prefer classic bikes, While the number of e-bikes used by members is almost double the number used by casual visitors.</a:t>
             </a:r>
           </a:p>
         </p:txBody>
@@ -13341,8 +13123,8 @@
         </p:blipFill>
         <p:spPr>
           <a:xfrm>
-            <a:off x="0" y="960819"/>
-            <a:ext cx="4515343" cy="4684972"/>
+            <a:off x="-1" y="0"/>
+            <a:ext cx="5919676" cy="6142062"/>
           </a:xfrm>
           <a:prstGeom prst="rect">
             <a:avLst/>

--- a/Analyze_project/Bike_Share/How_Does_a_Bike_Share_Navigate_Speedy_Success.pptx
+++ b/Analyze_project/Bike_Share/How_Does_a_Bike_Share_Navigate_Speedy_Success.pptx
@@ -912,11 +912,11 @@
 </file>
 
 <file path=ppt/diagrams/colors2.xml><?xml version="1.0" encoding="utf-8"?>
-<dgm:colorsDef xmlns:dgm="http://schemas.openxmlformats.org/drawingml/2006/diagram" xmlns:a="http://schemas.openxmlformats.org/drawingml/2006/main" uniqueId="urn:microsoft.com/office/officeart/2018/5/colors/Iconchunking_neutralicon_colorful1">
+<dgm:colorsDef xmlns:dgm="http://schemas.openxmlformats.org/drawingml/2006/diagram" xmlns:a="http://schemas.openxmlformats.org/drawingml/2006/main" uniqueId="urn:microsoft.com/office/officeart/2005/8/colors/accent1_2">
   <dgm:title val=""/>
   <dgm:desc val=""/>
   <dgm:catLst>
-    <dgm:cat type="colorful" pri="10100"/>
+    <dgm:cat type="accent1" pri="11200"/>
   </dgm:catLst>
   <dgm:styleLbl name="node0">
     <dgm:fillClrLst meth="repeat">
@@ -930,49 +930,21 @@
     <dgm:txFillClrLst/>
     <dgm:txEffectClrLst/>
   </dgm:styleLbl>
-  <dgm:styleLbl name="node1">
+  <dgm:styleLbl name="alignNode1">
     <dgm:fillClrLst meth="repeat">
-      <a:schemeClr val="bg1"/>
+      <a:schemeClr val="accent1"/>
     </dgm:fillClrLst>
     <dgm:linClrLst meth="repeat">
-      <a:schemeClr val="lt1">
-        <a:alpha val="0"/>
-      </a:schemeClr>
-    </dgm:linClrLst>
-    <dgm:effectClrLst/>
-    <dgm:txLinClrLst/>
-    <dgm:txFillClrLst meth="repeat">
-      <a:schemeClr val="dk1"/>
-    </dgm:txFillClrLst>
-    <dgm:txEffectClrLst/>
-  </dgm:styleLbl>
-  <dgm:styleLbl name="alignNode1">
-    <dgm:fillClrLst meth="repeat">
-      <a:schemeClr val="accent2"/>
-      <a:schemeClr val="accent3"/>
-      <a:schemeClr val="accent4"/>
-      <a:schemeClr val="accent5"/>
-      <a:schemeClr val="accent6"/>
-    </dgm:fillClrLst>
-    <dgm:linClrLst meth="repeat">
-      <a:schemeClr val="accent2"/>
-      <a:schemeClr val="accent3"/>
-      <a:schemeClr val="accent4"/>
-      <a:schemeClr val="accent5"/>
-      <a:schemeClr val="accent6"/>
+      <a:schemeClr val="accent1"/>
     </dgm:linClrLst>
     <dgm:effectClrLst/>
     <dgm:txLinClrLst/>
     <dgm:txFillClrLst/>
     <dgm:txEffectClrLst/>
   </dgm:styleLbl>
-  <dgm:styleLbl name="lnNode1">
+  <dgm:styleLbl name="node1">
     <dgm:fillClrLst meth="repeat">
-      <a:schemeClr val="accent2"/>
-      <a:schemeClr val="accent3"/>
-      <a:schemeClr val="accent4"/>
-      <a:schemeClr val="accent5"/>
-      <a:schemeClr val="accent6"/>
+      <a:schemeClr val="accent1"/>
     </dgm:fillClrLst>
     <dgm:linClrLst meth="repeat">
       <a:schemeClr val="lt1"/>
@@ -982,21 +954,21 @@
     <dgm:txFillClrLst/>
     <dgm:txEffectClrLst/>
   </dgm:styleLbl>
+  <dgm:styleLbl name="lnNode1">
+    <dgm:fillClrLst meth="repeat">
+      <a:schemeClr val="accent1"/>
+    </dgm:fillClrLst>
+    <dgm:linClrLst meth="repeat">
+      <a:schemeClr val="lt1"/>
+    </dgm:linClrLst>
+    <dgm:effectClrLst/>
+    <dgm:txLinClrLst/>
+    <dgm:txFillClrLst/>
+    <dgm:txEffectClrLst/>
+  </dgm:styleLbl>
   <dgm:styleLbl name="vennNode1">
     <dgm:fillClrLst meth="repeat">
-      <a:schemeClr val="accent2">
-        <a:alpha val="50000"/>
-      </a:schemeClr>
-      <a:schemeClr val="accent3">
-        <a:alpha val="50000"/>
-      </a:schemeClr>
-      <a:schemeClr val="accent4">
-        <a:alpha val="50000"/>
-      </a:schemeClr>
-      <a:schemeClr val="accent5">
-        <a:alpha val="50000"/>
-      </a:schemeClr>
-      <a:schemeClr val="accent6">
+      <a:schemeClr val="accent1">
         <a:alpha val="50000"/>
       </a:schemeClr>
     </dgm:fillClrLst>
@@ -1009,8 +981,8 @@
     <dgm:txEffectClrLst/>
   </dgm:styleLbl>
   <dgm:styleLbl name="node2">
-    <dgm:fillClrLst>
-      <a:schemeClr val="accent2"/>
+    <dgm:fillClrLst meth="repeat">
+      <a:schemeClr val="accent1"/>
     </dgm:fillClrLst>
     <dgm:linClrLst meth="repeat">
       <a:schemeClr val="lt1"/>
@@ -1021,8 +993,8 @@
     <dgm:txEffectClrLst/>
   </dgm:styleLbl>
   <dgm:styleLbl name="node3">
-    <dgm:fillClrLst>
-      <a:schemeClr val="accent3"/>
+    <dgm:fillClrLst meth="repeat">
+      <a:schemeClr val="accent1"/>
     </dgm:fillClrLst>
     <dgm:linClrLst meth="repeat">
       <a:schemeClr val="lt1"/>
@@ -1033,8 +1005,8 @@
     <dgm:txEffectClrLst/>
   </dgm:styleLbl>
   <dgm:styleLbl name="node4">
-    <dgm:fillClrLst>
-      <a:schemeClr val="accent4"/>
+    <dgm:fillClrLst meth="repeat">
+      <a:schemeClr val="accent1"/>
     </dgm:fillClrLst>
     <dgm:linClrLst meth="repeat">
       <a:schemeClr val="lt1"/>
@@ -1046,19 +1018,7 @@
   </dgm:styleLbl>
   <dgm:styleLbl name="fgImgPlace1">
     <dgm:fillClrLst meth="repeat">
-      <a:schemeClr val="accent2">
-        <a:tint val="50000"/>
-      </a:schemeClr>
-      <a:schemeClr val="accent3">
-        <a:tint val="50000"/>
-      </a:schemeClr>
-      <a:schemeClr val="accent4">
-        <a:tint val="50000"/>
-      </a:schemeClr>
-      <a:schemeClr val="accent5">
-        <a:tint val="50000"/>
-      </a:schemeClr>
-      <a:schemeClr val="accent6">
+      <a:schemeClr val="accent1">
         <a:tint val="50000"/>
       </a:schemeClr>
     </dgm:fillClrLst>
@@ -1073,12 +1033,9 @@
     <dgm:txEffectClrLst/>
   </dgm:styleLbl>
   <dgm:styleLbl name="alignImgPlace1">
-    <dgm:fillClrLst>
+    <dgm:fillClrLst meth="repeat">
       <a:schemeClr val="accent1">
         <a:tint val="50000"/>
-      </a:schemeClr>
-      <a:schemeClr val="accent2">
-        <a:tint val="20000"/>
       </a:schemeClr>
     </dgm:fillClrLst>
     <dgm:linClrLst meth="repeat">
@@ -1092,12 +1049,9 @@
     <dgm:txEffectClrLst/>
   </dgm:styleLbl>
   <dgm:styleLbl name="bgImgPlace1">
-    <dgm:fillClrLst>
+    <dgm:fillClrLst meth="repeat">
       <a:schemeClr val="accent1">
         <a:tint val="50000"/>
-      </a:schemeClr>
-      <a:schemeClr val="accent2">
-        <a:tint val="20000"/>
       </a:schemeClr>
     </dgm:fillClrLst>
     <dgm:linClrLst meth="repeat">
@@ -1112,14 +1066,14 @@
   </dgm:styleLbl>
   <dgm:styleLbl name="sibTrans2D1">
     <dgm:fillClrLst meth="repeat">
-      <a:schemeClr val="accent2"/>
-      <a:schemeClr val="accent3"/>
-      <a:schemeClr val="accent4"/>
-      <a:schemeClr val="accent5"/>
-      <a:schemeClr val="accent6"/>
+      <a:schemeClr val="accent1">
+        <a:tint val="60000"/>
+      </a:schemeClr>
     </dgm:fillClrLst>
-    <dgm:linClrLst meth="cycle">
-      <a:schemeClr val="lt1"/>
+    <dgm:linClrLst meth="repeat">
+      <a:schemeClr val="accent1">
+        <a:tint val="60000"/>
+      </a:schemeClr>
     </dgm:linClrLst>
     <dgm:effectClrLst/>
     <dgm:txLinClrLst/>
@@ -1128,54 +1082,42 @@
   </dgm:styleLbl>
   <dgm:styleLbl name="fgSibTrans2D1">
     <dgm:fillClrLst meth="repeat">
-      <a:schemeClr val="accent2"/>
-      <a:schemeClr val="accent3"/>
-      <a:schemeClr val="accent4"/>
-      <a:schemeClr val="accent5"/>
-      <a:schemeClr val="accent6"/>
+      <a:schemeClr val="accent1">
+        <a:tint val="60000"/>
+      </a:schemeClr>
     </dgm:fillClrLst>
-    <dgm:linClrLst meth="cycle">
-      <a:schemeClr val="lt1"/>
+    <dgm:linClrLst meth="repeat">
+      <a:schemeClr val="accent1">
+        <a:tint val="60000"/>
+      </a:schemeClr>
     </dgm:linClrLst>
     <dgm:effectClrLst/>
     <dgm:txLinClrLst/>
-    <dgm:txFillClrLst meth="repeat">
-      <a:schemeClr val="lt1"/>
-    </dgm:txFillClrLst>
+    <dgm:txFillClrLst/>
     <dgm:txEffectClrLst/>
   </dgm:styleLbl>
   <dgm:styleLbl name="bgSibTrans2D1">
     <dgm:fillClrLst meth="repeat">
-      <a:schemeClr val="accent2"/>
-      <a:schemeClr val="accent3"/>
-      <a:schemeClr val="accent4"/>
-      <a:schemeClr val="accent5"/>
-      <a:schemeClr val="accent6"/>
+      <a:schemeClr val="accent1">
+        <a:tint val="60000"/>
+      </a:schemeClr>
     </dgm:fillClrLst>
-    <dgm:linClrLst meth="cycle">
-      <a:schemeClr val="lt1"/>
+    <dgm:linClrLst meth="repeat">
+      <a:schemeClr val="accent1">
+        <a:tint val="60000"/>
+      </a:schemeClr>
     </dgm:linClrLst>
     <dgm:effectClrLst/>
     <dgm:txLinClrLst/>
-    <dgm:txFillClrLst meth="repeat">
-      <a:schemeClr val="lt1"/>
-    </dgm:txFillClrLst>
+    <dgm:txFillClrLst/>
     <dgm:txEffectClrLst/>
   </dgm:styleLbl>
   <dgm:styleLbl name="sibTrans1D1">
     <dgm:fillClrLst meth="repeat">
-      <a:schemeClr val="accent2"/>
-      <a:schemeClr val="accent3"/>
-      <a:schemeClr val="accent4"/>
-      <a:schemeClr val="accent5"/>
-      <a:schemeClr val="accent6"/>
+      <a:schemeClr val="accent1"/>
     </dgm:fillClrLst>
     <dgm:linClrLst meth="repeat">
-      <a:schemeClr val="accent2"/>
-      <a:schemeClr val="accent3"/>
-      <a:schemeClr val="accent4"/>
-      <a:schemeClr val="accent5"/>
-      <a:schemeClr val="accent6"/>
+      <a:schemeClr val="accent1"/>
     </dgm:linClrLst>
     <dgm:effectClrLst/>
     <dgm:txLinClrLst/>
@@ -1186,10 +1128,10 @@
   </dgm:styleLbl>
   <dgm:styleLbl name="callout">
     <dgm:fillClrLst meth="repeat">
-      <a:schemeClr val="accent2"/>
+      <a:schemeClr val="accent1"/>
     </dgm:fillClrLst>
     <dgm:linClrLst meth="repeat">
-      <a:schemeClr val="accent2">
+      <a:schemeClr val="accent1">
         <a:tint val="50000"/>
       </a:schemeClr>
     </dgm:linClrLst>
@@ -1214,7 +1156,7 @@
   </dgm:styleLbl>
   <dgm:styleLbl name="asst1">
     <dgm:fillClrLst meth="repeat">
-      <a:schemeClr val="accent2"/>
+      <a:schemeClr val="accent1"/>
     </dgm:fillClrLst>
     <dgm:linClrLst meth="repeat">
       <a:schemeClr val="lt1"/>
@@ -1225,8 +1167,8 @@
     <dgm:txEffectClrLst/>
   </dgm:styleLbl>
   <dgm:styleLbl name="asst2">
-    <dgm:fillClrLst>
-      <a:schemeClr val="accent3"/>
+    <dgm:fillClrLst meth="repeat">
+      <a:schemeClr val="accent1"/>
     </dgm:fillClrLst>
     <dgm:linClrLst meth="repeat">
       <a:schemeClr val="lt1"/>
@@ -1237,8 +1179,8 @@
     <dgm:txEffectClrLst/>
   </dgm:styleLbl>
   <dgm:styleLbl name="asst3">
-    <dgm:fillClrLst>
-      <a:schemeClr val="accent4"/>
+    <dgm:fillClrLst meth="repeat">
+      <a:schemeClr val="accent1"/>
     </dgm:fillClrLst>
     <dgm:linClrLst meth="repeat">
       <a:schemeClr val="lt1"/>
@@ -1249,8 +1191,8 @@
     <dgm:txEffectClrLst/>
   </dgm:styleLbl>
   <dgm:styleLbl name="asst4">
-    <dgm:fillClrLst>
-      <a:schemeClr val="accent5"/>
+    <dgm:fillClrLst meth="repeat">
+      <a:schemeClr val="accent1"/>
     </dgm:fillClrLst>
     <dgm:linClrLst meth="repeat">
       <a:schemeClr val="lt1"/>
@@ -1262,10 +1204,14 @@
   </dgm:styleLbl>
   <dgm:styleLbl name="parChTrans2D1">
     <dgm:fillClrLst meth="repeat">
-      <a:schemeClr val="accent2"/>
+      <a:schemeClr val="accent1">
+        <a:tint val="60000"/>
+      </a:schemeClr>
     </dgm:fillClrLst>
     <dgm:linClrLst meth="repeat">
-      <a:schemeClr val="lt1"/>
+      <a:schemeClr val="accent1">
+        <a:tint val="60000"/>
+      </a:schemeClr>
     </dgm:linClrLst>
     <dgm:effectClrLst/>
     <dgm:txLinClrLst/>
@@ -1276,34 +1222,10 @@
   </dgm:styleLbl>
   <dgm:styleLbl name="parChTrans2D2">
     <dgm:fillClrLst meth="repeat">
-      <a:schemeClr val="accent3"/>
+      <a:schemeClr val="accent1"/>
     </dgm:fillClrLst>
     <dgm:linClrLst meth="repeat">
-      <a:schemeClr val="lt1"/>
-    </dgm:linClrLst>
-    <dgm:effectClrLst/>
-    <dgm:txLinClrLst/>
-    <dgm:txFillClrLst/>
-    <dgm:txEffectClrLst/>
-  </dgm:styleLbl>
-  <dgm:styleLbl name="parChTrans2D3">
-    <dgm:fillClrLst meth="repeat">
-      <a:schemeClr val="accent4"/>
-    </dgm:fillClrLst>
-    <dgm:linClrLst meth="repeat">
-      <a:schemeClr val="lt1"/>
-    </dgm:linClrLst>
-    <dgm:effectClrLst/>
-    <dgm:txLinClrLst/>
-    <dgm:txFillClrLst/>
-    <dgm:txEffectClrLst/>
-  </dgm:styleLbl>
-  <dgm:styleLbl name="parChTrans2D4">
-    <dgm:fillClrLst meth="repeat">
-      <a:schemeClr val="accent5"/>
-    </dgm:fillClrLst>
-    <dgm:linClrLst meth="repeat">
-      <a:schemeClr val="lt1"/>
+      <a:schemeClr val="accent1"/>
     </dgm:linClrLst>
     <dgm:effectClrLst/>
     <dgm:txLinClrLst/>
@@ -1312,9 +1234,9 @@
     </dgm:txFillClrLst>
     <dgm:txEffectClrLst/>
   </dgm:styleLbl>
-  <dgm:styleLbl name="parChTrans1D1">
+  <dgm:styleLbl name="parChTrans2D3">
     <dgm:fillClrLst meth="repeat">
-      <a:schemeClr val="accent2"/>
+      <a:schemeClr val="accent1"/>
     </dgm:fillClrLst>
     <dgm:linClrLst meth="repeat">
       <a:schemeClr val="accent1"/>
@@ -1322,18 +1244,32 @@
     <dgm:effectClrLst/>
     <dgm:txLinClrLst/>
     <dgm:txFillClrLst meth="repeat">
-      <a:schemeClr val="tx1"/>
+      <a:schemeClr val="lt1"/>
     </dgm:txFillClrLst>
     <dgm:txEffectClrLst/>
   </dgm:styleLbl>
-  <dgm:styleLbl name="parChTrans1D2">
+  <dgm:styleLbl name="parChTrans2D4">
     <dgm:fillClrLst meth="repeat">
-      <a:schemeClr val="accent3">
-        <a:tint val="90000"/>
-      </a:schemeClr>
+      <a:schemeClr val="accent1"/>
     </dgm:fillClrLst>
     <dgm:linClrLst meth="repeat">
-      <a:schemeClr val="accent2"/>
+      <a:schemeClr val="accent1"/>
+    </dgm:linClrLst>
+    <dgm:effectClrLst/>
+    <dgm:txLinClrLst/>
+    <dgm:txFillClrLst meth="repeat">
+      <a:schemeClr val="lt1"/>
+    </dgm:txFillClrLst>
+    <dgm:txEffectClrLst/>
+  </dgm:styleLbl>
+  <dgm:styleLbl name="parChTrans1D1">
+    <dgm:fillClrLst meth="repeat">
+      <a:schemeClr val="accent1"/>
+    </dgm:fillClrLst>
+    <dgm:linClrLst meth="repeat">
+      <a:schemeClr val="accent1">
+        <a:shade val="60000"/>
+      </a:schemeClr>
     </dgm:linClrLst>
     <dgm:effectClrLst/>
     <dgm:txLinClrLst/>
@@ -1342,14 +1278,14 @@
     </dgm:txFillClrLst>
     <dgm:txEffectClrLst/>
   </dgm:styleLbl>
-  <dgm:styleLbl name="parChTrans1D3">
+  <dgm:styleLbl name="parChTrans1D2">
     <dgm:fillClrLst meth="repeat">
-      <a:schemeClr val="accent4">
-        <a:tint val="70000"/>
-      </a:schemeClr>
+      <a:schemeClr val="accent1"/>
     </dgm:fillClrLst>
     <dgm:linClrLst meth="repeat">
-      <a:schemeClr val="accent3"/>
+      <a:schemeClr val="accent1">
+        <a:shade val="60000"/>
+      </a:schemeClr>
     </dgm:linClrLst>
     <dgm:effectClrLst/>
     <dgm:txLinClrLst/>
@@ -1358,14 +1294,14 @@
     </dgm:txFillClrLst>
     <dgm:txEffectClrLst/>
   </dgm:styleLbl>
-  <dgm:styleLbl name="parChTrans1D4">
+  <dgm:styleLbl name="parChTrans1D3">
     <dgm:fillClrLst meth="repeat">
-      <a:schemeClr val="accent5">
-        <a:tint val="50000"/>
-      </a:schemeClr>
+      <a:schemeClr val="accent1"/>
     </dgm:fillClrLst>
     <dgm:linClrLst meth="repeat">
-      <a:schemeClr val="accent4"/>
+      <a:schemeClr val="accent1">
+        <a:shade val="80000"/>
+      </a:schemeClr>
     </dgm:linClrLst>
     <dgm:effectClrLst/>
     <dgm:txLinClrLst/>
@@ -1374,6 +1310,22 @@
     </dgm:txFillClrLst>
     <dgm:txEffectClrLst/>
   </dgm:styleLbl>
+  <dgm:styleLbl name="parChTrans1D4">
+    <dgm:fillClrLst meth="repeat">
+      <a:schemeClr val="accent1"/>
+    </dgm:fillClrLst>
+    <dgm:linClrLst meth="repeat">
+      <a:schemeClr val="accent1">
+        <a:shade val="80000"/>
+      </a:schemeClr>
+    </dgm:linClrLst>
+    <dgm:effectClrLst/>
+    <dgm:txLinClrLst/>
+    <dgm:txFillClrLst meth="repeat">
+      <a:schemeClr val="tx1"/>
+    </dgm:txFillClrLst>
+    <dgm:txEffectClrLst/>
+  </dgm:styleLbl>
   <dgm:styleLbl name="fgAcc1">
     <dgm:fillClrLst meth="repeat">
       <a:schemeClr val="lt1">
@@ -1381,11 +1333,7 @@
       </a:schemeClr>
     </dgm:fillClrLst>
     <dgm:linClrLst meth="repeat">
-      <a:schemeClr val="accent2"/>
-      <a:schemeClr val="accent3"/>
-      <a:schemeClr val="accent4"/>
-      <a:schemeClr val="accent5"/>
-      <a:schemeClr val="accent6"/>
+      <a:schemeClr val="accent1"/>
     </dgm:linClrLst>
     <dgm:effectClrLst/>
     <dgm:txLinClrLst/>
@@ -1401,11 +1349,7 @@
       </a:schemeClr>
     </dgm:fillClrLst>
     <dgm:linClrLst meth="repeat">
-      <a:schemeClr val="accent2"/>
-      <a:schemeClr val="accent3"/>
-      <a:schemeClr val="accent4"/>
-      <a:schemeClr val="accent5"/>
-      <a:schemeClr val="accent6"/>
+      <a:schemeClr val="accent1"/>
     </dgm:linClrLst>
     <dgm:effectClrLst/>
     <dgm:txLinClrLst/>
@@ -1421,11 +1365,7 @@
       </a:schemeClr>
     </dgm:fillClrLst>
     <dgm:linClrLst meth="repeat">
-      <a:schemeClr val="accent2"/>
-      <a:schemeClr val="accent3"/>
-      <a:schemeClr val="accent4"/>
-      <a:schemeClr val="accent5"/>
-      <a:schemeClr val="accent6"/>
+      <a:schemeClr val="accent1"/>
     </dgm:linClrLst>
     <dgm:effectClrLst/>
     <dgm:txLinClrLst/>
@@ -1457,11 +1397,7 @@
       </a:schemeClr>
     </dgm:fillClrLst>
     <dgm:linClrLst meth="repeat">
-      <a:schemeClr val="accent2"/>
-      <a:schemeClr val="accent3"/>
-      <a:schemeClr val="accent4"/>
-      <a:schemeClr val="accent5"/>
-      <a:schemeClr val="accent6"/>
+      <a:schemeClr val="accent1"/>
     </dgm:linClrLst>
     <dgm:effectClrLst/>
     <dgm:txLinClrLst/>
@@ -1475,11 +1411,7 @@
       <a:schemeClr val="lt1"/>
     </dgm:fillClrLst>
     <dgm:linClrLst meth="repeat">
-      <a:schemeClr val="accent2"/>
-      <a:schemeClr val="accent3"/>
-      <a:schemeClr val="accent4"/>
-      <a:schemeClr val="accent5"/>
-      <a:schemeClr val="accent6"/>
+      <a:schemeClr val="accent1"/>
     </dgm:linClrLst>
     <dgm:effectClrLst/>
     <dgm:txLinClrLst/>
@@ -1493,11 +1425,7 @@
       <a:schemeClr val="lt1"/>
     </dgm:fillClrLst>
     <dgm:linClrLst meth="repeat">
-      <a:schemeClr val="accent2"/>
-      <a:schemeClr val="accent3"/>
-      <a:schemeClr val="accent4"/>
-      <a:schemeClr val="accent5"/>
-      <a:schemeClr val="accent6"/>
+      <a:schemeClr val="accent1"/>
     </dgm:linClrLst>
     <dgm:effectClrLst/>
     <dgm:txLinClrLst/>
@@ -1511,11 +1439,7 @@
       <a:schemeClr val="lt1"/>
     </dgm:fillClrLst>
     <dgm:linClrLst meth="repeat">
-      <a:schemeClr val="accent2"/>
-      <a:schemeClr val="accent3"/>
-      <a:schemeClr val="accent4"/>
-      <a:schemeClr val="accent5"/>
-      <a:schemeClr val="accent6"/>
+      <a:schemeClr val="accent1"/>
     </dgm:linClrLst>
     <dgm:effectClrLst/>
     <dgm:txLinClrLst/>
@@ -1526,47 +1450,15 @@
   </dgm:styleLbl>
   <dgm:styleLbl name="fgAccFollowNode1">
     <dgm:fillClrLst meth="repeat">
-      <a:schemeClr val="accent2">
+      <a:schemeClr val="accent1">
+        <a:alpha val="90000"/>
         <a:tint val="40000"/>
-        <a:alpha val="90000"/>
-      </a:schemeClr>
-      <a:schemeClr val="accent3">
-        <a:tint val="40000"/>
-        <a:alpha val="90000"/>
-      </a:schemeClr>
-      <a:schemeClr val="accent4">
-        <a:tint val="40000"/>
-        <a:alpha val="90000"/>
-      </a:schemeClr>
-      <a:schemeClr val="accent5">
-        <a:tint val="40000"/>
-        <a:alpha val="90000"/>
-      </a:schemeClr>
-      <a:schemeClr val="accent6">
-        <a:tint val="40000"/>
-        <a:alpha val="90000"/>
       </a:schemeClr>
     </dgm:fillClrLst>
     <dgm:linClrLst meth="repeat">
-      <a:schemeClr val="accent2">
+      <a:schemeClr val="accent1">
+        <a:alpha val="90000"/>
         <a:tint val="40000"/>
-        <a:alpha val="90000"/>
-      </a:schemeClr>
-      <a:schemeClr val="accent3">
-        <a:tint val="40000"/>
-        <a:alpha val="90000"/>
-      </a:schemeClr>
-      <a:schemeClr val="accent4">
-        <a:tint val="40000"/>
-        <a:alpha val="90000"/>
-      </a:schemeClr>
-      <a:schemeClr val="accent5">
-        <a:tint val="40000"/>
-        <a:alpha val="90000"/>
-      </a:schemeClr>
-      <a:schemeClr val="accent6">
-        <a:tint val="40000"/>
-        <a:alpha val="90000"/>
       </a:schemeClr>
     </dgm:linClrLst>
     <dgm:effectClrLst/>
@@ -1578,47 +1470,15 @@
   </dgm:styleLbl>
   <dgm:styleLbl name="alignAccFollowNode1">
     <dgm:fillClrLst meth="repeat">
-      <a:schemeClr val="accent2">
+      <a:schemeClr val="accent1">
+        <a:alpha val="90000"/>
         <a:tint val="40000"/>
-        <a:alpha val="90000"/>
-      </a:schemeClr>
-      <a:schemeClr val="accent3">
-        <a:tint val="40000"/>
-        <a:alpha val="90000"/>
-      </a:schemeClr>
-      <a:schemeClr val="accent4">
-        <a:tint val="40000"/>
-        <a:alpha val="90000"/>
-      </a:schemeClr>
-      <a:schemeClr val="accent5">
-        <a:tint val="40000"/>
-        <a:alpha val="90000"/>
-      </a:schemeClr>
-      <a:schemeClr val="accent6">
-        <a:tint val="40000"/>
-        <a:alpha val="90000"/>
       </a:schemeClr>
     </dgm:fillClrLst>
     <dgm:linClrLst meth="repeat">
-      <a:schemeClr val="accent2">
+      <a:schemeClr val="accent1">
+        <a:alpha val="90000"/>
         <a:tint val="40000"/>
-        <a:alpha val="90000"/>
-      </a:schemeClr>
-      <a:schemeClr val="accent3">
-        <a:tint val="40000"/>
-        <a:alpha val="90000"/>
-      </a:schemeClr>
-      <a:schemeClr val="accent4">
-        <a:tint val="40000"/>
-        <a:alpha val="90000"/>
-      </a:schemeClr>
-      <a:schemeClr val="accent5">
-        <a:tint val="40000"/>
-        <a:alpha val="90000"/>
-      </a:schemeClr>
-      <a:schemeClr val="accent6">
-        <a:tint val="40000"/>
-        <a:alpha val="90000"/>
       </a:schemeClr>
     </dgm:linClrLst>
     <dgm:effectClrLst/>
@@ -1630,47 +1490,15 @@
   </dgm:styleLbl>
   <dgm:styleLbl name="bgAccFollowNode1">
     <dgm:fillClrLst meth="repeat">
-      <a:schemeClr val="accent2">
+      <a:schemeClr val="accent1">
+        <a:alpha val="90000"/>
         <a:tint val="40000"/>
-        <a:alpha val="90000"/>
-      </a:schemeClr>
-      <a:schemeClr val="accent3">
-        <a:tint val="40000"/>
-        <a:alpha val="90000"/>
-      </a:schemeClr>
-      <a:schemeClr val="accent4">
-        <a:tint val="40000"/>
-        <a:alpha val="90000"/>
-      </a:schemeClr>
-      <a:schemeClr val="accent5">
-        <a:tint val="40000"/>
-        <a:alpha val="90000"/>
-      </a:schemeClr>
-      <a:schemeClr val="accent6">
-        <a:tint val="40000"/>
-        <a:alpha val="90000"/>
       </a:schemeClr>
     </dgm:fillClrLst>
     <dgm:linClrLst meth="repeat">
-      <a:schemeClr val="accent2">
+      <a:schemeClr val="accent1">
+        <a:alpha val="90000"/>
         <a:tint val="40000"/>
-        <a:alpha val="90000"/>
-      </a:schemeClr>
-      <a:schemeClr val="accent3">
-        <a:tint val="40000"/>
-        <a:alpha val="90000"/>
-      </a:schemeClr>
-      <a:schemeClr val="accent4">
-        <a:tint val="40000"/>
-        <a:alpha val="90000"/>
-      </a:schemeClr>
-      <a:schemeClr val="accent5">
-        <a:tint val="40000"/>
-        <a:alpha val="90000"/>
-      </a:schemeClr>
-      <a:schemeClr val="accent6">
-        <a:tint val="40000"/>
-        <a:alpha val="90000"/>
       </a:schemeClr>
     </dgm:linClrLst>
     <dgm:effectClrLst/>
@@ -1686,7 +1514,7 @@
         <a:alpha val="90000"/>
       </a:schemeClr>
     </dgm:fillClrLst>
-    <dgm:linClrLst>
+    <dgm:linClrLst meth="repeat">
       <a:schemeClr val="accent1"/>
     </dgm:linClrLst>
     <dgm:effectClrLst/>
@@ -1702,8 +1530,8 @@
         <a:alpha val="90000"/>
       </a:schemeClr>
     </dgm:fillClrLst>
-    <dgm:linClrLst>
-      <a:schemeClr val="accent2"/>
+    <dgm:linClrLst meth="repeat">
+      <a:schemeClr val="accent1"/>
     </dgm:linClrLst>
     <dgm:effectClrLst/>
     <dgm:txLinClrLst/>
@@ -1718,8 +1546,8 @@
         <a:alpha val="90000"/>
       </a:schemeClr>
     </dgm:fillClrLst>
-    <dgm:linClrLst>
-      <a:schemeClr val="accent3"/>
+    <dgm:linClrLst meth="repeat">
+      <a:schemeClr val="accent1"/>
     </dgm:linClrLst>
     <dgm:effectClrLst/>
     <dgm:txLinClrLst/>
@@ -1734,8 +1562,8 @@
         <a:alpha val="90000"/>
       </a:schemeClr>
     </dgm:fillClrLst>
-    <dgm:linClrLst>
-      <a:schemeClr val="accent4"/>
+    <dgm:linClrLst meth="repeat">
+      <a:schemeClr val="accent1"/>
     </dgm:linClrLst>
     <dgm:effectClrLst/>
     <dgm:txLinClrLst/>
@@ -1746,30 +1574,28 @@
   </dgm:styleLbl>
   <dgm:styleLbl name="bgShp">
     <dgm:fillClrLst meth="repeat">
-      <a:schemeClr val="accent2"/>
-      <a:schemeClr val="accent3"/>
-      <a:schemeClr val="accent4"/>
-      <a:schemeClr val="accent5"/>
-      <a:schemeClr val="accent6"/>
+      <a:schemeClr val="accent1">
+        <a:tint val="40000"/>
+      </a:schemeClr>
     </dgm:fillClrLst>
     <dgm:linClrLst meth="repeat">
-      <a:schemeClr val="lt1">
-        <a:alpha val="0"/>
-      </a:schemeClr>
+      <a:schemeClr val="accent1"/>
     </dgm:linClrLst>
     <dgm:effectClrLst/>
     <dgm:txLinClrLst/>
-    <dgm:txFillClrLst/>
+    <dgm:txFillClrLst meth="repeat">
+      <a:schemeClr val="dk1"/>
+    </dgm:txFillClrLst>
     <dgm:txEffectClrLst/>
   </dgm:styleLbl>
   <dgm:styleLbl name="dkBgShp">
     <dgm:fillClrLst meth="repeat">
-      <a:schemeClr val="accent2">
-        <a:shade val="90000"/>
+      <a:schemeClr val="accent1">
+        <a:shade val="80000"/>
       </a:schemeClr>
     </dgm:fillClrLst>
     <dgm:linClrLst meth="repeat">
-      <a:schemeClr val="dk1"/>
+      <a:schemeClr val="accent1"/>
     </dgm:linClrLst>
     <dgm:effectClrLst/>
     <dgm:txLinClrLst/>
@@ -1786,7 +1612,7 @@
       </a:schemeClr>
     </dgm:fillClrLst>
     <dgm:linClrLst meth="repeat">
-      <a:schemeClr val="accent2"/>
+      <a:schemeClr val="accent1"/>
     </dgm:linClrLst>
     <dgm:effectClrLst/>
     <dgm:txLinClrLst/>
@@ -1797,8 +1623,8 @@
   </dgm:styleLbl>
   <dgm:styleLbl name="fgShp">
     <dgm:fillClrLst meth="repeat">
-      <a:schemeClr val="accent2">
-        <a:tint val="40000"/>
+      <a:schemeClr val="accent1">
+        <a:tint val="60000"/>
       </a:schemeClr>
     </dgm:fillClrLst>
     <dgm:linClrLst meth="repeat">
@@ -2233,7 +2059,7 @@
 <dgm:dataModel xmlns:dgm="http://schemas.openxmlformats.org/drawingml/2006/diagram" xmlns:a="http://schemas.openxmlformats.org/drawingml/2006/main">
   <dgm:ptLst>
     <dgm:pt modelId="{54099E61-6EA9-40C9-B9F8-A3589E994783}" type="doc">
-      <dgm:prSet loTypeId="urn:microsoft.com/office/officeart/2018/5/layout/IconCircleLabelList" loCatId="icon" qsTypeId="urn:microsoft.com/office/officeart/2005/8/quickstyle/simple1" qsCatId="simple" csTypeId="urn:microsoft.com/office/officeart/2018/5/colors/Iconchunking_neutralicon_colorful1" csCatId="colorful" phldr="1"/>
+      <dgm:prSet loTypeId="urn:microsoft.com/office/officeart/2018/5/layout/IconCircleLabelList" loCatId="icon" qsTypeId="urn:microsoft.com/office/officeart/2005/8/quickstyle/simple1" qsCatId="simple" csTypeId="urn:microsoft.com/office/officeart/2005/8/colors/accent1_2" csCatId="accent1" phldr="1"/>
       <dgm:spPr/>
       <dgm:t>
         <a:bodyPr/>
@@ -2244,7 +2070,7 @@
       </dgm:t>
     </dgm:pt>
     <dgm:pt modelId="{6269A14A-2525-4E4F-AB23-9C6DDB1382A4}">
-      <dgm:prSet custT="1"/>
+      <dgm:prSet/>
       <dgm:spPr/>
       <dgm:t>
         <a:bodyPr/>
@@ -2257,12 +2083,62 @@
             <a:defRPr cap="all"/>
           </a:pPr>
           <a:r>
-            <a:rPr lang="en-US" sz="2400" dirty="0">
-              <a:latin typeface="Times New Roman" panose="02020603050405020304" pitchFamily="18" charset="0"/>
-              <a:cs typeface="Times New Roman" panose="02020603050405020304" pitchFamily="18" charset="0"/>
-            </a:rPr>
-            <a:t>hanks for listening</a:t>
+            <a:rPr lang="pt-BR" altLang="zh-TW" dirty="0"/>
+            <a:t>A: Understanding Usage Patterns (Analyze Process)</a:t>
           </a:r>
+          <a:endParaRPr lang="zh-TW" altLang="en-US" dirty="0"/>
+        </a:p>
+        <a:p>
+          <a:pPr>
+            <a:lnSpc>
+              <a:spcPct val="100000"/>
+            </a:lnSpc>
+            <a:defRPr cap="all"/>
+          </a:pPr>
+          <a:r>
+            <a:rPr lang="en-US" dirty="0"/>
+            <a:t>Trip duration</a:t>
+          </a:r>
+          <a:endParaRPr lang="zh-TW" dirty="0"/>
+        </a:p>
+        <a:p>
+          <a:pPr>
+            <a:lnSpc>
+              <a:spcPct val="100000"/>
+            </a:lnSpc>
+            <a:defRPr cap="all"/>
+          </a:pPr>
+          <a:r>
+            <a:rPr lang="en-US" dirty="0"/>
+            <a:t>- Seasonal trends</a:t>
+          </a:r>
+          <a:endParaRPr lang="zh-TW" dirty="0"/>
+        </a:p>
+        <a:p>
+          <a:pPr>
+            <a:lnSpc>
+              <a:spcPct val="100000"/>
+            </a:lnSpc>
+            <a:defRPr cap="all"/>
+          </a:pPr>
+          <a:r>
+            <a:rPr lang="en-US" dirty="0"/>
+            <a:t>- Bike preferences</a:t>
+          </a:r>
+          <a:endParaRPr lang="zh-TW" dirty="0"/>
+        </a:p>
+        <a:p>
+          <a:pPr>
+            <a:lnSpc>
+              <a:spcPct val="100000"/>
+            </a:lnSpc>
+            <a:defRPr cap="all"/>
+          </a:pPr>
+          <a:r>
+            <a:rPr lang="en-US" dirty="0"/>
+            <a:t>- Weekly trends</a:t>
+          </a:r>
+          <a:endParaRPr lang="zh-TW" altLang="en-US" dirty="0"/>
         </a:p>
       </dgm:t>
     </dgm:pt>
@@ -2289,7 +2165,7 @@
       </dgm:t>
     </dgm:pt>
     <dgm:pt modelId="{A80C09FC-30F6-41E2-9A93-979C38CAB5BC}">
-      <dgm:prSet custT="1"/>
+      <dgm:prSet/>
       <dgm:spPr/>
       <dgm:t>
         <a:bodyPr/>
@@ -2302,23 +2178,48 @@
             <a:defRPr cap="all"/>
           </a:pPr>
           <a:r>
-            <a:rPr lang="en-US" altLang="zh-TW" sz="2400" dirty="0" err="1">
-              <a:latin typeface="Times New Roman" panose="02020603050405020304" pitchFamily="18" charset="0"/>
-              <a:cs typeface="Times New Roman" panose="02020603050405020304" pitchFamily="18" charset="0"/>
-            </a:rPr>
-            <a:t>elcome</a:t>
+            <a:rPr lang="en-US" altLang="zh-TW" dirty="0"/>
+            <a:t>B: Targeted Marketing Strategies (Act Process)</a:t>
           </a:r>
+          <a:endParaRPr lang="zh-TW" altLang="en-US" dirty="0"/>
+        </a:p>
+        <a:p>
+          <a:pPr>
+            <a:lnSpc>
+              <a:spcPct val="100000"/>
+            </a:lnSpc>
+            <a:defRPr cap="all"/>
+          </a:pPr>
           <a:r>
-            <a:rPr lang="en-US" altLang="zh-TW" sz="2400" dirty="0">
-              <a:latin typeface="Times New Roman" panose="02020603050405020304" pitchFamily="18" charset="0"/>
-              <a:cs typeface="Times New Roman" panose="02020603050405020304" pitchFamily="18" charset="0"/>
-            </a:rPr>
-            <a:t> to ask questions</a:t>
+            <a:rPr lang="en-US" dirty="0"/>
+            <a:t>- Promotions and discounts</a:t>
           </a:r>
-          <a:endParaRPr lang="en-US" sz="2400" dirty="0">
-            <a:latin typeface="Times New Roman" panose="02020603050405020304" pitchFamily="18" charset="0"/>
-            <a:cs typeface="Times New Roman" panose="02020603050405020304" pitchFamily="18" charset="0"/>
-          </a:endParaRPr>
+          <a:endParaRPr lang="zh-TW" dirty="0"/>
+        </a:p>
+        <a:p>
+          <a:pPr>
+            <a:lnSpc>
+              <a:spcPct val="100000"/>
+            </a:lnSpc>
+            <a:defRPr cap="all"/>
+          </a:pPr>
+          <a:r>
+            <a:rPr lang="en-US" dirty="0"/>
+            <a:t>- Highlighting cost savings</a:t>
+          </a:r>
+          <a:endParaRPr lang="zh-TW" dirty="0"/>
+        </a:p>
+        <a:p>
+          <a:pPr>
+            <a:lnSpc>
+              <a:spcPct val="100000"/>
+            </a:lnSpc>
+            <a:defRPr cap="all"/>
+          </a:pPr>
+          <a:r>
+            <a:rPr lang="en-US" dirty="0"/>
+            <a:t>- Seasonal marketing campaigns</a:t>
+          </a:r>
         </a:p>
       </dgm:t>
     </dgm:pt>
@@ -2345,7 +2246,7 @@
       </dgm:t>
     </dgm:pt>
     <dgm:pt modelId="{116E1105-B867-4515-8215-50D5AD6DB750}">
-      <dgm:prSet custT="1"/>
+      <dgm:prSet/>
       <dgm:spPr/>
       <dgm:t>
         <a:bodyPr/>
@@ -2358,16 +2259,48 @@
             <a:defRPr cap="all"/>
           </a:pPr>
           <a:r>
-            <a:rPr lang="en-US" altLang="zh-TW" sz="2400" dirty="0">
-              <a:latin typeface="Times New Roman" panose="02020603050405020304" pitchFamily="18" charset="0"/>
-              <a:cs typeface="Times New Roman" panose="02020603050405020304" pitchFamily="18" charset="0"/>
-            </a:rPr>
-            <a:t>If the answer to this question is incomplete, please let me know.</a:t>
+            <a:rPr lang="en-US" altLang="zh-TW" dirty="0"/>
+            <a:t>C: Increased Annual Memberships and Success</a:t>
           </a:r>
-          <a:endParaRPr lang="en-US" sz="2400" dirty="0">
-            <a:latin typeface="Times New Roman" panose="02020603050405020304" pitchFamily="18" charset="0"/>
-            <a:cs typeface="Times New Roman" panose="02020603050405020304" pitchFamily="18" charset="0"/>
-          </a:endParaRPr>
+          <a:endParaRPr lang="zh-TW" altLang="en-US" dirty="0"/>
+        </a:p>
+        <a:p>
+          <a:pPr>
+            <a:lnSpc>
+              <a:spcPct val="100000"/>
+            </a:lnSpc>
+            <a:defRPr cap="all"/>
+          </a:pPr>
+          <a:r>
+            <a:rPr lang="en-US" dirty="0"/>
+            <a:t>- Higher profitability</a:t>
+          </a:r>
+          <a:endParaRPr lang="zh-TW" dirty="0"/>
+        </a:p>
+        <a:p>
+          <a:pPr>
+            <a:lnSpc>
+              <a:spcPct val="100000"/>
+            </a:lnSpc>
+            <a:defRPr cap="all"/>
+          </a:pPr>
+          <a:r>
+            <a:rPr lang="en-US" dirty="0"/>
+            <a:t>- Enhanced customer engagement</a:t>
+          </a:r>
+          <a:endParaRPr lang="zh-TW" dirty="0"/>
+        </a:p>
+        <a:p>
+          <a:pPr>
+            <a:lnSpc>
+              <a:spcPct val="100000"/>
+            </a:lnSpc>
+            <a:defRPr cap="all"/>
+          </a:pPr>
+          <a:r>
+            <a:rPr lang="en-US" dirty="0"/>
+            <a:t>- Sustainable growth for the company</a:t>
+          </a:r>
         </a:p>
       </dgm:t>
     </dgm:pt>
@@ -2419,7 +2352,7 @@
       <dgm:spPr/>
     </dgm:pt>
     <dgm:pt modelId="{F1E1E894-D8D8-40FE-9118-4EC989685A29}" type="pres">
-      <dgm:prSet presAssocID="{6269A14A-2525-4E4F-AB23-9C6DDB1382A4}" presName="textRect" presStyleLbl="revTx" presStyleIdx="0" presStyleCnt="3" custScaleY="67522">
+      <dgm:prSet presAssocID="{6269A14A-2525-4E4F-AB23-9C6DDB1382A4}" presName="textRect" presStyleLbl="revTx" presStyleIdx="0" presStyleCnt="3">
         <dgm:presLayoutVars>
           <dgm:chMax val="1"/>
           <dgm:chPref val="1"/>
@@ -2477,7 +2410,7 @@
       <dgm:spPr/>
     </dgm:pt>
     <dgm:pt modelId="{1F820FB1-E2D1-48FE-A645-D9EE27D1247E}" type="pres">
-      <dgm:prSet presAssocID="{116E1105-B867-4515-8215-50D5AD6DB750}" presName="textRect" presStyleLbl="revTx" presStyleIdx="2" presStyleCnt="3" custScaleX="134691">
+      <dgm:prSet presAssocID="{116E1105-B867-4515-8215-50D5AD6DB750}" presName="textRect" presStyleLbl="revTx" presStyleIdx="2" presStyleCnt="3">
         <dgm:presLayoutVars>
           <dgm:chMax val="1"/>
           <dgm:chPref val="1"/>
@@ -3441,14 +3374,15 @@
       </dsp:nvSpPr>
       <dsp:spPr>
         <a:xfrm>
-          <a:off x="701603" y="1117572"/>
-          <a:ext cx="1990125" cy="1990125"/>
+          <a:off x="768000" y="1020164"/>
+          <a:ext cx="2196000" cy="2196000"/>
         </a:xfrm>
         <a:prstGeom prst="ellipse">
           <a:avLst/>
         </a:prstGeom>
         <a:solidFill>
-          <a:schemeClr val="accent2">
+          <a:schemeClr val="accent1">
+            <a:tint val="40000"/>
             <a:hueOff val="0"/>
             <a:satOff val="0"/>
             <a:lumOff val="0"/>
@@ -3480,14 +3414,14 @@
       </dsp:nvSpPr>
       <dsp:spPr>
         <a:xfrm>
-          <a:off x="1125728" y="1541697"/>
-          <a:ext cx="1141875" cy="1141875"/>
+          <a:off x="1236000" y="1488164"/>
+          <a:ext cx="1260000" cy="1260000"/>
         </a:xfrm>
         <a:prstGeom prst="rect">
           <a:avLst/>
         </a:prstGeom>
         <a:solidFill>
-          <a:schemeClr val="bg1">
+          <a:schemeClr val="accent1">
             <a:hueOff val="0"/>
             <a:satOff val="0"/>
             <a:lumOff val="0"/>
@@ -3497,7 +3431,6 @@
         <a:ln w="15875" cap="flat" cmpd="sng" algn="ctr">
           <a:solidFill>
             <a:schemeClr val="lt1">
-              <a:alpha val="0"/>
               <a:hueOff val="0"/>
               <a:satOff val="0"/>
               <a:lumOff val="0"/>
@@ -3530,8 +3463,8 @@
       </dsp:nvSpPr>
       <dsp:spPr>
         <a:xfrm>
-          <a:off x="65415" y="3812275"/>
-          <a:ext cx="3262500" cy="352196"/>
+          <a:off x="66000" y="3900164"/>
+          <a:ext cx="3600000" cy="1215000"/>
         </a:xfrm>
         <a:prstGeom prst="rect">
           <a:avLst/>
@@ -3560,7 +3493,7 @@
         </a:bodyPr>
         <a:lstStyle/>
         <a:p>
-          <a:pPr marL="0" lvl="0" indent="0" algn="ctr" defTabSz="1066800">
+          <a:pPr marL="0" lvl="0" indent="0" algn="ctr" defTabSz="488950">
             <a:lnSpc>
               <a:spcPct val="100000"/>
             </a:lnSpc>
@@ -3574,17 +3507,95 @@
             <a:defRPr cap="all"/>
           </a:pPr>
           <a:r>
-            <a:rPr lang="en-US" sz="2400" kern="1200" dirty="0">
-              <a:latin typeface="Times New Roman" panose="02020603050405020304" pitchFamily="18" charset="0"/>
-              <a:cs typeface="Times New Roman" panose="02020603050405020304" pitchFamily="18" charset="0"/>
-            </a:rPr>
-            <a:t>hanks for listening</a:t>
+            <a:rPr lang="pt-BR" altLang="zh-TW" sz="1100" kern="1200" dirty="0"/>
+            <a:t>A: Understanding Usage Patterns (Analyze Process)</a:t>
           </a:r>
+          <a:endParaRPr lang="zh-TW" altLang="en-US" sz="1100" kern="1200" dirty="0"/>
+        </a:p>
+        <a:p>
+          <a:pPr marL="0" lvl="0" indent="0" algn="ctr" defTabSz="488950">
+            <a:lnSpc>
+              <a:spcPct val="100000"/>
+            </a:lnSpc>
+            <a:spcBef>
+              <a:spcPct val="0"/>
+            </a:spcBef>
+            <a:spcAft>
+              <a:spcPct val="35000"/>
+            </a:spcAft>
+            <a:buNone/>
+            <a:defRPr cap="all"/>
+          </a:pPr>
+          <a:r>
+            <a:rPr lang="en-US" sz="1100" kern="1200" dirty="0"/>
+            <a:t>Trip duration</a:t>
+          </a:r>
+          <a:endParaRPr lang="zh-TW" sz="1100" kern="1200" dirty="0"/>
+        </a:p>
+        <a:p>
+          <a:pPr marL="0" lvl="0" indent="0" algn="ctr" defTabSz="488950">
+            <a:lnSpc>
+              <a:spcPct val="100000"/>
+            </a:lnSpc>
+            <a:spcBef>
+              <a:spcPct val="0"/>
+            </a:spcBef>
+            <a:spcAft>
+              <a:spcPct val="35000"/>
+            </a:spcAft>
+            <a:buNone/>
+            <a:defRPr cap="all"/>
+          </a:pPr>
+          <a:r>
+            <a:rPr lang="en-US" sz="1100" kern="1200" dirty="0"/>
+            <a:t>- Seasonal trends</a:t>
+          </a:r>
+          <a:endParaRPr lang="zh-TW" sz="1100" kern="1200" dirty="0"/>
+        </a:p>
+        <a:p>
+          <a:pPr marL="0" lvl="0" indent="0" algn="ctr" defTabSz="488950">
+            <a:lnSpc>
+              <a:spcPct val="100000"/>
+            </a:lnSpc>
+            <a:spcBef>
+              <a:spcPct val="0"/>
+            </a:spcBef>
+            <a:spcAft>
+              <a:spcPct val="35000"/>
+            </a:spcAft>
+            <a:buNone/>
+            <a:defRPr cap="all"/>
+          </a:pPr>
+          <a:r>
+            <a:rPr lang="en-US" sz="1100" kern="1200" dirty="0"/>
+            <a:t>- Bike preferences</a:t>
+          </a:r>
+          <a:endParaRPr lang="zh-TW" sz="1100" kern="1200" dirty="0"/>
+        </a:p>
+        <a:p>
+          <a:pPr marL="0" lvl="0" indent="0" algn="ctr" defTabSz="488950">
+            <a:lnSpc>
+              <a:spcPct val="100000"/>
+            </a:lnSpc>
+            <a:spcBef>
+              <a:spcPct val="0"/>
+            </a:spcBef>
+            <a:spcAft>
+              <a:spcPct val="35000"/>
+            </a:spcAft>
+            <a:buNone/>
+            <a:defRPr cap="all"/>
+          </a:pPr>
+          <a:r>
+            <a:rPr lang="en-US" sz="1100" kern="1200" dirty="0"/>
+            <a:t>- Weekly trends</a:t>
+          </a:r>
+          <a:endParaRPr lang="zh-TW" altLang="en-US" sz="1100" kern="1200" dirty="0"/>
         </a:p>
       </dsp:txBody>
       <dsp:txXfrm>
-        <a:off x="65415" y="3812275"/>
-        <a:ext cx="3262500" cy="352196"/>
+        <a:off x="66000" y="3900164"/>
+        <a:ext cx="3600000" cy="1215000"/>
       </dsp:txXfrm>
     </dsp:sp>
     <dsp:sp modelId="{E25D46DA-3CCC-4690-B645-92B8158A50C4}">
@@ -3594,14 +3605,15 @@
       </dsp:nvSpPr>
       <dsp:spPr>
         <a:xfrm>
-          <a:off x="4535040" y="1075220"/>
-          <a:ext cx="1990125" cy="1990125"/>
+          <a:off x="4998000" y="1020164"/>
+          <a:ext cx="2196000" cy="2196000"/>
         </a:xfrm>
         <a:prstGeom prst="ellipse">
           <a:avLst/>
         </a:prstGeom>
         <a:solidFill>
-          <a:schemeClr val="accent3">
+          <a:schemeClr val="accent1">
+            <a:tint val="40000"/>
             <a:hueOff val="0"/>
             <a:satOff val="0"/>
             <a:lumOff val="0"/>
@@ -3633,14 +3645,14 @@
       </dsp:nvSpPr>
       <dsp:spPr>
         <a:xfrm>
-          <a:off x="4959165" y="1499345"/>
-          <a:ext cx="1141875" cy="1141875"/>
+          <a:off x="5466000" y="1488164"/>
+          <a:ext cx="1260000" cy="1260000"/>
         </a:xfrm>
         <a:prstGeom prst="rect">
           <a:avLst/>
         </a:prstGeom>
         <a:solidFill>
-          <a:schemeClr val="bg1">
+          <a:schemeClr val="accent1">
             <a:hueOff val="0"/>
             <a:satOff val="0"/>
             <a:lumOff val="0"/>
@@ -3650,7 +3662,6 @@
         <a:ln w="15875" cap="flat" cmpd="sng" algn="ctr">
           <a:solidFill>
             <a:schemeClr val="lt1">
-              <a:alpha val="0"/>
               <a:hueOff val="0"/>
               <a:satOff val="0"/>
               <a:lumOff val="0"/>
@@ -3683,8 +3694,8 @@
       </dsp:nvSpPr>
       <dsp:spPr>
         <a:xfrm>
-          <a:off x="3898853" y="3685220"/>
-          <a:ext cx="3262500" cy="521603"/>
+          <a:off x="4296000" y="3900164"/>
+          <a:ext cx="3600000" cy="1215000"/>
         </a:xfrm>
         <a:prstGeom prst="rect">
           <a:avLst/>
@@ -3713,7 +3724,7 @@
         </a:bodyPr>
         <a:lstStyle/>
         <a:p>
-          <a:pPr marL="0" lvl="0" indent="0" algn="ctr" defTabSz="1066800">
+          <a:pPr marL="0" lvl="0" indent="0" algn="ctr" defTabSz="488950">
             <a:lnSpc>
               <a:spcPct val="100000"/>
             </a:lnSpc>
@@ -3727,28 +3738,74 @@
             <a:defRPr cap="all"/>
           </a:pPr>
           <a:r>
-            <a:rPr lang="en-US" altLang="zh-TW" sz="2400" kern="1200" dirty="0" err="1">
-              <a:latin typeface="Times New Roman" panose="02020603050405020304" pitchFamily="18" charset="0"/>
-              <a:cs typeface="Times New Roman" panose="02020603050405020304" pitchFamily="18" charset="0"/>
-            </a:rPr>
-            <a:t>elcome</a:t>
+            <a:rPr lang="en-US" altLang="zh-TW" sz="1100" kern="1200" dirty="0"/>
+            <a:t>B: Targeted Marketing Strategies (Act Process)</a:t>
           </a:r>
+          <a:endParaRPr lang="zh-TW" altLang="en-US" sz="1100" kern="1200" dirty="0"/>
+        </a:p>
+        <a:p>
+          <a:pPr marL="0" lvl="0" indent="0" algn="ctr" defTabSz="488950">
+            <a:lnSpc>
+              <a:spcPct val="100000"/>
+            </a:lnSpc>
+            <a:spcBef>
+              <a:spcPct val="0"/>
+            </a:spcBef>
+            <a:spcAft>
+              <a:spcPct val="35000"/>
+            </a:spcAft>
+            <a:buNone/>
+            <a:defRPr cap="all"/>
+          </a:pPr>
           <a:r>
-            <a:rPr lang="en-US" altLang="zh-TW" sz="2400" kern="1200" dirty="0">
-              <a:latin typeface="Times New Roman" panose="02020603050405020304" pitchFamily="18" charset="0"/>
-              <a:cs typeface="Times New Roman" panose="02020603050405020304" pitchFamily="18" charset="0"/>
-            </a:rPr>
-            <a:t> to ask questions</a:t>
+            <a:rPr lang="en-US" sz="1100" kern="1200" dirty="0"/>
+            <a:t>- Promotions and discounts</a:t>
           </a:r>
-          <a:endParaRPr lang="en-US" sz="2400" kern="1200" dirty="0">
-            <a:latin typeface="Times New Roman" panose="02020603050405020304" pitchFamily="18" charset="0"/>
-            <a:cs typeface="Times New Roman" panose="02020603050405020304" pitchFamily="18" charset="0"/>
-          </a:endParaRPr>
+          <a:endParaRPr lang="zh-TW" sz="1100" kern="1200" dirty="0"/>
+        </a:p>
+        <a:p>
+          <a:pPr marL="0" lvl="0" indent="0" algn="ctr" defTabSz="488950">
+            <a:lnSpc>
+              <a:spcPct val="100000"/>
+            </a:lnSpc>
+            <a:spcBef>
+              <a:spcPct val="0"/>
+            </a:spcBef>
+            <a:spcAft>
+              <a:spcPct val="35000"/>
+            </a:spcAft>
+            <a:buNone/>
+            <a:defRPr cap="all"/>
+          </a:pPr>
+          <a:r>
+            <a:rPr lang="en-US" sz="1100" kern="1200" dirty="0"/>
+            <a:t>- Highlighting cost savings</a:t>
+          </a:r>
+          <a:endParaRPr lang="zh-TW" sz="1100" kern="1200" dirty="0"/>
+        </a:p>
+        <a:p>
+          <a:pPr marL="0" lvl="0" indent="0" algn="ctr" defTabSz="488950">
+            <a:lnSpc>
+              <a:spcPct val="100000"/>
+            </a:lnSpc>
+            <a:spcBef>
+              <a:spcPct val="0"/>
+            </a:spcBef>
+            <a:spcAft>
+              <a:spcPct val="35000"/>
+            </a:spcAft>
+            <a:buNone/>
+            <a:defRPr cap="all"/>
+          </a:pPr>
+          <a:r>
+            <a:rPr lang="en-US" sz="1100" kern="1200" dirty="0"/>
+            <a:t>- Seasonal marketing campaigns</a:t>
+          </a:r>
         </a:p>
       </dsp:txBody>
       <dsp:txXfrm>
-        <a:off x="3898853" y="3685220"/>
-        <a:ext cx="3262500" cy="521603"/>
+        <a:off x="4296000" y="3900164"/>
+        <a:ext cx="3600000" cy="1215000"/>
       </dsp:txXfrm>
     </dsp:sp>
     <dsp:sp modelId="{172B5539-CDB8-4AAF-88C5-F1BFC720604B}">
@@ -3758,14 +3815,15 @@
       </dsp:nvSpPr>
       <dsp:spPr>
         <a:xfrm>
-          <a:off x="8934375" y="1075220"/>
-          <a:ext cx="1990125" cy="1990125"/>
+          <a:off x="9228000" y="1020164"/>
+          <a:ext cx="2196000" cy="2196000"/>
         </a:xfrm>
         <a:prstGeom prst="ellipse">
           <a:avLst/>
         </a:prstGeom>
         <a:solidFill>
-          <a:schemeClr val="accent4">
+          <a:schemeClr val="accent1">
+            <a:tint val="40000"/>
             <a:hueOff val="0"/>
             <a:satOff val="0"/>
             <a:lumOff val="0"/>
@@ -3797,14 +3855,14 @@
       </dsp:nvSpPr>
       <dsp:spPr>
         <a:xfrm>
-          <a:off x="9358500" y="1499345"/>
-          <a:ext cx="1141875" cy="1141875"/>
+          <a:off x="9696000" y="1488164"/>
+          <a:ext cx="1260000" cy="1260000"/>
         </a:xfrm>
         <a:prstGeom prst="rect">
           <a:avLst/>
         </a:prstGeom>
         <a:solidFill>
-          <a:schemeClr val="bg1">
+          <a:schemeClr val="accent1">
             <a:hueOff val="0"/>
             <a:satOff val="0"/>
             <a:lumOff val="0"/>
@@ -3814,7 +3872,6 @@
         <a:ln w="15875" cap="flat" cmpd="sng" algn="ctr">
           <a:solidFill>
             <a:schemeClr val="lt1">
-              <a:alpha val="0"/>
               <a:hueOff val="0"/>
               <a:satOff val="0"/>
               <a:lumOff val="0"/>
@@ -3847,8 +3904,8 @@
       </dsp:nvSpPr>
       <dsp:spPr>
         <a:xfrm>
-          <a:off x="7732290" y="3685220"/>
-          <a:ext cx="4394293" cy="521603"/>
+          <a:off x="8526000" y="3900164"/>
+          <a:ext cx="3600000" cy="1215000"/>
         </a:xfrm>
         <a:prstGeom prst="rect">
           <a:avLst/>
@@ -3877,7 +3934,7 @@
         </a:bodyPr>
         <a:lstStyle/>
         <a:p>
-          <a:pPr marL="0" lvl="0" indent="0" algn="ctr" defTabSz="1066800">
+          <a:pPr marL="0" lvl="0" indent="0" algn="ctr" defTabSz="488950">
             <a:lnSpc>
               <a:spcPct val="100000"/>
             </a:lnSpc>
@@ -3891,21 +3948,74 @@
             <a:defRPr cap="all"/>
           </a:pPr>
           <a:r>
-            <a:rPr lang="en-US" altLang="zh-TW" sz="2400" kern="1200" dirty="0">
-              <a:latin typeface="Times New Roman" panose="02020603050405020304" pitchFamily="18" charset="0"/>
-              <a:cs typeface="Times New Roman" panose="02020603050405020304" pitchFamily="18" charset="0"/>
-            </a:rPr>
-            <a:t>If the answer to this question is incomplete, please let me know.</a:t>
+            <a:rPr lang="en-US" altLang="zh-TW" sz="1100" kern="1200" dirty="0"/>
+            <a:t>C: Increased Annual Memberships and Success</a:t>
           </a:r>
-          <a:endParaRPr lang="en-US" sz="2400" kern="1200" dirty="0">
-            <a:latin typeface="Times New Roman" panose="02020603050405020304" pitchFamily="18" charset="0"/>
-            <a:cs typeface="Times New Roman" panose="02020603050405020304" pitchFamily="18" charset="0"/>
-          </a:endParaRPr>
+          <a:endParaRPr lang="zh-TW" altLang="en-US" sz="1100" kern="1200" dirty="0"/>
+        </a:p>
+        <a:p>
+          <a:pPr marL="0" lvl="0" indent="0" algn="ctr" defTabSz="488950">
+            <a:lnSpc>
+              <a:spcPct val="100000"/>
+            </a:lnSpc>
+            <a:spcBef>
+              <a:spcPct val="0"/>
+            </a:spcBef>
+            <a:spcAft>
+              <a:spcPct val="35000"/>
+            </a:spcAft>
+            <a:buNone/>
+            <a:defRPr cap="all"/>
+          </a:pPr>
+          <a:r>
+            <a:rPr lang="en-US" sz="1100" kern="1200" dirty="0"/>
+            <a:t>- Higher profitability</a:t>
+          </a:r>
+          <a:endParaRPr lang="zh-TW" sz="1100" kern="1200" dirty="0"/>
+        </a:p>
+        <a:p>
+          <a:pPr marL="0" lvl="0" indent="0" algn="ctr" defTabSz="488950">
+            <a:lnSpc>
+              <a:spcPct val="100000"/>
+            </a:lnSpc>
+            <a:spcBef>
+              <a:spcPct val="0"/>
+            </a:spcBef>
+            <a:spcAft>
+              <a:spcPct val="35000"/>
+            </a:spcAft>
+            <a:buNone/>
+            <a:defRPr cap="all"/>
+          </a:pPr>
+          <a:r>
+            <a:rPr lang="en-US" sz="1100" kern="1200" dirty="0"/>
+            <a:t>- Enhanced customer engagement</a:t>
+          </a:r>
+          <a:endParaRPr lang="zh-TW" sz="1100" kern="1200" dirty="0"/>
+        </a:p>
+        <a:p>
+          <a:pPr marL="0" lvl="0" indent="0" algn="ctr" defTabSz="488950">
+            <a:lnSpc>
+              <a:spcPct val="100000"/>
+            </a:lnSpc>
+            <a:spcBef>
+              <a:spcPct val="0"/>
+            </a:spcBef>
+            <a:spcAft>
+              <a:spcPct val="35000"/>
+            </a:spcAft>
+            <a:buNone/>
+            <a:defRPr cap="all"/>
+          </a:pPr>
+          <a:r>
+            <a:rPr lang="en-US" sz="1100" kern="1200" dirty="0"/>
+            <a:t>- Sustainable growth for the company</a:t>
+          </a:r>
         </a:p>
       </dsp:txBody>
       <dsp:txXfrm>
-        <a:off x="7732290" y="3685220"/>
-        <a:ext cx="4394293" cy="521603"/>
+        <a:off x="8526000" y="3900164"/>
+        <a:ext cx="3600000" cy="1215000"/>
       </dsp:txXfrm>
     </dsp:sp>
   </dsp:spTree>
@@ -11814,14 +11924,14 @@
           <p:nvPr>
             <p:extLst>
               <p:ext uri="{D42A27DB-BD31-4B8C-83A1-F6EECF244321}">
-                <p14:modId xmlns:p14="http://schemas.microsoft.com/office/powerpoint/2010/main" val="93032995"/>
+                <p14:modId xmlns:p14="http://schemas.microsoft.com/office/powerpoint/2010/main" val="2132165368"/>
               </p:ext>
             </p:extLst>
           </p:nvPr>
         </p:nvGraphicFramePr>
         <p:xfrm>
-          <a:off x="0" y="1575955"/>
-          <a:ext cx="12192000" cy="5282045"/>
+          <a:off x="0" y="722671"/>
+          <a:ext cx="12192000" cy="6135329"/>
         </p:xfrm>
         <a:graphic>
           <a:graphicData uri="http://schemas.openxmlformats.org/drawingml/2006/diagram">

--- a/Analyze_project/Bike_Share/How_Does_a_Bike_Share_Navigate_Speedy_Success.pptx
+++ b/Analyze_project/Bike_Share/How_Does_a_Bike_Share_Navigate_Speedy_Success.pptx
@@ -5,7 +5,7 @@
     <p:sldMasterId id="2147483718" r:id="rId1"/>
   </p:sldMasterIdLst>
   <p:notesMasterIdLst>
-    <p:notesMasterId r:id="rId17"/>
+    <p:notesMasterId r:id="rId18"/>
   </p:notesMasterIdLst>
   <p:sldIdLst>
     <p:sldId id="256" r:id="rId2"/>
@@ -23,6 +23,7 @@
     <p:sldId id="264" r:id="rId14"/>
     <p:sldId id="265" r:id="rId15"/>
     <p:sldId id="270" r:id="rId16"/>
+    <p:sldId id="291" r:id="rId17"/>
   </p:sldIdLst>
   <p:sldSz cx="12192000" cy="6858000"/>
   <p:notesSz cx="6858000" cy="9144000"/>
@@ -2070,7 +2071,7 @@
       </dgm:t>
     </dgm:pt>
     <dgm:pt modelId="{6269A14A-2525-4E4F-AB23-9C6DDB1382A4}">
-      <dgm:prSet/>
+      <dgm:prSet custT="1"/>
       <dgm:spPr/>
       <dgm:t>
         <a:bodyPr/>
@@ -2083,10 +2084,18 @@
             <a:defRPr cap="all"/>
           </a:pPr>
           <a:r>
-            <a:rPr lang="pt-BR" altLang="zh-TW" dirty="0"/>
-            <a:t>A: Understanding Usage Patterns (Analyze Process)</a:t>
+            <a:rPr lang="pt-BR" altLang="zh-TW" sz="2400" b="1" dirty="0"/>
+            <a:t>Understanding Usage Patterns</a:t>
           </a:r>
-          <a:endParaRPr lang="zh-TW" altLang="en-US" dirty="0"/>
+        </a:p>
+        <a:p>
+          <a:pPr>
+            <a:lnSpc>
+              <a:spcPct val="100000"/>
+            </a:lnSpc>
+            <a:defRPr cap="all"/>
+          </a:pPr>
+          <a:endParaRPr lang="pt-BR" altLang="zh-TW" sz="1800" dirty="0"/>
         </a:p>
         <a:p>
           <a:pPr>
@@ -2096,10 +2105,16 @@
             <a:defRPr cap="all"/>
           </a:pPr>
           <a:r>
-            <a:rPr lang="en-US" dirty="0"/>
-            <a:t>Trip duration</a:t>
+            <a:rPr lang="en-US" sz="1800" b="0" dirty="0">
+              <a:latin typeface="Times New Roman" panose="02020603050405020304" pitchFamily="18" charset="0"/>
+              <a:cs typeface="Times New Roman" panose="02020603050405020304" pitchFamily="18" charset="0"/>
+            </a:rPr>
+            <a:t>- Trip duration</a:t>
           </a:r>
-          <a:endParaRPr lang="zh-TW" dirty="0"/>
+          <a:endParaRPr lang="zh-TW" sz="1800" b="0" dirty="0">
+            <a:latin typeface="Times New Roman" panose="02020603050405020304" pitchFamily="18" charset="0"/>
+            <a:cs typeface="Times New Roman" panose="02020603050405020304" pitchFamily="18" charset="0"/>
+          </a:endParaRPr>
         </a:p>
         <a:p>
           <a:pPr>
@@ -2109,10 +2124,16 @@
             <a:defRPr cap="all"/>
           </a:pPr>
           <a:r>
-            <a:rPr lang="en-US" dirty="0"/>
+            <a:rPr lang="en-US" sz="1800" b="0" dirty="0">
+              <a:latin typeface="Times New Roman" panose="02020603050405020304" pitchFamily="18" charset="0"/>
+              <a:cs typeface="Times New Roman" panose="02020603050405020304" pitchFamily="18" charset="0"/>
+            </a:rPr>
             <a:t>- Seasonal trends</a:t>
           </a:r>
-          <a:endParaRPr lang="zh-TW" dirty="0"/>
+          <a:endParaRPr lang="zh-TW" sz="1800" b="0" dirty="0">
+            <a:latin typeface="Times New Roman" panose="02020603050405020304" pitchFamily="18" charset="0"/>
+            <a:cs typeface="Times New Roman" panose="02020603050405020304" pitchFamily="18" charset="0"/>
+          </a:endParaRPr>
         </a:p>
         <a:p>
           <a:pPr>
@@ -2122,10 +2143,16 @@
             <a:defRPr cap="all"/>
           </a:pPr>
           <a:r>
-            <a:rPr lang="en-US" dirty="0"/>
+            <a:rPr lang="en-US" sz="1800" b="0" dirty="0">
+              <a:latin typeface="Times New Roman" panose="02020603050405020304" pitchFamily="18" charset="0"/>
+              <a:cs typeface="Times New Roman" panose="02020603050405020304" pitchFamily="18" charset="0"/>
+            </a:rPr>
             <a:t>- Bike preferences</a:t>
           </a:r>
-          <a:endParaRPr lang="zh-TW" dirty="0"/>
+          <a:endParaRPr lang="zh-TW" sz="1800" b="0" dirty="0">
+            <a:latin typeface="Times New Roman" panose="02020603050405020304" pitchFamily="18" charset="0"/>
+            <a:cs typeface="Times New Roman" panose="02020603050405020304" pitchFamily="18" charset="0"/>
+          </a:endParaRPr>
         </a:p>
         <a:p>
           <a:pPr>
@@ -2135,10 +2162,16 @@
             <a:defRPr cap="all"/>
           </a:pPr>
           <a:r>
-            <a:rPr lang="en-US" dirty="0"/>
+            <a:rPr lang="en-US" sz="1800" b="0" dirty="0">
+              <a:latin typeface="Times New Roman" panose="02020603050405020304" pitchFamily="18" charset="0"/>
+              <a:cs typeface="Times New Roman" panose="02020603050405020304" pitchFamily="18" charset="0"/>
+            </a:rPr>
             <a:t>- Weekly trends</a:t>
           </a:r>
-          <a:endParaRPr lang="zh-TW" altLang="en-US" dirty="0"/>
+          <a:endParaRPr lang="zh-TW" altLang="en-US" sz="1800" b="0" dirty="0">
+            <a:latin typeface="Times New Roman" panose="02020603050405020304" pitchFamily="18" charset="0"/>
+            <a:cs typeface="Times New Roman" panose="02020603050405020304" pitchFamily="18" charset="0"/>
+          </a:endParaRPr>
         </a:p>
       </dgm:t>
     </dgm:pt>
@@ -2165,7 +2198,7 @@
       </dgm:t>
     </dgm:pt>
     <dgm:pt modelId="{A80C09FC-30F6-41E2-9A93-979C38CAB5BC}">
-      <dgm:prSet/>
+      <dgm:prSet custT="1"/>
       <dgm:spPr/>
       <dgm:t>
         <a:bodyPr/>
@@ -2178,10 +2211,9 @@
             <a:defRPr cap="all"/>
           </a:pPr>
           <a:r>
-            <a:rPr lang="en-US" altLang="zh-TW" dirty="0"/>
-            <a:t>B: Targeted Marketing Strategies (Act Process)</a:t>
+            <a:rPr lang="en-US" altLang="zh-TW" sz="2400" b="1" dirty="0"/>
+            <a:t>Targeted Strategies</a:t>
           </a:r>
-          <a:endParaRPr lang="zh-TW" altLang="en-US" dirty="0"/>
         </a:p>
         <a:p>
           <a:pPr>
@@ -2191,10 +2223,9 @@
             <a:defRPr cap="all"/>
           </a:pPr>
           <a:r>
-            <a:rPr lang="en-US" dirty="0"/>
-            <a:t>- Promotions and discounts</a:t>
+            <a:rPr lang="en-US" altLang="zh-TW" sz="1800" dirty="0"/>
+            <a:t> </a:t>
           </a:r>
-          <a:endParaRPr lang="zh-TW" dirty="0"/>
         </a:p>
         <a:p>
           <a:pPr>
@@ -2204,10 +2235,16 @@
             <a:defRPr cap="all"/>
           </a:pPr>
           <a:r>
-            <a:rPr lang="en-US" dirty="0"/>
-            <a:t>- Highlighting cost savings</a:t>
+            <a:rPr lang="en-US" sz="1800" dirty="0">
+              <a:latin typeface="Times New Roman" panose="02020603050405020304" pitchFamily="18" charset="0"/>
+              <a:cs typeface="Times New Roman" panose="02020603050405020304" pitchFamily="18" charset="0"/>
+            </a:rPr>
+            <a:t>- Promotions and discounts</a:t>
           </a:r>
-          <a:endParaRPr lang="zh-TW" dirty="0"/>
+          <a:endParaRPr lang="zh-TW" sz="1800" dirty="0">
+            <a:latin typeface="Times New Roman" panose="02020603050405020304" pitchFamily="18" charset="0"/>
+            <a:cs typeface="Times New Roman" panose="02020603050405020304" pitchFamily="18" charset="0"/>
+          </a:endParaRPr>
         </a:p>
         <a:p>
           <a:pPr>
@@ -2217,7 +2254,29 @@
             <a:defRPr cap="all"/>
           </a:pPr>
           <a:r>
-            <a:rPr lang="en-US" dirty="0"/>
+            <a:rPr lang="en-US" sz="1800" dirty="0">
+              <a:latin typeface="Times New Roman" panose="02020603050405020304" pitchFamily="18" charset="0"/>
+              <a:cs typeface="Times New Roman" panose="02020603050405020304" pitchFamily="18" charset="0"/>
+            </a:rPr>
+            <a:t>- Highlighting cost savings</a:t>
+          </a:r>
+          <a:endParaRPr lang="zh-TW" sz="1800" dirty="0">
+            <a:latin typeface="Times New Roman" panose="02020603050405020304" pitchFamily="18" charset="0"/>
+            <a:cs typeface="Times New Roman" panose="02020603050405020304" pitchFamily="18" charset="0"/>
+          </a:endParaRPr>
+        </a:p>
+        <a:p>
+          <a:pPr>
+            <a:lnSpc>
+              <a:spcPct val="100000"/>
+            </a:lnSpc>
+            <a:defRPr cap="all"/>
+          </a:pPr>
+          <a:r>
+            <a:rPr lang="en-US" sz="1800" dirty="0">
+              <a:latin typeface="Times New Roman" panose="02020603050405020304" pitchFamily="18" charset="0"/>
+              <a:cs typeface="Times New Roman" panose="02020603050405020304" pitchFamily="18" charset="0"/>
+            </a:rPr>
             <a:t>- Seasonal marketing campaigns</a:t>
           </a:r>
         </a:p>
@@ -2259,10 +2318,18 @@
             <a:defRPr cap="all"/>
           </a:pPr>
           <a:r>
-            <a:rPr lang="en-US" altLang="zh-TW" dirty="0"/>
-            <a:t>C: Increased Annual Memberships and Success</a:t>
+            <a:rPr lang="en-US" altLang="zh-TW" b="1" dirty="0"/>
+            <a:t>Increased Annual Memberships</a:t>
           </a:r>
-          <a:endParaRPr lang="zh-TW" altLang="en-US" dirty="0"/>
+        </a:p>
+        <a:p>
+          <a:pPr>
+            <a:lnSpc>
+              <a:spcPct val="100000"/>
+            </a:lnSpc>
+            <a:defRPr cap="all"/>
+          </a:pPr>
+          <a:endParaRPr lang="zh-TW" altLang="en-US" b="0" i="0" dirty="0"/>
         </a:p>
         <a:p>
           <a:pPr>
@@ -2272,10 +2339,16 @@
             <a:defRPr cap="all"/>
           </a:pPr>
           <a:r>
-            <a:rPr lang="en-US" dirty="0"/>
+            <a:rPr lang="en-US" b="0" i="0" dirty="0">
+              <a:latin typeface="Times New Roman" panose="02020603050405020304" pitchFamily="18" charset="0"/>
+              <a:cs typeface="Times New Roman" panose="02020603050405020304" pitchFamily="18" charset="0"/>
+            </a:rPr>
             <a:t>- Higher profitability</a:t>
           </a:r>
-          <a:endParaRPr lang="zh-TW" dirty="0"/>
+          <a:endParaRPr lang="zh-TW" b="0" i="0" dirty="0">
+            <a:latin typeface="Times New Roman" panose="02020603050405020304" pitchFamily="18" charset="0"/>
+            <a:cs typeface="Times New Roman" panose="02020603050405020304" pitchFamily="18" charset="0"/>
+          </a:endParaRPr>
         </a:p>
         <a:p>
           <a:pPr>
@@ -2285,10 +2358,16 @@
             <a:defRPr cap="all"/>
           </a:pPr>
           <a:r>
-            <a:rPr lang="en-US" dirty="0"/>
+            <a:rPr lang="en-US" b="0" i="0" dirty="0">
+              <a:latin typeface="Times New Roman" panose="02020603050405020304" pitchFamily="18" charset="0"/>
+              <a:cs typeface="Times New Roman" panose="02020603050405020304" pitchFamily="18" charset="0"/>
+            </a:rPr>
             <a:t>- Enhanced customer engagement</a:t>
           </a:r>
-          <a:endParaRPr lang="zh-TW" dirty="0"/>
+          <a:endParaRPr lang="zh-TW" b="0" i="0" dirty="0">
+            <a:latin typeface="Times New Roman" panose="02020603050405020304" pitchFamily="18" charset="0"/>
+            <a:cs typeface="Times New Roman" panose="02020603050405020304" pitchFamily="18" charset="0"/>
+          </a:endParaRPr>
         </a:p>
         <a:p>
           <a:pPr>
@@ -2298,7 +2377,10 @@
             <a:defRPr cap="all"/>
           </a:pPr>
           <a:r>
-            <a:rPr lang="en-US" dirty="0"/>
+            <a:rPr lang="en-US" b="0" i="0" dirty="0">
+              <a:latin typeface="Times New Roman" panose="02020603050405020304" pitchFamily="18" charset="0"/>
+              <a:cs typeface="Times New Roman" panose="02020603050405020304" pitchFamily="18" charset="0"/>
+            </a:rPr>
             <a:t>- Sustainable growth for the company</a:t>
           </a:r>
         </a:p>
@@ -2344,15 +2426,58 @@
       <dgm:spPr/>
     </dgm:pt>
     <dgm:pt modelId="{DF3D4E58-E507-44C8-94BF-C8CE9DD00668}" type="pres">
-      <dgm:prSet presAssocID="{6269A14A-2525-4E4F-AB23-9C6DDB1382A4}" presName="iconRect" presStyleLbl="node1" presStyleIdx="0" presStyleCnt="3"/>
-      <dgm:spPr/>
+      <dgm:prSet presAssocID="{6269A14A-2525-4E4F-AB23-9C6DDB1382A4}" presName="iconRect" presStyleLbl="node1" presStyleIdx="0" presStyleCnt="3">
+        <dgm:style>
+          <a:lnRef idx="2">
+            <a:schemeClr val="dk1"/>
+          </a:lnRef>
+          <a:fillRef idx="1">
+            <a:schemeClr val="lt1"/>
+          </a:fillRef>
+          <a:effectRef idx="0">
+            <a:schemeClr val="dk1"/>
+          </a:effectRef>
+          <a:fontRef idx="minor">
+            <a:schemeClr val="dk1"/>
+          </a:fontRef>
+        </dgm:style>
+      </dgm:prSet>
+      <dgm:spPr>
+        <a:prstGeom prst="rect">
+          <a:avLst/>
+        </a:prstGeom>
+        <a:blipFill>
+          <a:blip xmlns:r="http://schemas.openxmlformats.org/officeDocument/2006/relationships" r:embed="rId1">
+            <a:extLst>
+              <a:ext uri="{28A0092B-C50C-407E-A947-70E740481C1C}">
+                <a14:useLocalDpi xmlns:a14="http://schemas.microsoft.com/office/drawing/2010/main" val="0"/>
+              </a:ext>
+              <a:ext uri="{96DAC541-7B7A-43D3-8B79-37D633B846F1}">
+                <asvg:svgBlip xmlns:asvg="http://schemas.microsoft.com/office/drawing/2016/SVG/main" r:embed="rId2"/>
+              </a:ext>
+            </a:extLst>
+          </a:blip>
+          <a:srcRect/>
+          <a:stretch>
+            <a:fillRect/>
+          </a:stretch>
+        </a:blipFill>
+        <a:ln>
+          <a:noFill/>
+        </a:ln>
+      </dgm:spPr>
+      <dgm:extLst>
+        <a:ext uri="{E40237B7-FDA0-4F09-8148-C483321AD2D9}">
+          <dgm14:cNvPr xmlns:dgm14="http://schemas.microsoft.com/office/drawing/2010/diagram" id="0" name="" descr="清單 以實心填滿"/>
+        </a:ext>
+      </dgm:extLst>
     </dgm:pt>
     <dgm:pt modelId="{1F58E6DE-88D6-484D-96D4-20205065798C}" type="pres">
       <dgm:prSet presAssocID="{6269A14A-2525-4E4F-AB23-9C6DDB1382A4}" presName="spaceRect" presStyleCnt="0"/>
       <dgm:spPr/>
     </dgm:pt>
     <dgm:pt modelId="{F1E1E894-D8D8-40FE-9118-4EC989685A29}" type="pres">
-      <dgm:prSet presAssocID="{6269A14A-2525-4E4F-AB23-9C6DDB1382A4}" presName="textRect" presStyleLbl="revTx" presStyleIdx="0" presStyleCnt="3">
+      <dgm:prSet presAssocID="{6269A14A-2525-4E4F-AB23-9C6DDB1382A4}" presName="textRect" presStyleLbl="revTx" presStyleIdx="0" presStyleCnt="3" custScaleX="112576" custScaleY="136343">
         <dgm:presLayoutVars>
           <dgm:chMax val="1"/>
           <dgm:chPref val="1"/>
@@ -2374,14 +2499,39 @@
     </dgm:pt>
     <dgm:pt modelId="{0B17E7FA-8354-47B0-A95A-CF63A1D5B15B}" type="pres">
       <dgm:prSet presAssocID="{A80C09FC-30F6-41E2-9A93-979C38CAB5BC}" presName="iconRect" presStyleLbl="node1" presStyleIdx="1" presStyleCnt="3"/>
-      <dgm:spPr/>
+      <dgm:spPr>
+        <a:blipFill>
+          <a:blip xmlns:r="http://schemas.openxmlformats.org/officeDocument/2006/relationships" r:embed="rId3">
+            <a:extLst>
+              <a:ext uri="{28A0092B-C50C-407E-A947-70E740481C1C}">
+                <a14:useLocalDpi xmlns:a14="http://schemas.microsoft.com/office/drawing/2010/main" val="0"/>
+              </a:ext>
+              <a:ext uri="{96DAC541-7B7A-43D3-8B79-37D633B846F1}">
+                <asvg:svgBlip xmlns:asvg="http://schemas.microsoft.com/office/drawing/2016/SVG/main" r:embed="rId4"/>
+              </a:ext>
+            </a:extLst>
+          </a:blip>
+          <a:srcRect/>
+          <a:stretch>
+            <a:fillRect/>
+          </a:stretch>
+        </a:blipFill>
+        <a:ln>
+          <a:noFill/>
+        </a:ln>
+      </dgm:spPr>
+      <dgm:extLst>
+        <a:ext uri="{E40237B7-FDA0-4F09-8148-C483321AD2D9}">
+          <dgm14:cNvPr xmlns:dgm14="http://schemas.microsoft.com/office/drawing/2010/diagram" id="0" name="" descr="橫條圖簡報 以實心填滿"/>
+        </a:ext>
+      </dgm:extLst>
     </dgm:pt>
     <dgm:pt modelId="{D9F14BB6-3C09-4730-A854-E40D5CCE2E3F}" type="pres">
       <dgm:prSet presAssocID="{A80C09FC-30F6-41E2-9A93-979C38CAB5BC}" presName="spaceRect" presStyleCnt="0"/>
       <dgm:spPr/>
     </dgm:pt>
     <dgm:pt modelId="{B9710D55-CDA9-4389-85FA-CC53D2C7561E}" type="pres">
-      <dgm:prSet presAssocID="{A80C09FC-30F6-41E2-9A93-979C38CAB5BC}" presName="textRect" presStyleLbl="revTx" presStyleIdx="1" presStyleCnt="3">
+      <dgm:prSet presAssocID="{A80C09FC-30F6-41E2-9A93-979C38CAB5BC}" presName="textRect" presStyleLbl="revTx" presStyleIdx="1" presStyleCnt="3" custScaleY="137147">
         <dgm:presLayoutVars>
           <dgm:chMax val="1"/>
           <dgm:chPref val="1"/>
@@ -2403,14 +2553,36 @@
     </dgm:pt>
     <dgm:pt modelId="{0D59B028-73EB-40FA-B027-CFCC17247217}" type="pres">
       <dgm:prSet presAssocID="{116E1105-B867-4515-8215-50D5AD6DB750}" presName="iconRect" presStyleLbl="node1" presStyleIdx="2" presStyleCnt="3"/>
-      <dgm:spPr/>
+      <dgm:spPr>
+        <a:blipFill>
+          <a:blip xmlns:r="http://schemas.openxmlformats.org/officeDocument/2006/relationships" r:embed="rId5">
+            <a:extLst>
+              <a:ext uri="{28A0092B-C50C-407E-A947-70E740481C1C}">
+                <a14:useLocalDpi xmlns:a14="http://schemas.microsoft.com/office/drawing/2010/main" val="0"/>
+              </a:ext>
+              <a:ext uri="{96DAC541-7B7A-43D3-8B79-37D633B846F1}">
+                <asvg:svgBlip xmlns:asvg="http://schemas.microsoft.com/office/drawing/2016/SVG/main" r:embed="rId6"/>
+              </a:ext>
+            </a:extLst>
+          </a:blip>
+          <a:srcRect/>
+          <a:stretch>
+            <a:fillRect/>
+          </a:stretch>
+        </a:blipFill>
+      </dgm:spPr>
+      <dgm:extLst>
+        <a:ext uri="{E40237B7-FDA0-4F09-8148-C483321AD2D9}">
+          <dgm14:cNvPr xmlns:dgm14="http://schemas.microsoft.com/office/drawing/2010/diagram" id="0" name="" descr="上升趨勢的橫條圖 以實心填滿"/>
+        </a:ext>
+      </dgm:extLst>
     </dgm:pt>
     <dgm:pt modelId="{12731DCF-81C5-4CE1-BCB2-D8E1B423A88F}" type="pres">
       <dgm:prSet presAssocID="{116E1105-B867-4515-8215-50D5AD6DB750}" presName="spaceRect" presStyleCnt="0"/>
       <dgm:spPr/>
     </dgm:pt>
     <dgm:pt modelId="{1F820FB1-E2D1-48FE-A645-D9EE27D1247E}" type="pres">
-      <dgm:prSet presAssocID="{116E1105-B867-4515-8215-50D5AD6DB750}" presName="textRect" presStyleLbl="revTx" presStyleIdx="2" presStyleCnt="3">
+      <dgm:prSet presAssocID="{116E1105-B867-4515-8215-50D5AD6DB750}" presName="textRect" presStyleLbl="revTx" presStyleIdx="2" presStyleCnt="3" custScaleY="137936">
         <dgm:presLayoutVars>
           <dgm:chMax val="1"/>
           <dgm:chPref val="1"/>
@@ -3374,8 +3546,8 @@
       </dsp:nvSpPr>
       <dsp:spPr>
         <a:xfrm>
-          <a:off x="768000" y="1020164"/>
-          <a:ext cx="2196000" cy="2196000"/>
+          <a:off x="934500" y="430749"/>
+          <a:ext cx="2127375" cy="2127375"/>
         </a:xfrm>
         <a:prstGeom prst="ellipse">
           <a:avLst/>
@@ -3414,45 +3586,46 @@
       </dsp:nvSpPr>
       <dsp:spPr>
         <a:xfrm>
-          <a:off x="1236000" y="1488164"/>
-          <a:ext cx="1260000" cy="1260000"/>
+          <a:off x="1387875" y="884124"/>
+          <a:ext cx="1220625" cy="1220625"/>
         </a:xfrm>
         <a:prstGeom prst="rect">
           <a:avLst/>
         </a:prstGeom>
-        <a:solidFill>
-          <a:schemeClr val="accent1">
-            <a:hueOff val="0"/>
-            <a:satOff val="0"/>
-            <a:lumOff val="0"/>
-            <a:alphaOff val="0"/>
-          </a:schemeClr>
-        </a:solidFill>
+        <a:blipFill>
+          <a:blip xmlns:r="http://schemas.openxmlformats.org/officeDocument/2006/relationships" r:embed="rId1">
+            <a:extLst>
+              <a:ext uri="{28A0092B-C50C-407E-A947-70E740481C1C}">
+                <a14:useLocalDpi xmlns:a14="http://schemas.microsoft.com/office/drawing/2010/main" val="0"/>
+              </a:ext>
+              <a:ext uri="{96DAC541-7B7A-43D3-8B79-37D633B846F1}">
+                <asvg:svgBlip xmlns:asvg="http://schemas.microsoft.com/office/drawing/2016/SVG/main" r:embed="rId2"/>
+              </a:ext>
+            </a:extLst>
+          </a:blip>
+          <a:srcRect/>
+          <a:stretch>
+            <a:fillRect/>
+          </a:stretch>
+        </a:blipFill>
         <a:ln w="15875" cap="flat" cmpd="sng" algn="ctr">
-          <a:solidFill>
-            <a:schemeClr val="lt1">
-              <a:hueOff val="0"/>
-              <a:satOff val="0"/>
-              <a:lumOff val="0"/>
-              <a:alphaOff val="0"/>
-            </a:schemeClr>
-          </a:solidFill>
+          <a:noFill/>
           <a:prstDash val="solid"/>
         </a:ln>
         <a:effectLst/>
       </dsp:spPr>
       <dsp:style>
         <a:lnRef idx="2">
-          <a:scrgbClr r="0" g="0" b="0"/>
+          <a:schemeClr val="dk1"/>
         </a:lnRef>
         <a:fillRef idx="1">
-          <a:scrgbClr r="0" g="0" b="0"/>
+          <a:schemeClr val="lt1"/>
         </a:fillRef>
         <a:effectRef idx="0">
-          <a:scrgbClr r="0" g="0" b="0"/>
+          <a:schemeClr val="dk1"/>
         </a:effectRef>
         <a:fontRef idx="minor">
-          <a:schemeClr val="lt1"/>
+          <a:schemeClr val="dk1"/>
         </a:fontRef>
       </dsp:style>
     </dsp:sp>
@@ -3463,8 +3636,8 @@
       </dsp:nvSpPr>
       <dsp:spPr>
         <a:xfrm>
-          <a:off x="66000" y="3900164"/>
-          <a:ext cx="3600000" cy="1215000"/>
+          <a:off x="35143" y="2727678"/>
+          <a:ext cx="3926088" cy="3699572"/>
         </a:xfrm>
         <a:prstGeom prst="rect">
           <a:avLst/>
@@ -3493,7 +3666,7 @@
         </a:bodyPr>
         <a:lstStyle/>
         <a:p>
-          <a:pPr marL="0" lvl="0" indent="0" algn="ctr" defTabSz="488950">
+          <a:pPr marL="0" lvl="0" indent="0" algn="ctr" defTabSz="1066800">
             <a:lnSpc>
               <a:spcPct val="100000"/>
             </a:lnSpc>
@@ -3507,13 +3680,28 @@
             <a:defRPr cap="all"/>
           </a:pPr>
           <a:r>
-            <a:rPr lang="pt-BR" altLang="zh-TW" sz="1100" kern="1200" dirty="0"/>
-            <a:t>A: Understanding Usage Patterns (Analyze Process)</a:t>
+            <a:rPr lang="pt-BR" altLang="zh-TW" sz="2400" b="1" kern="1200" dirty="0"/>
+            <a:t>Understanding Usage Patterns</a:t>
           </a:r>
-          <a:endParaRPr lang="zh-TW" altLang="en-US" sz="1100" kern="1200" dirty="0"/>
         </a:p>
         <a:p>
-          <a:pPr marL="0" lvl="0" indent="0" algn="ctr" defTabSz="488950">
+          <a:pPr marL="0" lvl="0" indent="0" algn="ctr" defTabSz="1066800">
+            <a:lnSpc>
+              <a:spcPct val="100000"/>
+            </a:lnSpc>
+            <a:spcBef>
+              <a:spcPct val="0"/>
+            </a:spcBef>
+            <a:spcAft>
+              <a:spcPct val="35000"/>
+            </a:spcAft>
+            <a:buNone/>
+            <a:defRPr cap="all"/>
+          </a:pPr>
+          <a:endParaRPr lang="pt-BR" altLang="zh-TW" sz="1800" kern="1200" dirty="0"/>
+        </a:p>
+        <a:p>
+          <a:pPr marL="0" lvl="0" indent="0" algn="ctr" defTabSz="1066800">
             <a:lnSpc>
               <a:spcPct val="100000"/>
             </a:lnSpc>
@@ -3527,13 +3715,19 @@
             <a:defRPr cap="all"/>
           </a:pPr>
           <a:r>
-            <a:rPr lang="en-US" sz="1100" kern="1200" dirty="0"/>
-            <a:t>Trip duration</a:t>
+            <a:rPr lang="en-US" sz="1800" b="0" kern="1200" dirty="0">
+              <a:latin typeface="Times New Roman" panose="02020603050405020304" pitchFamily="18" charset="0"/>
+              <a:cs typeface="Times New Roman" panose="02020603050405020304" pitchFamily="18" charset="0"/>
+            </a:rPr>
+            <a:t>- Trip duration</a:t>
           </a:r>
-          <a:endParaRPr lang="zh-TW" sz="1100" kern="1200" dirty="0"/>
+          <a:endParaRPr lang="zh-TW" sz="1800" b="0" kern="1200" dirty="0">
+            <a:latin typeface="Times New Roman" panose="02020603050405020304" pitchFamily="18" charset="0"/>
+            <a:cs typeface="Times New Roman" panose="02020603050405020304" pitchFamily="18" charset="0"/>
+          </a:endParaRPr>
         </a:p>
         <a:p>
-          <a:pPr marL="0" lvl="0" indent="0" algn="ctr" defTabSz="488950">
+          <a:pPr marL="0" lvl="0" indent="0" algn="ctr" defTabSz="1066800">
             <a:lnSpc>
               <a:spcPct val="100000"/>
             </a:lnSpc>
@@ -3547,13 +3741,19 @@
             <a:defRPr cap="all"/>
           </a:pPr>
           <a:r>
-            <a:rPr lang="en-US" sz="1100" kern="1200" dirty="0"/>
+            <a:rPr lang="en-US" sz="1800" b="0" kern="1200" dirty="0">
+              <a:latin typeface="Times New Roman" panose="02020603050405020304" pitchFamily="18" charset="0"/>
+              <a:cs typeface="Times New Roman" panose="02020603050405020304" pitchFamily="18" charset="0"/>
+            </a:rPr>
             <a:t>- Seasonal trends</a:t>
           </a:r>
-          <a:endParaRPr lang="zh-TW" sz="1100" kern="1200" dirty="0"/>
+          <a:endParaRPr lang="zh-TW" sz="1800" b="0" kern="1200" dirty="0">
+            <a:latin typeface="Times New Roman" panose="02020603050405020304" pitchFamily="18" charset="0"/>
+            <a:cs typeface="Times New Roman" panose="02020603050405020304" pitchFamily="18" charset="0"/>
+          </a:endParaRPr>
         </a:p>
         <a:p>
-          <a:pPr marL="0" lvl="0" indent="0" algn="ctr" defTabSz="488950">
+          <a:pPr marL="0" lvl="0" indent="0" algn="ctr" defTabSz="1066800">
             <a:lnSpc>
               <a:spcPct val="100000"/>
             </a:lnSpc>
@@ -3567,13 +3767,19 @@
             <a:defRPr cap="all"/>
           </a:pPr>
           <a:r>
-            <a:rPr lang="en-US" sz="1100" kern="1200" dirty="0"/>
+            <a:rPr lang="en-US" sz="1800" b="0" kern="1200" dirty="0">
+              <a:latin typeface="Times New Roman" panose="02020603050405020304" pitchFamily="18" charset="0"/>
+              <a:cs typeface="Times New Roman" panose="02020603050405020304" pitchFamily="18" charset="0"/>
+            </a:rPr>
             <a:t>- Bike preferences</a:t>
           </a:r>
-          <a:endParaRPr lang="zh-TW" sz="1100" kern="1200" dirty="0"/>
+          <a:endParaRPr lang="zh-TW" sz="1800" b="0" kern="1200" dirty="0">
+            <a:latin typeface="Times New Roman" panose="02020603050405020304" pitchFamily="18" charset="0"/>
+            <a:cs typeface="Times New Roman" panose="02020603050405020304" pitchFamily="18" charset="0"/>
+          </a:endParaRPr>
         </a:p>
         <a:p>
-          <a:pPr marL="0" lvl="0" indent="0" algn="ctr" defTabSz="488950">
+          <a:pPr marL="0" lvl="0" indent="0" algn="ctr" defTabSz="1066800">
             <a:lnSpc>
               <a:spcPct val="100000"/>
             </a:lnSpc>
@@ -3587,15 +3793,21 @@
             <a:defRPr cap="all"/>
           </a:pPr>
           <a:r>
-            <a:rPr lang="en-US" sz="1100" kern="1200" dirty="0"/>
+            <a:rPr lang="en-US" sz="1800" b="0" kern="1200" dirty="0">
+              <a:latin typeface="Times New Roman" panose="02020603050405020304" pitchFamily="18" charset="0"/>
+              <a:cs typeface="Times New Roman" panose="02020603050405020304" pitchFamily="18" charset="0"/>
+            </a:rPr>
             <a:t>- Weekly trends</a:t>
           </a:r>
-          <a:endParaRPr lang="zh-TW" altLang="en-US" sz="1100" kern="1200" dirty="0"/>
+          <a:endParaRPr lang="zh-TW" altLang="en-US" sz="1800" b="0" kern="1200" dirty="0">
+            <a:latin typeface="Times New Roman" panose="02020603050405020304" pitchFamily="18" charset="0"/>
+            <a:cs typeface="Times New Roman" panose="02020603050405020304" pitchFamily="18" charset="0"/>
+          </a:endParaRPr>
         </a:p>
       </dsp:txBody>
       <dsp:txXfrm>
-        <a:off x="66000" y="3900164"/>
-        <a:ext cx="3600000" cy="1215000"/>
+        <a:off x="35143" y="2727678"/>
+        <a:ext cx="3926088" cy="3699572"/>
       </dsp:txXfrm>
     </dsp:sp>
     <dsp:sp modelId="{E25D46DA-3CCC-4690-B645-92B8158A50C4}">
@@ -3605,8 +3817,8 @@
       </dsp:nvSpPr>
       <dsp:spPr>
         <a:xfrm>
-          <a:off x="4998000" y="1020164"/>
-          <a:ext cx="2196000" cy="2196000"/>
+          <a:off x="5251606" y="425295"/>
+          <a:ext cx="2127375" cy="2127375"/>
         </a:xfrm>
         <a:prstGeom prst="ellipse">
           <a:avLst/>
@@ -3645,29 +3857,30 @@
       </dsp:nvSpPr>
       <dsp:spPr>
         <a:xfrm>
-          <a:off x="5466000" y="1488164"/>
-          <a:ext cx="1260000" cy="1260000"/>
+          <a:off x="5704981" y="878670"/>
+          <a:ext cx="1220625" cy="1220625"/>
         </a:xfrm>
         <a:prstGeom prst="rect">
           <a:avLst/>
         </a:prstGeom>
-        <a:solidFill>
-          <a:schemeClr val="accent1">
-            <a:hueOff val="0"/>
-            <a:satOff val="0"/>
-            <a:lumOff val="0"/>
-            <a:alphaOff val="0"/>
-          </a:schemeClr>
-        </a:solidFill>
+        <a:blipFill>
+          <a:blip xmlns:r="http://schemas.openxmlformats.org/officeDocument/2006/relationships" r:embed="rId3">
+            <a:extLst>
+              <a:ext uri="{28A0092B-C50C-407E-A947-70E740481C1C}">
+                <a14:useLocalDpi xmlns:a14="http://schemas.microsoft.com/office/drawing/2010/main" val="0"/>
+              </a:ext>
+              <a:ext uri="{96DAC541-7B7A-43D3-8B79-37D633B846F1}">
+                <asvg:svgBlip xmlns:asvg="http://schemas.microsoft.com/office/drawing/2016/SVG/main" r:embed="rId4"/>
+              </a:ext>
+            </a:extLst>
+          </a:blip>
+          <a:srcRect/>
+          <a:stretch>
+            <a:fillRect/>
+          </a:stretch>
+        </a:blipFill>
         <a:ln w="15875" cap="flat" cmpd="sng" algn="ctr">
-          <a:solidFill>
-            <a:schemeClr val="lt1">
-              <a:hueOff val="0"/>
-              <a:satOff val="0"/>
-              <a:lumOff val="0"/>
-              <a:alphaOff val="0"/>
-            </a:schemeClr>
-          </a:solidFill>
+          <a:noFill/>
           <a:prstDash val="solid"/>
         </a:ln>
         <a:effectLst/>
@@ -3694,8 +3907,8 @@
       </dsp:nvSpPr>
       <dsp:spPr>
         <a:xfrm>
-          <a:off x="4296000" y="3900164"/>
-          <a:ext cx="3600000" cy="1215000"/>
+          <a:off x="4571544" y="2711316"/>
+          <a:ext cx="3487500" cy="3721388"/>
         </a:xfrm>
         <a:prstGeom prst="rect">
           <a:avLst/>
@@ -3724,7 +3937,7 @@
         </a:bodyPr>
         <a:lstStyle/>
         <a:p>
-          <a:pPr marL="0" lvl="0" indent="0" algn="ctr" defTabSz="488950">
+          <a:pPr marL="0" lvl="0" indent="0" algn="ctr" defTabSz="1066800">
             <a:lnSpc>
               <a:spcPct val="100000"/>
             </a:lnSpc>
@@ -3738,13 +3951,12 @@
             <a:defRPr cap="all"/>
           </a:pPr>
           <a:r>
-            <a:rPr lang="en-US" altLang="zh-TW" sz="1100" kern="1200" dirty="0"/>
-            <a:t>B: Targeted Marketing Strategies (Act Process)</a:t>
+            <a:rPr lang="en-US" altLang="zh-TW" sz="2400" b="1" kern="1200" dirty="0"/>
+            <a:t>Targeted Strategies</a:t>
           </a:r>
-          <a:endParaRPr lang="zh-TW" altLang="en-US" sz="1100" kern="1200" dirty="0"/>
         </a:p>
         <a:p>
-          <a:pPr marL="0" lvl="0" indent="0" algn="ctr" defTabSz="488950">
+          <a:pPr marL="0" lvl="0" indent="0" algn="ctr" defTabSz="1066800">
             <a:lnSpc>
               <a:spcPct val="100000"/>
             </a:lnSpc>
@@ -3758,13 +3970,12 @@
             <a:defRPr cap="all"/>
           </a:pPr>
           <a:r>
-            <a:rPr lang="en-US" sz="1100" kern="1200" dirty="0"/>
-            <a:t>- Promotions and discounts</a:t>
+            <a:rPr lang="en-US" altLang="zh-TW" sz="1800" kern="1200" dirty="0"/>
+            <a:t> </a:t>
           </a:r>
-          <a:endParaRPr lang="zh-TW" sz="1100" kern="1200" dirty="0"/>
         </a:p>
         <a:p>
-          <a:pPr marL="0" lvl="0" indent="0" algn="ctr" defTabSz="488950">
+          <a:pPr marL="0" lvl="0" indent="0" algn="ctr" defTabSz="1066800">
             <a:lnSpc>
               <a:spcPct val="100000"/>
             </a:lnSpc>
@@ -3778,13 +3989,19 @@
             <a:defRPr cap="all"/>
           </a:pPr>
           <a:r>
-            <a:rPr lang="en-US" sz="1100" kern="1200" dirty="0"/>
-            <a:t>- Highlighting cost savings</a:t>
+            <a:rPr lang="en-US" sz="1800" kern="1200" dirty="0">
+              <a:latin typeface="Times New Roman" panose="02020603050405020304" pitchFamily="18" charset="0"/>
+              <a:cs typeface="Times New Roman" panose="02020603050405020304" pitchFamily="18" charset="0"/>
+            </a:rPr>
+            <a:t>- Promotions and discounts</a:t>
           </a:r>
-          <a:endParaRPr lang="zh-TW" sz="1100" kern="1200" dirty="0"/>
+          <a:endParaRPr lang="zh-TW" sz="1800" kern="1200" dirty="0">
+            <a:latin typeface="Times New Roman" panose="02020603050405020304" pitchFamily="18" charset="0"/>
+            <a:cs typeface="Times New Roman" panose="02020603050405020304" pitchFamily="18" charset="0"/>
+          </a:endParaRPr>
         </a:p>
         <a:p>
-          <a:pPr marL="0" lvl="0" indent="0" algn="ctr" defTabSz="488950">
+          <a:pPr marL="0" lvl="0" indent="0" algn="ctr" defTabSz="1066800">
             <a:lnSpc>
               <a:spcPct val="100000"/>
             </a:lnSpc>
@@ -3798,14 +4015,43 @@
             <a:defRPr cap="all"/>
           </a:pPr>
           <a:r>
-            <a:rPr lang="en-US" sz="1100" kern="1200" dirty="0"/>
+            <a:rPr lang="en-US" sz="1800" kern="1200" dirty="0">
+              <a:latin typeface="Times New Roman" panose="02020603050405020304" pitchFamily="18" charset="0"/>
+              <a:cs typeface="Times New Roman" panose="02020603050405020304" pitchFamily="18" charset="0"/>
+            </a:rPr>
+            <a:t>- Highlighting cost savings</a:t>
+          </a:r>
+          <a:endParaRPr lang="zh-TW" sz="1800" kern="1200" dirty="0">
+            <a:latin typeface="Times New Roman" panose="02020603050405020304" pitchFamily="18" charset="0"/>
+            <a:cs typeface="Times New Roman" panose="02020603050405020304" pitchFamily="18" charset="0"/>
+          </a:endParaRPr>
+        </a:p>
+        <a:p>
+          <a:pPr marL="0" lvl="0" indent="0" algn="ctr" defTabSz="1066800">
+            <a:lnSpc>
+              <a:spcPct val="100000"/>
+            </a:lnSpc>
+            <a:spcBef>
+              <a:spcPct val="0"/>
+            </a:spcBef>
+            <a:spcAft>
+              <a:spcPct val="35000"/>
+            </a:spcAft>
+            <a:buNone/>
+            <a:defRPr cap="all"/>
+          </a:pPr>
+          <a:r>
+            <a:rPr lang="en-US" sz="1800" kern="1200" dirty="0">
+              <a:latin typeface="Times New Roman" panose="02020603050405020304" pitchFamily="18" charset="0"/>
+              <a:cs typeface="Times New Roman" panose="02020603050405020304" pitchFamily="18" charset="0"/>
+            </a:rPr>
             <a:t>- Seasonal marketing campaigns</a:t>
           </a:r>
         </a:p>
       </dsp:txBody>
       <dsp:txXfrm>
-        <a:off x="4296000" y="3900164"/>
-        <a:ext cx="3600000" cy="1215000"/>
+        <a:off x="4571544" y="2711316"/>
+        <a:ext cx="3487500" cy="3721388"/>
       </dsp:txXfrm>
     </dsp:sp>
     <dsp:sp modelId="{172B5539-CDB8-4AAF-88C5-F1BFC720604B}">
@@ -3815,8 +4061,8 @@
       </dsp:nvSpPr>
       <dsp:spPr>
         <a:xfrm>
-          <a:off x="9228000" y="1020164"/>
-          <a:ext cx="2196000" cy="2196000"/>
+          <a:off x="9349419" y="419943"/>
+          <a:ext cx="2127375" cy="2127375"/>
         </a:xfrm>
         <a:prstGeom prst="ellipse">
           <a:avLst/>
@@ -3855,20 +4101,28 @@
       </dsp:nvSpPr>
       <dsp:spPr>
         <a:xfrm>
-          <a:off x="9696000" y="1488164"/>
-          <a:ext cx="1260000" cy="1260000"/>
+          <a:off x="9802794" y="873318"/>
+          <a:ext cx="1220625" cy="1220625"/>
         </a:xfrm>
         <a:prstGeom prst="rect">
           <a:avLst/>
         </a:prstGeom>
-        <a:solidFill>
-          <a:schemeClr val="accent1">
-            <a:hueOff val="0"/>
-            <a:satOff val="0"/>
-            <a:lumOff val="0"/>
-            <a:alphaOff val="0"/>
-          </a:schemeClr>
-        </a:solidFill>
+        <a:blipFill>
+          <a:blip xmlns:r="http://schemas.openxmlformats.org/officeDocument/2006/relationships" r:embed="rId5">
+            <a:extLst>
+              <a:ext uri="{28A0092B-C50C-407E-A947-70E740481C1C}">
+                <a14:useLocalDpi xmlns:a14="http://schemas.microsoft.com/office/drawing/2010/main" val="0"/>
+              </a:ext>
+              <a:ext uri="{96DAC541-7B7A-43D3-8B79-37D633B846F1}">
+                <asvg:svgBlip xmlns:asvg="http://schemas.microsoft.com/office/drawing/2016/SVG/main" r:embed="rId6"/>
+              </a:ext>
+            </a:extLst>
+          </a:blip>
+          <a:srcRect/>
+          <a:stretch>
+            <a:fillRect/>
+          </a:stretch>
+        </a:blipFill>
         <a:ln w="15875" cap="flat" cmpd="sng" algn="ctr">
           <a:solidFill>
             <a:schemeClr val="lt1">
@@ -3904,8 +4158,8 @@
       </dsp:nvSpPr>
       <dsp:spPr>
         <a:xfrm>
-          <a:off x="8526000" y="3900164"/>
-          <a:ext cx="3600000" cy="1215000"/>
+          <a:off x="8669356" y="2695260"/>
+          <a:ext cx="3487500" cy="3742797"/>
         </a:xfrm>
         <a:prstGeom prst="rect">
           <a:avLst/>
@@ -3934,7 +4188,7 @@
         </a:bodyPr>
         <a:lstStyle/>
         <a:p>
-          <a:pPr marL="0" lvl="0" indent="0" algn="ctr" defTabSz="488950">
+          <a:pPr marL="0" lvl="0" indent="0" algn="ctr" defTabSz="933450">
             <a:lnSpc>
               <a:spcPct val="100000"/>
             </a:lnSpc>
@@ -3948,13 +4202,28 @@
             <a:defRPr cap="all"/>
           </a:pPr>
           <a:r>
-            <a:rPr lang="en-US" altLang="zh-TW" sz="1100" kern="1200" dirty="0"/>
-            <a:t>C: Increased Annual Memberships and Success</a:t>
+            <a:rPr lang="en-US" altLang="zh-TW" sz="2100" b="1" kern="1200" dirty="0"/>
+            <a:t>Increased Annual Memberships</a:t>
           </a:r>
-          <a:endParaRPr lang="zh-TW" altLang="en-US" sz="1100" kern="1200" dirty="0"/>
         </a:p>
         <a:p>
-          <a:pPr marL="0" lvl="0" indent="0" algn="ctr" defTabSz="488950">
+          <a:pPr marL="0" lvl="0" indent="0" algn="ctr" defTabSz="933450">
+            <a:lnSpc>
+              <a:spcPct val="100000"/>
+            </a:lnSpc>
+            <a:spcBef>
+              <a:spcPct val="0"/>
+            </a:spcBef>
+            <a:spcAft>
+              <a:spcPct val="35000"/>
+            </a:spcAft>
+            <a:buNone/>
+            <a:defRPr cap="all"/>
+          </a:pPr>
+          <a:endParaRPr lang="zh-TW" altLang="en-US" sz="2100" b="0" i="0" kern="1200" dirty="0"/>
+        </a:p>
+        <a:p>
+          <a:pPr marL="0" lvl="0" indent="0" algn="ctr" defTabSz="933450">
             <a:lnSpc>
               <a:spcPct val="100000"/>
             </a:lnSpc>
@@ -3968,13 +4237,19 @@
             <a:defRPr cap="all"/>
           </a:pPr>
           <a:r>
-            <a:rPr lang="en-US" sz="1100" kern="1200" dirty="0"/>
+            <a:rPr lang="en-US" sz="2100" b="0" i="0" kern="1200" dirty="0">
+              <a:latin typeface="Times New Roman" panose="02020603050405020304" pitchFamily="18" charset="0"/>
+              <a:cs typeface="Times New Roman" panose="02020603050405020304" pitchFamily="18" charset="0"/>
+            </a:rPr>
             <a:t>- Higher profitability</a:t>
           </a:r>
-          <a:endParaRPr lang="zh-TW" sz="1100" kern="1200" dirty="0"/>
+          <a:endParaRPr lang="zh-TW" sz="2100" b="0" i="0" kern="1200" dirty="0">
+            <a:latin typeface="Times New Roman" panose="02020603050405020304" pitchFamily="18" charset="0"/>
+            <a:cs typeface="Times New Roman" panose="02020603050405020304" pitchFamily="18" charset="0"/>
+          </a:endParaRPr>
         </a:p>
         <a:p>
-          <a:pPr marL="0" lvl="0" indent="0" algn="ctr" defTabSz="488950">
+          <a:pPr marL="0" lvl="0" indent="0" algn="ctr" defTabSz="933450">
             <a:lnSpc>
               <a:spcPct val="100000"/>
             </a:lnSpc>
@@ -3988,13 +4263,19 @@
             <a:defRPr cap="all"/>
           </a:pPr>
           <a:r>
-            <a:rPr lang="en-US" sz="1100" kern="1200" dirty="0"/>
+            <a:rPr lang="en-US" sz="2100" b="0" i="0" kern="1200" dirty="0">
+              <a:latin typeface="Times New Roman" panose="02020603050405020304" pitchFamily="18" charset="0"/>
+              <a:cs typeface="Times New Roman" panose="02020603050405020304" pitchFamily="18" charset="0"/>
+            </a:rPr>
             <a:t>- Enhanced customer engagement</a:t>
           </a:r>
-          <a:endParaRPr lang="zh-TW" sz="1100" kern="1200" dirty="0"/>
+          <a:endParaRPr lang="zh-TW" sz="2100" b="0" i="0" kern="1200" dirty="0">
+            <a:latin typeface="Times New Roman" panose="02020603050405020304" pitchFamily="18" charset="0"/>
+            <a:cs typeface="Times New Roman" panose="02020603050405020304" pitchFamily="18" charset="0"/>
+          </a:endParaRPr>
         </a:p>
         <a:p>
-          <a:pPr marL="0" lvl="0" indent="0" algn="ctr" defTabSz="488950">
+          <a:pPr marL="0" lvl="0" indent="0" algn="ctr" defTabSz="933450">
             <a:lnSpc>
               <a:spcPct val="100000"/>
             </a:lnSpc>
@@ -4008,14 +4289,17 @@
             <a:defRPr cap="all"/>
           </a:pPr>
           <a:r>
-            <a:rPr lang="en-US" sz="1100" kern="1200" dirty="0"/>
+            <a:rPr lang="en-US" sz="2100" b="0" i="0" kern="1200" dirty="0">
+              <a:latin typeface="Times New Roman" panose="02020603050405020304" pitchFamily="18" charset="0"/>
+              <a:cs typeface="Times New Roman" panose="02020603050405020304" pitchFamily="18" charset="0"/>
+            </a:rPr>
             <a:t>- Sustainable growth for the company</a:t>
           </a:r>
         </a:p>
       </dsp:txBody>
       <dsp:txXfrm>
-        <a:off x="8526000" y="3900164"/>
-        <a:ext cx="3600000" cy="1215000"/>
+        <a:off x="8669356" y="2695260"/>
+        <a:ext cx="3487500" cy="3742797"/>
       </dsp:txXfrm>
     </dsp:sp>
   </dsp:spTree>
@@ -6579,7 +6863,7 @@
           <a:p>
             <a:fld id="{D875AD11-EA77-4B9E-BB80-86C404D5CDFF}" type="datetimeFigureOut">
               <a:rPr lang="zh-TW" altLang="en-US" smtClean="0"/>
-              <a:t>2024/6/13</a:t>
+              <a:t>2024/6/14</a:t>
             </a:fld>
             <a:endParaRPr lang="zh-TW" altLang="en-US"/>
           </a:p>
@@ -7038,6 +7322,114 @@
 </p:notes>
 </file>
 
+<file path=ppt/notesSlides/notesSlide3.xml><?xml version="1.0" encoding="utf-8"?>
+<p:notes xmlns:a="http://schemas.openxmlformats.org/drawingml/2006/main" xmlns:r="http://schemas.openxmlformats.org/officeDocument/2006/relationships" xmlns:p="http://schemas.openxmlformats.org/presentationml/2006/main">
+  <p:cSld>
+    <p:spTree>
+      <p:nvGrpSpPr>
+        <p:cNvPr id="1" name="">
+          <a:extLst>
+            <a:ext uri="{FF2B5EF4-FFF2-40B4-BE49-F238E27FC236}">
+              <a16:creationId xmlns:a16="http://schemas.microsoft.com/office/drawing/2014/main" id="{82FF96BE-B10A-F126-FC6E-5E3A75C45147}"/>
+            </a:ext>
+          </a:extLst>
+        </p:cNvPr>
+        <p:cNvGrpSpPr/>
+        <p:nvPr/>
+      </p:nvGrpSpPr>
+      <p:grpSpPr>
+        <a:xfrm>
+          <a:off x="0" y="0"/>
+          <a:ext cx="0" cy="0"/>
+          <a:chOff x="0" y="0"/>
+          <a:chExt cx="0" cy="0"/>
+        </a:xfrm>
+      </p:grpSpPr>
+      <p:sp>
+        <p:nvSpPr>
+          <p:cNvPr id="2" name="投影片影像版面配置區 1">
+            <a:extLst>
+              <a:ext uri="{FF2B5EF4-FFF2-40B4-BE49-F238E27FC236}">
+                <a16:creationId xmlns:a16="http://schemas.microsoft.com/office/drawing/2014/main" id="{F1A39DB5-61FB-DF49-BFE8-60E44E08F1A3}"/>
+              </a:ext>
+            </a:extLst>
+          </p:cNvPr>
+          <p:cNvSpPr>
+            <a:spLocks noGrp="1" noRot="1" noChangeAspect="1"/>
+          </p:cNvSpPr>
+          <p:nvPr>
+            <p:ph type="sldImg"/>
+          </p:nvPr>
+        </p:nvSpPr>
+        <p:spPr/>
+      </p:sp>
+      <p:sp>
+        <p:nvSpPr>
+          <p:cNvPr id="3" name="備忘稿版面配置區 2">
+            <a:extLst>
+              <a:ext uri="{FF2B5EF4-FFF2-40B4-BE49-F238E27FC236}">
+                <a16:creationId xmlns:a16="http://schemas.microsoft.com/office/drawing/2014/main" id="{98E975B6-5BB8-4E63-7009-9EBE5005D380}"/>
+              </a:ext>
+            </a:extLst>
+          </p:cNvPr>
+          <p:cNvSpPr>
+            <a:spLocks noGrp="1"/>
+          </p:cNvSpPr>
+          <p:nvPr>
+            <p:ph type="body" idx="1"/>
+          </p:nvPr>
+        </p:nvSpPr>
+        <p:spPr/>
+        <p:txBody>
+          <a:bodyPr/>
+          <a:lstStyle/>
+          <a:p>
+            <a:endParaRPr lang="zh-TW" altLang="en-US" dirty="0"/>
+          </a:p>
+        </p:txBody>
+      </p:sp>
+      <p:sp>
+        <p:nvSpPr>
+          <p:cNvPr id="4" name="投影片編號版面配置區 3">
+            <a:extLst>
+              <a:ext uri="{FF2B5EF4-FFF2-40B4-BE49-F238E27FC236}">
+                <a16:creationId xmlns:a16="http://schemas.microsoft.com/office/drawing/2014/main" id="{BD056FED-4876-611E-50C5-6F52F02DE608}"/>
+              </a:ext>
+            </a:extLst>
+          </p:cNvPr>
+          <p:cNvSpPr>
+            <a:spLocks noGrp="1"/>
+          </p:cNvSpPr>
+          <p:nvPr>
+            <p:ph type="sldNum" sz="quarter" idx="5"/>
+          </p:nvPr>
+        </p:nvSpPr>
+        <p:spPr/>
+        <p:txBody>
+          <a:bodyPr/>
+          <a:lstStyle/>
+          <a:p>
+            <a:fld id="{D45CD8A4-8F2D-4EF3-BAF0-DB264CE395B6}" type="slidenum">
+              <a:rPr lang="zh-TW" altLang="en-US" smtClean="0"/>
+              <a:t>16</a:t>
+            </a:fld>
+            <a:endParaRPr lang="zh-TW" altLang="en-US"/>
+          </a:p>
+        </p:txBody>
+      </p:sp>
+    </p:spTree>
+    <p:extLst>
+      <p:ext uri="{BB962C8B-B14F-4D97-AF65-F5344CB8AC3E}">
+        <p14:creationId xmlns:p14="http://schemas.microsoft.com/office/powerpoint/2010/main" val="2039275545"/>
+      </p:ext>
+    </p:extLst>
+  </p:cSld>
+  <p:clrMapOvr>
+    <a:masterClrMapping/>
+  </p:clrMapOvr>
+</p:notes>
+</file>
+
 <file path=ppt/slideLayouts/slideLayout1.xml><?xml version="1.0" encoding="utf-8"?>
 <p:sldLayout xmlns:a="http://schemas.openxmlformats.org/drawingml/2006/main" xmlns:r="http://schemas.openxmlformats.org/officeDocument/2006/relationships" xmlns:p="http://schemas.openxmlformats.org/presentationml/2006/main" type="title" preserve="1">
   <p:cSld name="標題投影片">
@@ -7177,7 +7569,7 @@
           <a:p>
             <a:fld id="{E6D58518-40FE-4391-8D67-8017A93E5007}" type="datetimeFigureOut">
               <a:rPr lang="zh-TW" altLang="en-US" smtClean="0"/>
-              <a:t>2024/6/13</a:t>
+              <a:t>2024/6/14</a:t>
             </a:fld>
             <a:endParaRPr lang="zh-TW" altLang="en-US"/>
           </a:p>
@@ -7388,7 +7780,7 @@
           <a:p>
             <a:fld id="{E6D58518-40FE-4391-8D67-8017A93E5007}" type="datetimeFigureOut">
               <a:rPr lang="zh-TW" altLang="en-US" smtClean="0"/>
-              <a:t>2024/6/13</a:t>
+              <a:t>2024/6/14</a:t>
             </a:fld>
             <a:endParaRPr lang="zh-TW" altLang="en-US"/>
           </a:p>
@@ -7603,7 +7995,7 @@
           <a:p>
             <a:fld id="{E6D58518-40FE-4391-8D67-8017A93E5007}" type="datetimeFigureOut">
               <a:rPr lang="zh-TW" altLang="en-US" smtClean="0"/>
-              <a:t>2024/6/13</a:t>
+              <a:t>2024/6/14</a:t>
             </a:fld>
             <a:endParaRPr lang="zh-TW" altLang="en-US"/>
           </a:p>
@@ -7820,7 +8212,7 @@
           <a:p>
             <a:fld id="{E6D58518-40FE-4391-8D67-8017A93E5007}" type="datetimeFigureOut">
               <a:rPr lang="zh-TW" altLang="en-US" smtClean="0"/>
-              <a:t>2024/6/13</a:t>
+              <a:t>2024/6/14</a:t>
             </a:fld>
             <a:endParaRPr lang="zh-TW" altLang="en-US"/>
           </a:p>
@@ -8002,7 +8394,7 @@
           <a:p>
             <a:fld id="{E6D58518-40FE-4391-8D67-8017A93E5007}" type="datetimeFigureOut">
               <a:rPr lang="zh-TW" altLang="en-US" smtClean="0"/>
-              <a:t>2024/6/13</a:t>
+              <a:t>2024/6/14</a:t>
             </a:fld>
             <a:endParaRPr lang="zh-TW" altLang="en-US"/>
           </a:p>
@@ -8281,7 +8673,7 @@
           <a:p>
             <a:fld id="{E6D58518-40FE-4391-8D67-8017A93E5007}" type="datetimeFigureOut">
               <a:rPr lang="zh-TW" altLang="en-US" smtClean="0"/>
-              <a:t>2024/6/13</a:t>
+              <a:t>2024/6/14</a:t>
             </a:fld>
             <a:endParaRPr lang="zh-TW" altLang="en-US"/>
           </a:p>
@@ -8549,7 +8941,7 @@
           <a:p>
             <a:fld id="{E6D58518-40FE-4391-8D67-8017A93E5007}" type="datetimeFigureOut">
               <a:rPr lang="zh-TW" altLang="en-US" smtClean="0"/>
-              <a:t>2024/6/13</a:t>
+              <a:t>2024/6/14</a:t>
             </a:fld>
             <a:endParaRPr lang="zh-TW" altLang="en-US"/>
           </a:p>
@@ -8965,7 +9357,7 @@
           <a:p>
             <a:fld id="{E6D58518-40FE-4391-8D67-8017A93E5007}" type="datetimeFigureOut">
               <a:rPr lang="zh-TW" altLang="en-US" smtClean="0"/>
-              <a:t>2024/6/13</a:t>
+              <a:t>2024/6/14</a:t>
             </a:fld>
             <a:endParaRPr lang="zh-TW" altLang="en-US"/>
           </a:p>
@@ -9114,7 +9506,7 @@
           <a:p>
             <a:fld id="{E6D58518-40FE-4391-8D67-8017A93E5007}" type="datetimeFigureOut">
               <a:rPr lang="zh-TW" altLang="en-US" smtClean="0"/>
-              <a:t>2024/6/13</a:t>
+              <a:t>2024/6/14</a:t>
             </a:fld>
             <a:endParaRPr lang="zh-TW" altLang="en-US"/>
           </a:p>
@@ -9240,7 +9632,7 @@
           <a:p>
             <a:fld id="{E6D58518-40FE-4391-8D67-8017A93E5007}" type="datetimeFigureOut">
               <a:rPr lang="zh-TW" altLang="en-US" smtClean="0"/>
-              <a:t>2024/6/13</a:t>
+              <a:t>2024/6/14</a:t>
             </a:fld>
             <a:endParaRPr lang="zh-TW" altLang="en-US"/>
           </a:p>
@@ -9491,7 +9883,7 @@
           <a:p>
             <a:fld id="{E6D58518-40FE-4391-8D67-8017A93E5007}" type="datetimeFigureOut">
               <a:rPr lang="zh-TW" altLang="en-US" smtClean="0"/>
-              <a:t>2024/6/13</a:t>
+              <a:t>2024/6/14</a:t>
             </a:fld>
             <a:endParaRPr lang="zh-TW" altLang="en-US"/>
           </a:p>
@@ -9936,7 +10328,7 @@
           <a:p>
             <a:fld id="{E6D58518-40FE-4391-8D67-8017A93E5007}" type="datetimeFigureOut">
               <a:rPr lang="zh-TW" altLang="en-US" smtClean="0"/>
-              <a:t>2024/6/13</a:t>
+              <a:t>2024/6/14</a:t>
             </a:fld>
             <a:endParaRPr lang="zh-TW" altLang="en-US"/>
           </a:p>
@@ -10263,7 +10655,7 @@
           <a:p>
             <a:fld id="{E6D58518-40FE-4391-8D67-8017A93E5007}" type="datetimeFigureOut">
               <a:rPr lang="zh-TW" altLang="en-US" smtClean="0"/>
-              <a:t>2024/6/13</a:t>
+              <a:t>2024/6/14</a:t>
             </a:fld>
             <a:endParaRPr lang="zh-TW" altLang="en-US"/>
           </a:p>
@@ -10875,48 +11267,6 @@
       </p:grpSpPr>
       <p:sp>
         <p:nvSpPr>
-          <p:cNvPr id="2" name="標題 1">
-            <a:extLst>
-              <a:ext uri="{FF2B5EF4-FFF2-40B4-BE49-F238E27FC236}">
-                <a16:creationId xmlns:a16="http://schemas.microsoft.com/office/drawing/2014/main" id="{62EA6DC5-E21C-514E-0ABF-346F0216418F}"/>
-              </a:ext>
-            </a:extLst>
-          </p:cNvPr>
-          <p:cNvSpPr>
-            <a:spLocks noGrp="1"/>
-          </p:cNvSpPr>
-          <p:nvPr>
-            <p:ph type="title"/>
-          </p:nvPr>
-        </p:nvSpPr>
-        <p:spPr>
-          <a:xfrm>
-            <a:off x="8489659" y="931178"/>
-            <a:ext cx="2206304" cy="687898"/>
-          </a:xfrm>
-        </p:spPr>
-        <p:txBody>
-          <a:bodyPr vert="horz" lIns="91440" tIns="45720" rIns="91440" bIns="45720" rtlCol="0" anchor="ctr">
-            <a:normAutofit/>
-          </a:bodyPr>
-          <a:lstStyle/>
-          <a:p>
-            <a:pPr algn="ctr"/>
-            <a:r>
-              <a:rPr lang="en-US" altLang="zh-TW" kern="1200" dirty="0">
-                <a:solidFill>
-                  <a:schemeClr val="tx1"/>
-                </a:solidFill>
-                <a:latin typeface="Times New Roman" panose="02020603050405020304" pitchFamily="18" charset="0"/>
-                <a:cs typeface="Times New Roman" panose="02020603050405020304" pitchFamily="18" charset="0"/>
-              </a:rPr>
-              <a:t>Analyze</a:t>
-            </a:r>
-          </a:p>
-        </p:txBody>
-      </p:sp>
-      <p:sp>
-        <p:nvSpPr>
           <p:cNvPr id="3" name="文字版面配置區 2">
             <a:extLst>
               <a:ext uri="{FF2B5EF4-FFF2-40B4-BE49-F238E27FC236}">
@@ -10933,8 +11283,8 @@
         </p:nvSpPr>
         <p:spPr>
           <a:xfrm>
-            <a:off x="6878970" y="1065402"/>
-            <a:ext cx="5150842" cy="4422956"/>
+            <a:off x="7198822" y="1065402"/>
+            <a:ext cx="4830990" cy="5019514"/>
           </a:xfrm>
         </p:spPr>
         <p:txBody>
@@ -10994,14 +11344,52 @@
         </p:blipFill>
         <p:spPr>
           <a:xfrm>
-            <a:off x="0" y="759204"/>
-            <a:ext cx="6878972" cy="4729154"/>
+            <a:off x="-1" y="0"/>
+            <a:ext cx="9975566" cy="6858000"/>
           </a:xfrm>
           <a:prstGeom prst="rect">
             <a:avLst/>
           </a:prstGeom>
         </p:spPr>
       </p:pic>
+      <p:sp>
+        <p:nvSpPr>
+          <p:cNvPr id="6" name="標題 1">
+            <a:extLst>
+              <a:ext uri="{FF2B5EF4-FFF2-40B4-BE49-F238E27FC236}">
+                <a16:creationId xmlns:a16="http://schemas.microsoft.com/office/drawing/2014/main" id="{089AC469-9CAF-1567-F190-E581A8C04249}"/>
+              </a:ext>
+            </a:extLst>
+          </p:cNvPr>
+          <p:cNvSpPr>
+            <a:spLocks noGrp="1"/>
+          </p:cNvSpPr>
+          <p:nvPr>
+            <p:ph type="title"/>
+          </p:nvPr>
+        </p:nvSpPr>
+        <p:spPr>
+          <a:xfrm>
+            <a:off x="8199818" y="773084"/>
+            <a:ext cx="3551493" cy="742400"/>
+          </a:xfrm>
+        </p:spPr>
+        <p:txBody>
+          <a:bodyPr vert="horz" lIns="91440" tIns="45720" rIns="91440" bIns="45720" rtlCol="0" anchor="ctr">
+            <a:noAutofit/>
+          </a:bodyPr>
+          <a:lstStyle/>
+          <a:p>
+            <a:r>
+              <a:rPr lang="en-US" altLang="zh-TW" sz="5400" dirty="0">
+                <a:latin typeface="Times New Roman" panose="02020603050405020304" pitchFamily="18" charset="0"/>
+                <a:cs typeface="Times New Roman" panose="02020603050405020304" pitchFamily="18" charset="0"/>
+              </a:rPr>
+              <a:t>Analyze</a:t>
+            </a:r>
+          </a:p>
+        </p:txBody>
+      </p:sp>
     </p:spTree>
     <p:extLst>
       <p:ext uri="{BB962C8B-B14F-4D97-AF65-F5344CB8AC3E}">
@@ -11046,87 +11434,6 @@
           <a:chExt cx="0" cy="0"/>
         </a:xfrm>
       </p:grpSpPr>
-      <p:sp>
-        <p:nvSpPr>
-          <p:cNvPr id="2" name="標題 1">
-            <a:extLst>
-              <a:ext uri="{FF2B5EF4-FFF2-40B4-BE49-F238E27FC236}">
-                <a16:creationId xmlns:a16="http://schemas.microsoft.com/office/drawing/2014/main" id="{02647882-B40A-0087-E356-20C0C4636AAA}"/>
-              </a:ext>
-            </a:extLst>
-          </p:cNvPr>
-          <p:cNvSpPr>
-            <a:spLocks noGrp="1"/>
-          </p:cNvSpPr>
-          <p:nvPr>
-            <p:ph type="title"/>
-          </p:nvPr>
-        </p:nvSpPr>
-        <p:spPr>
-          <a:xfrm>
-            <a:off x="8238320" y="978922"/>
-            <a:ext cx="2246470" cy="625888"/>
-          </a:xfrm>
-        </p:spPr>
-        <p:txBody>
-          <a:bodyPr vert="horz" lIns="91440" tIns="45720" rIns="91440" bIns="45720" rtlCol="0" anchor="ctr">
-            <a:normAutofit/>
-          </a:bodyPr>
-          <a:lstStyle/>
-          <a:p>
-            <a:pPr algn="ctr"/>
-            <a:r>
-              <a:rPr lang="en-US" altLang="zh-TW" kern="1200" dirty="0">
-                <a:solidFill>
-                  <a:schemeClr val="tx1"/>
-                </a:solidFill>
-                <a:latin typeface="Times New Roman" panose="02020603050405020304" pitchFamily="18" charset="0"/>
-                <a:cs typeface="Times New Roman" panose="02020603050405020304" pitchFamily="18" charset="0"/>
-              </a:rPr>
-              <a:t>Analyze</a:t>
-            </a:r>
-          </a:p>
-        </p:txBody>
-      </p:sp>
-      <p:sp>
-        <p:nvSpPr>
-          <p:cNvPr id="14" name="文字版面配置區 2">
-            <a:extLst>
-              <a:ext uri="{FF2B5EF4-FFF2-40B4-BE49-F238E27FC236}">
-                <a16:creationId xmlns:a16="http://schemas.microsoft.com/office/drawing/2014/main" id="{10329BD7-8254-DE9B-73DA-A39651D66219}"/>
-              </a:ext>
-            </a:extLst>
-          </p:cNvPr>
-          <p:cNvSpPr>
-            <a:spLocks noGrp="1"/>
-          </p:cNvSpPr>
-          <p:nvPr>
-            <p:ph type="body" idx="1"/>
-          </p:nvPr>
-        </p:nvSpPr>
-        <p:spPr>
-          <a:xfrm>
-            <a:off x="6531110" y="1409351"/>
-            <a:ext cx="5660890" cy="4124570"/>
-          </a:xfrm>
-        </p:spPr>
-        <p:txBody>
-          <a:bodyPr vert="horz" lIns="91440" tIns="45720" rIns="91440" bIns="45720" rtlCol="0" anchor="ctr">
-            <a:normAutofit/>
-          </a:bodyPr>
-          <a:lstStyle/>
-          <a:p>
-            <a:r>
-              <a:rPr lang="en-US" altLang="zh-TW" sz="2200" b="0" i="0" dirty="0">
-                <a:effectLst/>
-                <a:latin typeface="Times New Roman" panose="02020603050405020304" pitchFamily="18" charset="0"/>
-                <a:cs typeface="Times New Roman" panose="02020603050405020304" pitchFamily="18" charset="0"/>
-              </a:rPr>
-              <a:t>Ride Duration: On weekends, casual riders have longer ride durations compared to weekdays, suggesting they use bikes for leisure activities. Conversely, members have relatively consistent ride lengths throughout the week, likely indicating usage for commuting.</a:t>
-            </a:r>
-          </a:p>
-        </p:txBody>
-      </p:sp>
       <p:pic>
         <p:nvPicPr>
           <p:cNvPr id="4" name="圖片 3">
@@ -11155,14 +11462,91 @@
         </p:blipFill>
         <p:spPr>
           <a:xfrm>
-            <a:off x="0" y="978922"/>
-            <a:ext cx="6531110" cy="4571777"/>
+            <a:off x="-1" y="-19952"/>
+            <a:ext cx="9825645" cy="6877952"/>
           </a:xfrm>
           <a:prstGeom prst="rect">
             <a:avLst/>
           </a:prstGeom>
         </p:spPr>
       </p:pic>
+      <p:sp>
+        <p:nvSpPr>
+          <p:cNvPr id="14" name="文字版面配置區 2">
+            <a:extLst>
+              <a:ext uri="{FF2B5EF4-FFF2-40B4-BE49-F238E27FC236}">
+                <a16:creationId xmlns:a16="http://schemas.microsoft.com/office/drawing/2014/main" id="{10329BD7-8254-DE9B-73DA-A39651D66219}"/>
+              </a:ext>
+            </a:extLst>
+          </p:cNvPr>
+          <p:cNvSpPr>
+            <a:spLocks noGrp="1"/>
+          </p:cNvSpPr>
+          <p:nvPr>
+            <p:ph type="body" idx="1"/>
+          </p:nvPr>
+        </p:nvSpPr>
+        <p:spPr>
+          <a:xfrm>
+            <a:off x="6531110" y="1409351"/>
+            <a:ext cx="5660890" cy="4124570"/>
+          </a:xfrm>
+        </p:spPr>
+        <p:txBody>
+          <a:bodyPr vert="horz" lIns="91440" tIns="45720" rIns="91440" bIns="45720" rtlCol="0" anchor="ctr">
+            <a:normAutofit/>
+          </a:bodyPr>
+          <a:lstStyle/>
+          <a:p>
+            <a:r>
+              <a:rPr lang="en-US" altLang="zh-TW" sz="2200" b="0" i="0" dirty="0">
+                <a:effectLst/>
+                <a:latin typeface="Times New Roman" panose="02020603050405020304" pitchFamily="18" charset="0"/>
+                <a:cs typeface="Times New Roman" panose="02020603050405020304" pitchFamily="18" charset="0"/>
+              </a:rPr>
+              <a:t>Ride Duration: On weekends, casual riders have longer ride durations compared to weekdays, suggesting they use bikes for leisure activities. Conversely, members have relatively consistent ride lengths throughout the week, likely indicating usage for commuting.</a:t>
+            </a:r>
+          </a:p>
+        </p:txBody>
+      </p:sp>
+      <p:sp>
+        <p:nvSpPr>
+          <p:cNvPr id="6" name="標題 1">
+            <a:extLst>
+              <a:ext uri="{FF2B5EF4-FFF2-40B4-BE49-F238E27FC236}">
+                <a16:creationId xmlns:a16="http://schemas.microsoft.com/office/drawing/2014/main" id="{09BFBD2F-7729-DE64-F419-C573782502DA}"/>
+              </a:ext>
+            </a:extLst>
+          </p:cNvPr>
+          <p:cNvSpPr>
+            <a:spLocks noGrp="1"/>
+          </p:cNvSpPr>
+          <p:nvPr>
+            <p:ph type="title"/>
+          </p:nvPr>
+        </p:nvSpPr>
+        <p:spPr>
+          <a:xfrm>
+            <a:off x="7836944" y="978922"/>
+            <a:ext cx="3551493" cy="742400"/>
+          </a:xfrm>
+        </p:spPr>
+        <p:txBody>
+          <a:bodyPr vert="horz" lIns="91440" tIns="45720" rIns="91440" bIns="45720" rtlCol="0" anchor="ctr">
+            <a:noAutofit/>
+          </a:bodyPr>
+          <a:lstStyle/>
+          <a:p>
+            <a:r>
+              <a:rPr lang="en-US" altLang="zh-TW" sz="5400" dirty="0">
+                <a:latin typeface="Times New Roman" panose="02020603050405020304" pitchFamily="18" charset="0"/>
+                <a:cs typeface="Times New Roman" panose="02020603050405020304" pitchFamily="18" charset="0"/>
+              </a:rPr>
+              <a:t>Analyze</a:t>
+            </a:r>
+          </a:p>
+        </p:txBody>
+      </p:sp>
     </p:spTree>
     <p:extLst>
       <p:ext uri="{BB962C8B-B14F-4D97-AF65-F5344CB8AC3E}">
@@ -11235,8 +11619,8 @@
         </p:blipFill>
         <p:spPr>
           <a:xfrm>
-            <a:off x="16778" y="874663"/>
-            <a:ext cx="5679975" cy="4571777"/>
+            <a:off x="16778" y="38905"/>
+            <a:ext cx="8472042" cy="6819095"/>
           </a:xfrm>
           <a:prstGeom prst="rect">
             <a:avLst/>
@@ -11475,6 +11859,9 @@
             <a:pPr marL="514350"/>
             <a:r>
               <a:rPr lang="en-US" altLang="zh-TW" sz="2600" b="1" dirty="0">
+                <a:solidFill>
+                  <a:schemeClr val="accent6"/>
+                </a:solidFill>
                 <a:latin typeface="Times New Roman" panose="02020603050405020304" pitchFamily="18" charset="0"/>
                 <a:cs typeface="Times New Roman" panose="02020603050405020304" pitchFamily="18" charset="0"/>
               </a:rPr>
@@ -11516,6 +11903,9 @@
             <a:pPr marL="514350"/>
             <a:r>
               <a:rPr lang="en-US" altLang="zh-TW" sz="2600" b="1" dirty="0">
+                <a:solidFill>
+                  <a:schemeClr val="accent6"/>
+                </a:solidFill>
                 <a:latin typeface="Times New Roman" panose="02020603050405020304" pitchFamily="18" charset="0"/>
                 <a:cs typeface="Times New Roman" panose="02020603050405020304" pitchFamily="18" charset="0"/>
               </a:rPr>
@@ -11557,6 +11947,9 @@
             <a:pPr marL="514350"/>
             <a:r>
               <a:rPr lang="en-US" altLang="zh-TW" sz="2600" b="1" dirty="0">
+                <a:solidFill>
+                  <a:schemeClr val="accent6"/>
+                </a:solidFill>
                 <a:latin typeface="Times New Roman" panose="02020603050405020304" pitchFamily="18" charset="0"/>
                 <a:cs typeface="Times New Roman" panose="02020603050405020304" pitchFamily="18" charset="0"/>
               </a:rPr>
@@ -11680,7 +12073,7 @@
         </p:spPr>
         <p:txBody>
           <a:bodyPr vert="horz" lIns="91440" tIns="45720" rIns="91440" bIns="45720" rtlCol="0" anchor="ctr">
-            <a:normAutofit fontScale="92500" lnSpcReduction="10000"/>
+            <a:normAutofit fontScale="92500" lnSpcReduction="20000"/>
           </a:bodyPr>
           <a:lstStyle/>
           <a:p>
@@ -11701,9 +12094,9 @@
               <a:buChar char="•"/>
             </a:pPr>
             <a:r>
-              <a:rPr lang="en-US" altLang="zh-TW" sz="2800" b="1" dirty="0">
+              <a:rPr lang="en-US" altLang="zh-TW" sz="3000" b="1" dirty="0">
                 <a:solidFill>
-                  <a:srgbClr val="1F1F1F"/>
+                  <a:schemeClr val="accent6"/>
                 </a:solidFill>
                 <a:effectLst/>
                 <a:latin typeface="Times New Roman" panose="02020603050405020304" pitchFamily="18" charset="0"/>
@@ -11713,9 +12106,8 @@
             </a:r>
           </a:p>
           <a:p>
-            <a:pPr rtl="0">
-              <a:buFont typeface="Arial" panose="020B0604020202020204" pitchFamily="34" charset="0"/>
-              <a:buChar char="•"/>
+            <a:pPr marL="0" indent="0" rtl="0">
+              <a:buNone/>
             </a:pPr>
             <a:r>
               <a:rPr lang="en-US" altLang="zh-TW" sz="2800" dirty="0">
@@ -11730,9 +12122,8 @@
             </a:r>
           </a:p>
           <a:p>
-            <a:pPr rtl="0">
-              <a:buFont typeface="Arial" panose="020B0604020202020204" pitchFamily="34" charset="0"/>
-              <a:buChar char="•"/>
+            <a:pPr marL="0" indent="0" rtl="0">
+              <a:buNone/>
             </a:pPr>
             <a:r>
               <a:rPr lang="en-US" altLang="zh-TW" sz="2800" dirty="0">
@@ -11747,9 +12138,8 @@
             </a:r>
           </a:p>
           <a:p>
-            <a:pPr rtl="0">
-              <a:buFont typeface="Arial" panose="020B0604020202020204" pitchFamily="34" charset="0"/>
-              <a:buChar char="•"/>
+            <a:pPr marL="0" indent="0" rtl="0">
+              <a:buNone/>
             </a:pPr>
             <a:r>
               <a:rPr lang="en-US" altLang="zh-TW" sz="2800" dirty="0">
@@ -11783,9 +12173,9 @@
               <a:buChar char="•"/>
             </a:pPr>
             <a:r>
-              <a:rPr lang="en-US" altLang="zh-TW" sz="2800" b="1" dirty="0">
+              <a:rPr lang="en-US" altLang="zh-TW" sz="3000" b="1" dirty="0">
                 <a:solidFill>
-                  <a:srgbClr val="1F1F1F"/>
+                  <a:schemeClr val="accent6"/>
                 </a:solidFill>
                 <a:effectLst/>
                 <a:latin typeface="Times New Roman" panose="02020603050405020304" pitchFamily="18" charset="0"/>
@@ -11795,9 +12185,8 @@
             </a:r>
           </a:p>
           <a:p>
-            <a:pPr rtl="0">
-              <a:buFont typeface="Arial" panose="020B0604020202020204" pitchFamily="34" charset="0"/>
-              <a:buChar char="•"/>
+            <a:pPr marL="0" indent="0" rtl="0">
+              <a:buNone/>
             </a:pPr>
             <a:r>
               <a:rPr lang="en-US" altLang="zh-TW" sz="2800" dirty="0">
@@ -11812,9 +12201,8 @@
             </a:r>
           </a:p>
           <a:p>
-            <a:pPr rtl="0">
-              <a:buFont typeface="Arial" panose="020B0604020202020204" pitchFamily="34" charset="0"/>
-              <a:buChar char="•"/>
+            <a:pPr marL="0" indent="0" rtl="0">
+              <a:buNone/>
             </a:pPr>
             <a:r>
               <a:rPr lang="en-US" altLang="zh-TW" sz="2800" dirty="0">
@@ -11829,9 +12217,8 @@
             </a:r>
           </a:p>
           <a:p>
-            <a:pPr rtl="0">
-              <a:buFont typeface="Arial" panose="020B0604020202020204" pitchFamily="34" charset="0"/>
-              <a:buChar char="•"/>
+            <a:pPr marL="0" indent="0" rtl="0">
+              <a:buNone/>
             </a:pPr>
             <a:r>
               <a:rPr lang="zh-TW" altLang="en-US" sz="2800" dirty="0">
@@ -11924,14 +12311,14 @@
           <p:nvPr>
             <p:extLst>
               <p:ext uri="{D42A27DB-BD31-4B8C-83A1-F6EECF244321}">
-                <p14:modId xmlns:p14="http://schemas.microsoft.com/office/powerpoint/2010/main" val="2132165368"/>
+                <p14:modId xmlns:p14="http://schemas.microsoft.com/office/powerpoint/2010/main" val="2165262913"/>
               </p:ext>
             </p:extLst>
           </p:nvPr>
         </p:nvGraphicFramePr>
         <p:xfrm>
-          <a:off x="0" y="722671"/>
-          <a:ext cx="12192000" cy="6135329"/>
+          <a:off x="0" y="0"/>
+          <a:ext cx="12192000" cy="6858001"/>
         </p:xfrm>
         <a:graphic>
           <a:graphicData uri="http://schemas.openxmlformats.org/drawingml/2006/diagram">
@@ -11939,10 +12326,237 @@
           </a:graphicData>
         </a:graphic>
       </p:graphicFrame>
+      <p:sp>
+        <p:nvSpPr>
+          <p:cNvPr id="18" name="十字形 17">
+            <a:extLst>
+              <a:ext uri="{FF2B5EF4-FFF2-40B4-BE49-F238E27FC236}">
+                <a16:creationId xmlns:a16="http://schemas.microsoft.com/office/drawing/2014/main" id="{AF9BCD23-834D-CF7E-F6F2-0539BB605D79}"/>
+              </a:ext>
+            </a:extLst>
+          </p:cNvPr>
+          <p:cNvSpPr/>
+          <p:nvPr/>
+        </p:nvSpPr>
+        <p:spPr>
+          <a:xfrm>
+            <a:off x="3869870" y="2865666"/>
+            <a:ext cx="360000" cy="360000"/>
+          </a:xfrm>
+          <a:prstGeom prst="plus">
+            <a:avLst/>
+          </a:prstGeom>
+        </p:spPr>
+        <p:style>
+          <a:lnRef idx="2">
+            <a:schemeClr val="accent1">
+              <a:shade val="15000"/>
+            </a:schemeClr>
+          </a:lnRef>
+          <a:fillRef idx="1">
+            <a:schemeClr val="accent1"/>
+          </a:fillRef>
+          <a:effectRef idx="0">
+            <a:schemeClr val="accent1"/>
+          </a:effectRef>
+          <a:fontRef idx="minor">
+            <a:schemeClr val="lt1"/>
+          </a:fontRef>
+        </p:style>
+        <p:txBody>
+          <a:bodyPr rtlCol="0" anchor="ctr"/>
+          <a:lstStyle/>
+          <a:p>
+            <a:pPr algn="ctr"/>
+            <a:endParaRPr lang="zh-TW" altLang="en-US"/>
+          </a:p>
+        </p:txBody>
+      </p:sp>
+      <p:sp>
+        <p:nvSpPr>
+          <p:cNvPr id="19" name="等於 18">
+            <a:extLst>
+              <a:ext uri="{FF2B5EF4-FFF2-40B4-BE49-F238E27FC236}">
+                <a16:creationId xmlns:a16="http://schemas.microsoft.com/office/drawing/2014/main" id="{E82B985E-467A-52EF-545B-C6E1EB8A5632}"/>
+              </a:ext>
+            </a:extLst>
+          </p:cNvPr>
+          <p:cNvSpPr/>
+          <p:nvPr/>
+        </p:nvSpPr>
+        <p:spPr>
+          <a:xfrm>
+            <a:off x="8205107" y="2865666"/>
+            <a:ext cx="360000" cy="360000"/>
+          </a:xfrm>
+          <a:prstGeom prst="mathEqual">
+            <a:avLst/>
+          </a:prstGeom>
+        </p:spPr>
+        <p:style>
+          <a:lnRef idx="2">
+            <a:schemeClr val="accent1">
+              <a:shade val="15000"/>
+            </a:schemeClr>
+          </a:lnRef>
+          <a:fillRef idx="1">
+            <a:schemeClr val="accent1"/>
+          </a:fillRef>
+          <a:effectRef idx="0">
+            <a:schemeClr val="accent1"/>
+          </a:effectRef>
+          <a:fontRef idx="minor">
+            <a:schemeClr val="lt1"/>
+          </a:fontRef>
+        </p:style>
+        <p:txBody>
+          <a:bodyPr rtlCol="0" anchor="ctr"/>
+          <a:lstStyle/>
+          <a:p>
+            <a:pPr algn="ctr"/>
+            <a:endParaRPr lang="zh-TW" altLang="en-US">
+              <a:solidFill>
+                <a:schemeClr val="tx1"/>
+              </a:solidFill>
+            </a:endParaRPr>
+          </a:p>
+        </p:txBody>
+      </p:sp>
     </p:spTree>
     <p:extLst>
       <p:ext uri="{BB962C8B-B14F-4D97-AF65-F5344CB8AC3E}">
         <p14:creationId xmlns:p14="http://schemas.microsoft.com/office/powerpoint/2010/main" val="1209955343"/>
+      </p:ext>
+    </p:extLst>
+  </p:cSld>
+  <p:clrMapOvr>
+    <a:masterClrMapping/>
+  </p:clrMapOvr>
+</p:sld>
+</file>
+
+<file path=ppt/slides/slide16.xml><?xml version="1.0" encoding="utf-8"?>
+<p:sld xmlns:a="http://schemas.openxmlformats.org/drawingml/2006/main" xmlns:r="http://schemas.openxmlformats.org/officeDocument/2006/relationships" xmlns:p="http://schemas.openxmlformats.org/presentationml/2006/main">
+  <p:cSld>
+    <p:spTree>
+      <p:nvGrpSpPr>
+        <p:cNvPr id="1" name="">
+          <a:extLst>
+            <a:ext uri="{FF2B5EF4-FFF2-40B4-BE49-F238E27FC236}">
+              <a16:creationId xmlns:a16="http://schemas.microsoft.com/office/drawing/2014/main" id="{9939BDB5-5A31-5FF4-1863-9D7827B2EABD}"/>
+            </a:ext>
+          </a:extLst>
+        </p:cNvPr>
+        <p:cNvGrpSpPr/>
+        <p:nvPr/>
+      </p:nvGrpSpPr>
+      <p:grpSpPr>
+        <a:xfrm>
+          <a:off x="0" y="0"/>
+          <a:ext cx="0" cy="0"/>
+          <a:chOff x="0" y="0"/>
+          <a:chExt cx="0" cy="0"/>
+        </a:xfrm>
+      </p:grpSpPr>
+      <p:sp>
+        <p:nvSpPr>
+          <p:cNvPr id="3" name="標題 2">
+            <a:extLst>
+              <a:ext uri="{FF2B5EF4-FFF2-40B4-BE49-F238E27FC236}">
+                <a16:creationId xmlns:a16="http://schemas.microsoft.com/office/drawing/2014/main" id="{DFFE422B-975F-BE51-CFC3-DAFFB73D32E0}"/>
+              </a:ext>
+            </a:extLst>
+          </p:cNvPr>
+          <p:cNvSpPr>
+            <a:spLocks noGrp="1"/>
+          </p:cNvSpPr>
+          <p:nvPr>
+            <p:ph type="title"/>
+          </p:nvPr>
+        </p:nvSpPr>
+        <p:spPr/>
+        <p:txBody>
+          <a:bodyPr>
+            <a:normAutofit/>
+          </a:bodyPr>
+          <a:lstStyle/>
+          <a:p>
+            <a:r>
+              <a:rPr lang="en-US" altLang="zh-TW" sz="5400" b="1" dirty="0">
+                <a:latin typeface="Times New Roman" panose="02020603050405020304" pitchFamily="18" charset="0"/>
+                <a:cs typeface="Times New Roman" panose="02020603050405020304" pitchFamily="18" charset="0"/>
+              </a:rPr>
+              <a:t>Data Source</a:t>
+            </a:r>
+            <a:endParaRPr lang="zh-TW" altLang="en-US" sz="5400" b="1" dirty="0">
+              <a:latin typeface="Times New Roman" panose="02020603050405020304" pitchFamily="18" charset="0"/>
+              <a:cs typeface="Times New Roman" panose="02020603050405020304" pitchFamily="18" charset="0"/>
+            </a:endParaRPr>
+          </a:p>
+        </p:txBody>
+      </p:sp>
+      <p:sp>
+        <p:nvSpPr>
+          <p:cNvPr id="4" name="內容版面配置區 3">
+            <a:extLst>
+              <a:ext uri="{FF2B5EF4-FFF2-40B4-BE49-F238E27FC236}">
+                <a16:creationId xmlns:a16="http://schemas.microsoft.com/office/drawing/2014/main" id="{3FD5B4E7-35FA-8F81-BBDA-FE727559F7FD}"/>
+              </a:ext>
+            </a:extLst>
+          </p:cNvPr>
+          <p:cNvSpPr>
+            <a:spLocks noGrp="1"/>
+          </p:cNvSpPr>
+          <p:nvPr>
+            <p:ph idx="1"/>
+          </p:nvPr>
+        </p:nvSpPr>
+        <p:spPr/>
+        <p:txBody>
+          <a:bodyPr/>
+          <a:lstStyle/>
+          <a:p>
+            <a:r>
+              <a:rPr lang="en-US" altLang="zh-TW" sz="1800" kern="100" dirty="0">
+                <a:effectLst/>
+                <a:latin typeface="Times New Roman" panose="02020603050405020304" pitchFamily="18" charset="0"/>
+                <a:ea typeface="新細明體" panose="02020500000000000000" pitchFamily="18" charset="-120"/>
+                <a:cs typeface="Times New Roman" panose="02020603050405020304" pitchFamily="18" charset="0"/>
+              </a:rPr>
+              <a:t>[</a:t>
+            </a:r>
+            <a:r>
+              <a:rPr lang="en-US" altLang="zh-TW" sz="1800" kern="100" dirty="0">
+                <a:effectLst/>
+                <a:latin typeface="Times New Roman" panose="02020603050405020304" pitchFamily="18" charset="0"/>
+                <a:ea typeface="新細明體" panose="02020500000000000000" pitchFamily="18" charset="-120"/>
+                <a:cs typeface="Times New Roman" panose="02020603050405020304" pitchFamily="18" charset="0"/>
+                <a:hlinkClick r:id="rId3"/>
+              </a:rPr>
+              <a:t>Amazon</a:t>
+            </a:r>
+            <a:r>
+              <a:rPr lang="en-US" altLang="zh-TW" sz="1800" kern="100" dirty="0">
+                <a:effectLst/>
+                <a:latin typeface="Times New Roman" panose="02020603050405020304" pitchFamily="18" charset="0"/>
+                <a:ea typeface="新細明體" panose="02020500000000000000" pitchFamily="18" charset="-120"/>
+                <a:cs typeface="Times New Roman" panose="02020603050405020304" pitchFamily="18" charset="0"/>
+              </a:rPr>
+              <a:t>](https://divvy-tripdata.s3.amazonaws.com/index.html)</a:t>
+            </a:r>
+            <a:endParaRPr lang="zh-TW" altLang="zh-TW" sz="1800" kern="100" dirty="0">
+              <a:effectLst/>
+              <a:latin typeface="Times New Roman" panose="02020603050405020304" pitchFamily="18" charset="0"/>
+              <a:ea typeface="新細明體" panose="02020500000000000000" pitchFamily="18" charset="-120"/>
+              <a:cs typeface="Times New Roman" panose="02020603050405020304" pitchFamily="18" charset="0"/>
+            </a:endParaRPr>
+          </a:p>
+        </p:txBody>
+      </p:sp>
+    </p:spTree>
+    <p:extLst>
+      <p:ext uri="{BB962C8B-B14F-4D97-AF65-F5344CB8AC3E}">
+        <p14:creationId xmlns:p14="http://schemas.microsoft.com/office/powerpoint/2010/main" val="2923603278"/>
       </p:ext>
     </p:extLst>
   </p:cSld>
@@ -11995,18 +12609,18 @@
         </p:nvSpPr>
         <p:spPr>
           <a:xfrm>
-            <a:off x="1144034" y="2449285"/>
-            <a:ext cx="2219652" cy="1148871"/>
+            <a:off x="448888" y="2582289"/>
+            <a:ext cx="3629693" cy="1324693"/>
           </a:xfrm>
         </p:spPr>
         <p:txBody>
           <a:bodyPr vert="horz" lIns="91440" tIns="45720" rIns="91440" bIns="45720" rtlCol="0" anchor="ctr">
-            <a:normAutofit/>
+            <a:noAutofit/>
           </a:bodyPr>
           <a:lstStyle/>
           <a:p>
             <a:r>
-              <a:rPr lang="en-US" altLang="zh-TW" kern="1200" dirty="0">
+              <a:rPr lang="en-US" altLang="zh-TW" sz="5400" kern="1200" dirty="0">
                 <a:latin typeface="Times New Roman" panose="02020603050405020304" pitchFamily="18" charset="0"/>
                 <a:cs typeface="Times New Roman" panose="02020603050405020304" pitchFamily="18" charset="0"/>
               </a:rPr>
@@ -12242,8 +12856,8 @@
         </p:nvSpPr>
         <p:spPr>
           <a:xfrm>
-            <a:off x="919843" y="2078028"/>
-            <a:ext cx="3946071" cy="2151073"/>
+            <a:off x="71117" y="1232255"/>
+            <a:ext cx="5569527" cy="3986675"/>
           </a:xfrm>
         </p:spPr>
         <p:txBody>
@@ -12253,33 +12867,33 @@
           <a:lstStyle/>
           <a:p>
             <a:r>
-              <a:rPr lang="en-US" altLang="zh-TW" sz="3800" kern="1200" dirty="0">
+              <a:rPr lang="en-US" altLang="zh-TW" sz="5400" kern="1200" dirty="0">
                 <a:latin typeface="Times New Roman" panose="02020603050405020304" pitchFamily="18" charset="0"/>
                 <a:cs typeface="Times New Roman" panose="02020603050405020304" pitchFamily="18" charset="0"/>
               </a:rPr>
               <a:t>Produce </a:t>
             </a:r>
             <a:br>
-              <a:rPr lang="en-US" altLang="zh-TW" sz="3800" kern="1200" dirty="0">
+              <a:rPr lang="en-US" altLang="zh-TW" sz="5400" kern="1200" dirty="0">
                 <a:latin typeface="Times New Roman" panose="02020603050405020304" pitchFamily="18" charset="0"/>
                 <a:cs typeface="Times New Roman" panose="02020603050405020304" pitchFamily="18" charset="0"/>
               </a:rPr>
             </a:br>
             <a:r>
-              <a:rPr lang="en-US" altLang="zh-TW" sz="3800" kern="1200" dirty="0">
+              <a:rPr lang="en-US" altLang="zh-TW" sz="5400" kern="1200" dirty="0">
                 <a:latin typeface="Times New Roman" panose="02020603050405020304" pitchFamily="18" charset="0"/>
                 <a:cs typeface="Times New Roman" panose="02020603050405020304" pitchFamily="18" charset="0"/>
               </a:rPr>
               <a:t>a report </a:t>
             </a:r>
             <a:br>
-              <a:rPr lang="en-US" altLang="zh-TW" sz="3800" kern="1200" dirty="0">
+              <a:rPr lang="en-US" altLang="zh-TW" sz="5400" kern="1200" dirty="0">
                 <a:latin typeface="Times New Roman" panose="02020603050405020304" pitchFamily="18" charset="0"/>
                 <a:cs typeface="Times New Roman" panose="02020603050405020304" pitchFamily="18" charset="0"/>
               </a:rPr>
             </a:br>
             <a:r>
-              <a:rPr lang="en-US" altLang="zh-TW" sz="3800" kern="1200" dirty="0">
+              <a:rPr lang="en-US" altLang="zh-TW" sz="5400" kern="1200" dirty="0">
                 <a:latin typeface="Times New Roman" panose="02020603050405020304" pitchFamily="18" charset="0"/>
                 <a:cs typeface="Times New Roman" panose="02020603050405020304" pitchFamily="18" charset="0"/>
               </a:rPr>
@@ -12372,8 +12986,8 @@
         </p:nvSpPr>
         <p:spPr>
           <a:xfrm>
-            <a:off x="1968627" y="2737444"/>
-            <a:ext cx="1035830" cy="577257"/>
+            <a:off x="1878677" y="2294313"/>
+            <a:ext cx="1695796" cy="1014152"/>
           </a:xfrm>
         </p:spPr>
         <p:txBody>
@@ -12383,7 +12997,7 @@
           <a:lstStyle/>
           <a:p>
             <a:r>
-              <a:rPr lang="en-US" altLang="zh-TW" kern="1200" dirty="0">
+              <a:rPr lang="en-US" altLang="zh-TW" sz="5400" kern="1200" dirty="0">
                 <a:latin typeface="Times New Roman" panose="02020603050405020304" pitchFamily="18" charset="0"/>
                 <a:cs typeface="Times New Roman" panose="02020603050405020304" pitchFamily="18" charset="0"/>
               </a:rPr>
@@ -12422,9 +13036,9 @@
           <a:p>
             <a:pPr marL="0" algn="ctr"/>
             <a:r>
-              <a:rPr lang="en-US" altLang="zh-TW" sz="2200" b="1" dirty="0">
+              <a:rPr lang="en-US" altLang="zh-TW" sz="3200" b="1" dirty="0">
                 <a:solidFill>
-                  <a:srgbClr val="3C4043"/>
+                  <a:schemeClr val="accent6"/>
                 </a:solidFill>
                 <a:effectLst/>
                 <a:latin typeface="Times New Roman" panose="02020603050405020304" pitchFamily="18" charset="0"/>
@@ -12432,7 +13046,10 @@
               </a:rPr>
               <a:t>Business task</a:t>
             </a:r>
-            <a:endParaRPr lang="en-US" altLang="zh-TW" sz="2200" b="1" dirty="0">
+            <a:endParaRPr lang="en-US" altLang="zh-TW" sz="3200" b="1" dirty="0">
+              <a:solidFill>
+                <a:schemeClr val="accent6"/>
+              </a:solidFill>
               <a:latin typeface="Times New Roman" panose="02020603050405020304" pitchFamily="18" charset="0"/>
               <a:cs typeface="Times New Roman" panose="02020603050405020304" pitchFamily="18" charset="0"/>
             </a:endParaRPr>
@@ -12513,8 +13130,8 @@
         </p:nvSpPr>
         <p:spPr>
           <a:xfrm>
-            <a:off x="1495098" y="2753773"/>
-            <a:ext cx="2113516" cy="797692"/>
+            <a:off x="665018" y="2753772"/>
+            <a:ext cx="3308466" cy="1186461"/>
           </a:xfrm>
         </p:spPr>
         <p:txBody>
@@ -12524,12 +13141,16 @@
           <a:lstStyle/>
           <a:p>
             <a:r>
-              <a:rPr lang="en-US" altLang="zh-TW" kern="1200" dirty="0">
+              <a:rPr lang="en-US" altLang="zh-TW" sz="5400" kern="1200" dirty="0">
                 <a:latin typeface="Times New Roman" panose="02020603050405020304" pitchFamily="18" charset="0"/>
                 <a:cs typeface="Times New Roman" panose="02020603050405020304" pitchFamily="18" charset="0"/>
               </a:rPr>
               <a:t>Prepare</a:t>
             </a:r>
+            <a:endParaRPr lang="en-US" altLang="zh-TW" sz="3600" kern="1200" dirty="0">
+              <a:latin typeface="Times New Roman" panose="02020603050405020304" pitchFamily="18" charset="0"/>
+              <a:cs typeface="Times New Roman" panose="02020603050405020304" pitchFamily="18" charset="0"/>
+            </a:endParaRPr>
           </a:p>
         </p:txBody>
       </p:sp>
@@ -12563,9 +13184,9 @@
           <a:p>
             <a:pPr algn="ctr"/>
             <a:r>
-              <a:rPr lang="en-US" altLang="zh-TW" sz="2200" b="1" i="0" dirty="0">
+              <a:rPr lang="en-US" altLang="zh-TW" sz="3200" b="1" i="0" dirty="0">
                 <a:solidFill>
-                  <a:srgbClr val="3C4043"/>
+                  <a:schemeClr val="accent6"/>
                 </a:solidFill>
                 <a:effectLst/>
                 <a:latin typeface="Times New Roman" panose="02020603050405020304" pitchFamily="18" charset="0"/>
@@ -12664,18 +13285,18 @@
         </p:nvSpPr>
         <p:spPr>
           <a:xfrm>
-            <a:off x="1491952" y="2417539"/>
-            <a:ext cx="1999216" cy="732378"/>
+            <a:off x="764771" y="2172314"/>
+            <a:ext cx="3241786" cy="1256686"/>
           </a:xfrm>
         </p:spPr>
         <p:txBody>
           <a:bodyPr vert="horz" lIns="91440" tIns="45720" rIns="91440" bIns="45720" rtlCol="0" anchor="ctr">
-            <a:normAutofit/>
+            <a:noAutofit/>
           </a:bodyPr>
           <a:lstStyle/>
           <a:p>
             <a:r>
-              <a:rPr lang="en-US" altLang="zh-TW" kern="1200" dirty="0">
+              <a:rPr lang="en-US" altLang="zh-TW" sz="5400" kern="1200" dirty="0">
                 <a:latin typeface="Times New Roman" panose="02020603050405020304" pitchFamily="18" charset="0"/>
                 <a:cs typeface="Times New Roman" panose="02020603050405020304" pitchFamily="18" charset="0"/>
               </a:rPr>
@@ -12714,7 +13335,10 @@
           <a:p>
             <a:pPr marL="514350" algn="ctr"/>
             <a:r>
-              <a:rPr lang="en-US" altLang="zh-TW" sz="2200" b="1" dirty="0">
+              <a:rPr lang="en-US" altLang="zh-TW" sz="3200" b="1" dirty="0">
+                <a:solidFill>
+                  <a:schemeClr val="accent6"/>
+                </a:solidFill>
                 <a:latin typeface="Times New Roman" panose="02020603050405020304" pitchFamily="18" charset="0"/>
                 <a:cs typeface="Times New Roman" panose="02020603050405020304" pitchFamily="18" charset="0"/>
               </a:rPr>
@@ -12855,18 +13479,18 @@
         </p:nvSpPr>
         <p:spPr>
           <a:xfrm>
-            <a:off x="7055547" y="1363319"/>
-            <a:ext cx="2108019" cy="822960"/>
+            <a:off x="7304929" y="2150430"/>
+            <a:ext cx="3551493" cy="742400"/>
           </a:xfrm>
         </p:spPr>
         <p:txBody>
           <a:bodyPr vert="horz" lIns="91440" tIns="45720" rIns="91440" bIns="45720" rtlCol="0" anchor="ctr">
-            <a:normAutofit/>
+            <a:noAutofit/>
           </a:bodyPr>
           <a:lstStyle/>
           <a:p>
             <a:r>
-              <a:rPr lang="en-US" altLang="zh-TW" dirty="0">
+              <a:rPr lang="en-US" altLang="zh-TW" sz="5400" dirty="0">
                 <a:latin typeface="Times New Roman" panose="02020603050405020304" pitchFamily="18" charset="0"/>
                 <a:cs typeface="Times New Roman" panose="02020603050405020304" pitchFamily="18" charset="0"/>
               </a:rPr>
@@ -12965,90 +13589,6 @@
           <a:chExt cx="0" cy="0"/>
         </a:xfrm>
       </p:grpSpPr>
-      <p:sp>
-        <p:nvSpPr>
-          <p:cNvPr id="2" name="標題 1">
-            <a:extLst>
-              <a:ext uri="{FF2B5EF4-FFF2-40B4-BE49-F238E27FC236}">
-                <a16:creationId xmlns:a16="http://schemas.microsoft.com/office/drawing/2014/main" id="{17D41F91-72F2-C4F7-9FA5-8266AFBCE4E3}"/>
-              </a:ext>
-            </a:extLst>
-          </p:cNvPr>
-          <p:cNvSpPr>
-            <a:spLocks noGrp="1"/>
-          </p:cNvSpPr>
-          <p:nvPr>
-            <p:ph type="title"/>
-          </p:nvPr>
-        </p:nvSpPr>
-        <p:spPr>
-          <a:xfrm>
-            <a:off x="8782593" y="1322750"/>
-            <a:ext cx="2108019" cy="822960"/>
-          </a:xfrm>
-        </p:spPr>
-        <p:txBody>
-          <a:bodyPr vert="horz" lIns="91440" tIns="45720" rIns="91440" bIns="45720" rtlCol="0" anchor="ctr">
-            <a:normAutofit/>
-          </a:bodyPr>
-          <a:lstStyle/>
-          <a:p>
-            <a:r>
-              <a:rPr lang="en-US" altLang="zh-TW" dirty="0">
-                <a:latin typeface="Times New Roman" panose="02020603050405020304" pitchFamily="18" charset="0"/>
-                <a:cs typeface="Times New Roman" panose="02020603050405020304" pitchFamily="18" charset="0"/>
-              </a:rPr>
-              <a:t>Analyze</a:t>
-            </a:r>
-          </a:p>
-        </p:txBody>
-      </p:sp>
-      <p:sp>
-        <p:nvSpPr>
-          <p:cNvPr id="3" name="文字版面配置區 2">
-            <a:extLst>
-              <a:ext uri="{FF2B5EF4-FFF2-40B4-BE49-F238E27FC236}">
-                <a16:creationId xmlns:a16="http://schemas.microsoft.com/office/drawing/2014/main" id="{893995CD-A093-0D82-1DF9-BFA36B7AFF51}"/>
-              </a:ext>
-            </a:extLst>
-          </p:cNvPr>
-          <p:cNvSpPr>
-            <a:spLocks noGrp="1"/>
-          </p:cNvSpPr>
-          <p:nvPr>
-            <p:ph type="body" idx="1"/>
-          </p:nvPr>
-        </p:nvSpPr>
-        <p:spPr>
-          <a:xfrm>
-            <a:off x="7481206" y="2145710"/>
-            <a:ext cx="4710793" cy="2476101"/>
-          </a:xfrm>
-        </p:spPr>
-        <p:txBody>
-          <a:bodyPr vert="horz" lIns="91440" tIns="45720" rIns="91440" bIns="45720" rtlCol="0" anchor="ctr">
-            <a:normAutofit/>
-          </a:bodyPr>
-          <a:lstStyle/>
-          <a:p>
-            <a:pPr algn="l">
-              <a:buFont typeface="Arial" panose="020B0604020202020204" pitchFamily="34" charset="0"/>
-              <a:buChar char="•"/>
-            </a:pPr>
-            <a:r>
-              <a:rPr lang="en-US" altLang="zh-TW" sz="2200" b="0" i="0" dirty="0">
-                <a:solidFill>
-                  <a:srgbClr val="3C4043"/>
-                </a:solidFill>
-                <a:effectLst/>
-                <a:latin typeface="Times New Roman" panose="02020603050405020304" pitchFamily="18" charset="0"/>
-                <a:cs typeface="Times New Roman" panose="02020603050405020304" pitchFamily="18" charset="0"/>
-              </a:rPr>
-              <a:t>During summer months number of rides at its highest level for both casual and member riders.</a:t>
-            </a:r>
-          </a:p>
-        </p:txBody>
-      </p:sp>
       <p:pic>
         <p:nvPicPr>
           <p:cNvPr id="7" name="圖片 6">
@@ -13077,14 +13617,98 @@
         </p:blipFill>
         <p:spPr>
           <a:xfrm>
-            <a:off x="0" y="844811"/>
-            <a:ext cx="7481207" cy="4909513"/>
+            <a:off x="0" y="216131"/>
+            <a:ext cx="10121003" cy="6641869"/>
           </a:xfrm>
           <a:prstGeom prst="rect">
             <a:avLst/>
           </a:prstGeom>
         </p:spPr>
       </p:pic>
+      <p:sp>
+        <p:nvSpPr>
+          <p:cNvPr id="3" name="文字版面配置區 2">
+            <a:extLst>
+              <a:ext uri="{FF2B5EF4-FFF2-40B4-BE49-F238E27FC236}">
+                <a16:creationId xmlns:a16="http://schemas.microsoft.com/office/drawing/2014/main" id="{893995CD-A093-0D82-1DF9-BFA36B7AFF51}"/>
+              </a:ext>
+            </a:extLst>
+          </p:cNvPr>
+          <p:cNvSpPr>
+            <a:spLocks noGrp="1"/>
+          </p:cNvSpPr>
+          <p:nvPr>
+            <p:ph type="body" idx="1"/>
+          </p:nvPr>
+        </p:nvSpPr>
+        <p:spPr>
+          <a:xfrm>
+            <a:off x="9343505" y="2145710"/>
+            <a:ext cx="2848494" cy="3989083"/>
+          </a:xfrm>
+        </p:spPr>
+        <p:txBody>
+          <a:bodyPr vert="horz" lIns="91440" tIns="45720" rIns="91440" bIns="45720" rtlCol="0" anchor="ctr">
+            <a:normAutofit/>
+          </a:bodyPr>
+          <a:lstStyle/>
+          <a:p>
+            <a:pPr algn="l">
+              <a:buFont typeface="Arial" panose="020B0604020202020204" pitchFamily="34" charset="0"/>
+              <a:buChar char="•"/>
+            </a:pPr>
+            <a:r>
+              <a:rPr lang="en-US" altLang="zh-TW" sz="2800" b="0" i="0" dirty="0">
+                <a:solidFill>
+                  <a:srgbClr val="3C4043"/>
+                </a:solidFill>
+                <a:effectLst/>
+                <a:latin typeface="Times New Roman" panose="02020603050405020304" pitchFamily="18" charset="0"/>
+                <a:cs typeface="Times New Roman" panose="02020603050405020304" pitchFamily="18" charset="0"/>
+              </a:rPr>
+              <a:t>During summer months number of rides at its highest level for both casual and member riders.</a:t>
+            </a:r>
+          </a:p>
+        </p:txBody>
+      </p:sp>
+      <p:sp>
+        <p:nvSpPr>
+          <p:cNvPr id="6" name="標題 1">
+            <a:extLst>
+              <a:ext uri="{FF2B5EF4-FFF2-40B4-BE49-F238E27FC236}">
+                <a16:creationId xmlns:a16="http://schemas.microsoft.com/office/drawing/2014/main" id="{31536C30-ACDD-BBEA-1FA6-AE809DE02029}"/>
+              </a:ext>
+            </a:extLst>
+          </p:cNvPr>
+          <p:cNvSpPr>
+            <a:spLocks noGrp="1"/>
+          </p:cNvSpPr>
+          <p:nvPr>
+            <p:ph type="title"/>
+          </p:nvPr>
+        </p:nvSpPr>
+        <p:spPr>
+          <a:xfrm>
+            <a:off x="8992005" y="1403310"/>
+            <a:ext cx="3551493" cy="742400"/>
+          </a:xfrm>
+        </p:spPr>
+        <p:txBody>
+          <a:bodyPr vert="horz" lIns="91440" tIns="45720" rIns="91440" bIns="45720" rtlCol="0" anchor="ctr">
+            <a:noAutofit/>
+          </a:bodyPr>
+          <a:lstStyle/>
+          <a:p>
+            <a:r>
+              <a:rPr lang="en-US" altLang="zh-TW" sz="5400" dirty="0">
+                <a:latin typeface="Times New Roman" panose="02020603050405020304" pitchFamily="18" charset="0"/>
+                <a:cs typeface="Times New Roman" panose="02020603050405020304" pitchFamily="18" charset="0"/>
+              </a:rPr>
+              <a:t>Analyze</a:t>
+            </a:r>
+          </a:p>
+        </p:txBody>
+      </p:sp>
     </p:spTree>
     <p:extLst>
       <p:ext uri="{BB962C8B-B14F-4D97-AF65-F5344CB8AC3E}">
@@ -13125,48 +13749,6 @@
       </p:grpSpPr>
       <p:sp>
         <p:nvSpPr>
-          <p:cNvPr id="2" name="標題 1">
-            <a:extLst>
-              <a:ext uri="{FF2B5EF4-FFF2-40B4-BE49-F238E27FC236}">
-                <a16:creationId xmlns:a16="http://schemas.microsoft.com/office/drawing/2014/main" id="{62EA6DC5-E21C-514E-0ABF-346F0216418F}"/>
-              </a:ext>
-            </a:extLst>
-          </p:cNvPr>
-          <p:cNvSpPr>
-            <a:spLocks noGrp="1"/>
-          </p:cNvSpPr>
-          <p:nvPr>
-            <p:ph type="title"/>
-          </p:nvPr>
-        </p:nvSpPr>
-        <p:spPr>
-          <a:xfrm>
-            <a:off x="7875971" y="2115129"/>
-            <a:ext cx="2206304" cy="687898"/>
-          </a:xfrm>
-        </p:spPr>
-        <p:txBody>
-          <a:bodyPr vert="horz" lIns="91440" tIns="45720" rIns="91440" bIns="45720" rtlCol="0" anchor="ctr">
-            <a:normAutofit/>
-          </a:bodyPr>
-          <a:lstStyle/>
-          <a:p>
-            <a:pPr algn="ctr"/>
-            <a:r>
-              <a:rPr lang="en-US" altLang="zh-TW" kern="1200" dirty="0">
-                <a:solidFill>
-                  <a:schemeClr val="tx1"/>
-                </a:solidFill>
-                <a:latin typeface="Times New Roman" panose="02020603050405020304" pitchFamily="18" charset="0"/>
-                <a:cs typeface="Times New Roman" panose="02020603050405020304" pitchFamily="18" charset="0"/>
-              </a:rPr>
-              <a:t>Analyze</a:t>
-            </a:r>
-          </a:p>
-        </p:txBody>
-      </p:sp>
-      <p:sp>
-        <p:nvSpPr>
           <p:cNvPr id="3" name="文字版面配置區 2">
             <a:extLst>
               <a:ext uri="{FF2B5EF4-FFF2-40B4-BE49-F238E27FC236}">
@@ -13183,8 +13765,8 @@
         </p:nvSpPr>
         <p:spPr>
           <a:xfrm>
-            <a:off x="6096000" y="2803027"/>
-            <a:ext cx="5019413" cy="687899"/>
+            <a:off x="6650180" y="2803027"/>
+            <a:ext cx="5541819" cy="2201235"/>
           </a:xfrm>
         </p:spPr>
         <p:txBody>
@@ -13195,7 +13777,7 @@
           <a:p>
             <a:pPr marL="514350"/>
             <a:r>
-              <a:rPr lang="en-US" altLang="zh-TW" sz="2200" b="0" i="0" dirty="0">
+              <a:rPr lang="en-US" altLang="zh-TW" sz="2800" b="0" i="0" dirty="0">
                 <a:effectLst/>
                 <a:latin typeface="Times New Roman" panose="02020603050405020304" pitchFamily="18" charset="0"/>
                 <a:cs typeface="Times New Roman" panose="02020603050405020304" pitchFamily="18" charset="0"/>
@@ -13233,14 +13815,72 @@
         </p:blipFill>
         <p:spPr>
           <a:xfrm>
-            <a:off x="-1" y="0"/>
-            <a:ext cx="5919676" cy="6142062"/>
+            <a:off x="-2" y="0"/>
+            <a:ext cx="6650183" cy="6900012"/>
           </a:xfrm>
           <a:prstGeom prst="rect">
             <a:avLst/>
           </a:prstGeom>
         </p:spPr>
       </p:pic>
+      <p:sp>
+        <p:nvSpPr>
+          <p:cNvPr id="4" name="標題 1">
+            <a:extLst>
+              <a:ext uri="{FF2B5EF4-FFF2-40B4-BE49-F238E27FC236}">
+                <a16:creationId xmlns:a16="http://schemas.microsoft.com/office/drawing/2014/main" id="{77E4EC15-DB99-58CA-9433-DC2C59E9B783}"/>
+              </a:ext>
+            </a:extLst>
+          </p:cNvPr>
+          <p:cNvSpPr txBox="1">
+            <a:spLocks/>
+          </p:cNvSpPr>
+          <p:nvPr/>
+        </p:nvSpPr>
+        <p:spPr>
+          <a:xfrm>
+            <a:off x="7934896" y="2060627"/>
+            <a:ext cx="3551493" cy="742400"/>
+          </a:xfrm>
+          <a:prstGeom prst="rect">
+            <a:avLst/>
+          </a:prstGeom>
+        </p:spPr>
+        <p:txBody>
+          <a:bodyPr vert="horz" lIns="91440" tIns="45720" rIns="91440" bIns="45720" rtlCol="0" anchor="ctr">
+            <a:noAutofit/>
+          </a:bodyPr>
+          <a:lstStyle>
+            <a:lvl1pPr algn="l" defTabSz="914400" rtl="0" eaLnBrk="1" latinLnBrk="0" hangingPunct="1">
+              <a:lnSpc>
+                <a:spcPct val="90000"/>
+              </a:lnSpc>
+              <a:spcBef>
+                <a:spcPct val="0"/>
+              </a:spcBef>
+              <a:buNone/>
+              <a:defRPr sz="3200" b="0" i="0" kern="1200" cap="all">
+                <a:solidFill>
+                  <a:schemeClr val="tx1"/>
+                </a:solidFill>
+                <a:effectLst/>
+                <a:latin typeface="+mj-lt"/>
+                <a:ea typeface="+mj-ea"/>
+                <a:cs typeface="+mj-cs"/>
+              </a:defRPr>
+            </a:lvl1pPr>
+          </a:lstStyle>
+          <a:p>
+            <a:r>
+              <a:rPr lang="en-US" altLang="zh-TW" sz="5400" dirty="0">
+                <a:latin typeface="Times New Roman" panose="02020603050405020304" pitchFamily="18" charset="0"/>
+                <a:cs typeface="Times New Roman" panose="02020603050405020304" pitchFamily="18" charset="0"/>
+              </a:rPr>
+              <a:t>Analyze</a:t>
+            </a:r>
+          </a:p>
+        </p:txBody>
+      </p:sp>
     </p:spTree>
     <p:extLst>
       <p:ext uri="{BB962C8B-B14F-4D97-AF65-F5344CB8AC3E}">
